--- a/Outros/slide.pptx
+++ b/Outros/slide.pptx
@@ -5,7 +5,7 @@
     <p:sldMasterId id="2147483672" r:id="rId1"/>
   </p:sldMasterIdLst>
   <p:notesMasterIdLst>
-    <p:notesMasterId r:id="rId12"/>
+    <p:notesMasterId r:id="rId14"/>
   </p:notesMasterIdLst>
   <p:sldIdLst>
     <p:sldId id="256" r:id="rId2"/>
@@ -16,8 +16,10 @@
     <p:sldId id="265" r:id="rId7"/>
     <p:sldId id="266" r:id="rId8"/>
     <p:sldId id="261" r:id="rId9"/>
-    <p:sldId id="263" r:id="rId10"/>
-    <p:sldId id="264" r:id="rId11"/>
+    <p:sldId id="268" r:id="rId10"/>
+    <p:sldId id="263" r:id="rId11"/>
+    <p:sldId id="264" r:id="rId12"/>
+    <p:sldId id="267" r:id="rId13"/>
   </p:sldIdLst>
   <p:sldSz cx="9144000" cy="6858000" type="screen4x3"/>
   <p:notesSz cx="6858000" cy="9144000"/>
@@ -202,7 +204,7 @@
             <a:fld id="{798555F1-01A5-4A90-AD34-1B41F1C18094}" type="datetimeFigureOut">
               <a:rPr lang="pt-BR" smtClean="0"/>
               <a:pPr/>
-              <a:t>13/05/2017</a:t>
+              <a:t>15/05/2017</a:t>
             </a:fld>
             <a:endParaRPr lang="pt-BR"/>
           </a:p>
@@ -600,20 +602,6 @@
           <a:bodyPr/>
           <a:lstStyle/>
           <a:p>
-            <a:r>
-              <a:rPr lang="pt-BR" dirty="0" smtClean="0"/>
-              <a:t>Juntar as</a:t>
-            </a:r>
-            <a:r>
-              <a:rPr lang="pt-BR" baseline="0" dirty="0" smtClean="0"/>
-              <a:t> imagens e organizá-las</a:t>
-            </a:r>
-          </a:p>
-          <a:p>
-            <a:r>
-              <a:rPr lang="pt-BR" baseline="0" dirty="0" smtClean="0"/>
-              <a:t>Fonte: Retiradas da internet para fins didáticos</a:t>
-            </a:r>
             <a:endParaRPr lang="pt-BR" dirty="0"/>
           </a:p>
         </p:txBody>
@@ -699,24 +687,6 @@
           <a:bodyPr/>
           <a:lstStyle/>
           <a:p>
-            <a:r>
-              <a:rPr lang="pt-BR" dirty="0" smtClean="0"/>
-              <a:t>Colocar</a:t>
-            </a:r>
-            <a:r>
-              <a:rPr lang="pt-BR" baseline="0" dirty="0" smtClean="0"/>
-              <a:t> o texto com o objetivo geral</a:t>
-            </a:r>
-            <a:endParaRPr lang="pt-BR" dirty="0" smtClean="0"/>
-          </a:p>
-          <a:p>
-            <a:endParaRPr lang="pt-BR" dirty="0" smtClean="0"/>
-          </a:p>
-          <a:p>
-            <a:r>
-              <a:rPr lang="pt-BR" dirty="0" smtClean="0"/>
-              <a:t>Trocar as imagens</a:t>
-            </a:r>
             <a:endParaRPr lang="pt-BR" dirty="0"/>
           </a:p>
         </p:txBody>
@@ -819,31 +789,6 @@
               <a:tabLst/>
               <a:defRPr/>
             </a:pPr>
-            <a:r>
-              <a:rPr lang="pt-BR" dirty="0" smtClean="0"/>
-              <a:t>Colocar</a:t>
-            </a:r>
-            <a:r>
-              <a:rPr lang="pt-BR" baseline="0" dirty="0" smtClean="0"/>
-              <a:t> o texto com o objetivo específicos</a:t>
-            </a:r>
-            <a:endParaRPr lang="pt-BR" dirty="0" smtClean="0"/>
-          </a:p>
-          <a:p>
-            <a:r>
-              <a:rPr lang="pt-BR" dirty="0" smtClean="0"/>
-              <a:t>Colocar</a:t>
-            </a:r>
-            <a:r>
-              <a:rPr lang="pt-BR" baseline="0" dirty="0" smtClean="0"/>
-              <a:t> cada objetivo em um slide</a:t>
-            </a:r>
-          </a:p>
-          <a:p>
-            <a:r>
-              <a:rPr lang="pt-BR" baseline="0" dirty="0" smtClean="0"/>
-              <a:t>Trocar imagem de testes</a:t>
-            </a:r>
             <a:endParaRPr lang="pt-BR" dirty="0"/>
           </a:p>
         </p:txBody>
@@ -929,14 +874,6 @@
           <a:bodyPr/>
           <a:lstStyle/>
           <a:p>
-            <a:r>
-              <a:rPr lang="pt-BR" dirty="0" smtClean="0"/>
-              <a:t>Colocar as perguntas em</a:t>
-            </a:r>
-            <a:r>
-              <a:rPr lang="pt-BR" baseline="0" dirty="0" smtClean="0"/>
-              <a:t> destaque.</a:t>
-            </a:r>
             <a:endParaRPr lang="pt-BR" dirty="0"/>
           </a:p>
         </p:txBody>
@@ -959,7 +896,7 @@
             <a:fld id="{D8E96ECB-1121-49EC-81BC-EF8E1F06EDBC}" type="slidenum">
               <a:rPr lang="pt-BR" smtClean="0"/>
               <a:pPr/>
-              <a:t>9</a:t>
+              <a:t>10</a:t>
             </a:fld>
             <a:endParaRPr lang="pt-BR"/>
           </a:p>
@@ -1116,7 +1053,7 @@
             <a:fld id="{D5E7BBF4-83E0-4889-B49C-F05DC353EE8F}" type="datetimeFigureOut">
               <a:rPr lang="pt-BR" smtClean="0"/>
               <a:pPr/>
-              <a:t>13/05/2017</a:t>
+              <a:t>15/05/2017</a:t>
             </a:fld>
             <a:endParaRPr lang="pt-BR"/>
           </a:p>
@@ -1987,7 +1924,7 @@
             <a:fld id="{D5E7BBF4-83E0-4889-B49C-F05DC353EE8F}" type="datetimeFigureOut">
               <a:rPr lang="pt-BR" smtClean="0"/>
               <a:pPr/>
-              <a:t>13/05/2017</a:t>
+              <a:t>15/05/2017</a:t>
             </a:fld>
             <a:endParaRPr lang="pt-BR"/>
           </a:p>
@@ -2164,7 +2101,7 @@
             <a:fld id="{D5E7BBF4-83E0-4889-B49C-F05DC353EE8F}" type="datetimeFigureOut">
               <a:rPr lang="pt-BR" smtClean="0"/>
               <a:pPr/>
-              <a:t>13/05/2017</a:t>
+              <a:t>15/05/2017</a:t>
             </a:fld>
             <a:endParaRPr lang="pt-BR"/>
           </a:p>
@@ -2336,7 +2273,7 @@
             <a:fld id="{D5E7BBF4-83E0-4889-B49C-F05DC353EE8F}" type="datetimeFigureOut">
               <a:rPr lang="pt-BR" smtClean="0"/>
               <a:pPr/>
-              <a:t>13/05/2017</a:t>
+              <a:t>15/05/2017</a:t>
             </a:fld>
             <a:endParaRPr lang="pt-BR"/>
           </a:p>
@@ -2548,7 +2485,7 @@
             <a:fld id="{D5E7BBF4-83E0-4889-B49C-F05DC353EE8F}" type="datetimeFigureOut">
               <a:rPr lang="pt-BR" smtClean="0"/>
               <a:pPr/>
-              <a:t>13/05/2017</a:t>
+              <a:t>15/05/2017</a:t>
             </a:fld>
             <a:endParaRPr lang="pt-BR"/>
           </a:p>
@@ -3364,7 +3301,7 @@
             <a:fld id="{D5E7BBF4-83E0-4889-B49C-F05DC353EE8F}" type="datetimeFigureOut">
               <a:rPr lang="pt-BR" smtClean="0"/>
               <a:pPr/>
-              <a:t>13/05/2017</a:t>
+              <a:t>15/05/2017</a:t>
             </a:fld>
             <a:endParaRPr lang="pt-BR"/>
           </a:p>
@@ -3602,7 +3539,7 @@
             <a:fld id="{D5E7BBF4-83E0-4889-B49C-F05DC353EE8F}" type="datetimeFigureOut">
               <a:rPr lang="pt-BR" smtClean="0"/>
               <a:pPr/>
-              <a:t>13/05/2017</a:t>
+              <a:t>15/05/2017</a:t>
             </a:fld>
             <a:endParaRPr lang="pt-BR"/>
           </a:p>
@@ -3927,7 +3864,7 @@
             <a:fld id="{D5E7BBF4-83E0-4889-B49C-F05DC353EE8F}" type="datetimeFigureOut">
               <a:rPr lang="pt-BR" smtClean="0"/>
               <a:pPr/>
-              <a:t>13/05/2017</a:t>
+              <a:t>15/05/2017</a:t>
             </a:fld>
             <a:endParaRPr lang="pt-BR"/>
           </a:p>
@@ -4019,7 +3956,7 @@
             <a:fld id="{D5E7BBF4-83E0-4889-B49C-F05DC353EE8F}" type="datetimeFigureOut">
               <a:rPr lang="pt-BR" smtClean="0"/>
               <a:pPr/>
-              <a:t>13/05/2017</a:t>
+              <a:t>15/05/2017</a:t>
             </a:fld>
             <a:endParaRPr lang="pt-BR"/>
           </a:p>
@@ -4538,7 +4475,7 @@
             <a:fld id="{D5E7BBF4-83E0-4889-B49C-F05DC353EE8F}" type="datetimeFigureOut">
               <a:rPr lang="pt-BR" smtClean="0"/>
               <a:pPr/>
-              <a:t>13/05/2017</a:t>
+              <a:t>15/05/2017</a:t>
             </a:fld>
             <a:endParaRPr lang="pt-BR"/>
           </a:p>
@@ -5051,7 +4988,7 @@
             <a:fld id="{D5E7BBF4-83E0-4889-B49C-F05DC353EE8F}" type="datetimeFigureOut">
               <a:rPr lang="pt-BR" smtClean="0"/>
               <a:pPr/>
-              <a:t>13/05/2017</a:t>
+              <a:t>15/05/2017</a:t>
             </a:fld>
             <a:endParaRPr lang="pt-BR"/>
           </a:p>
@@ -5298,7 +5235,7 @@
             <a:fld id="{D5E7BBF4-83E0-4889-B49C-F05DC353EE8F}" type="datetimeFigureOut">
               <a:rPr lang="pt-BR" smtClean="0"/>
               <a:pPr/>
-              <a:t>13/05/2017</a:t>
+              <a:t>15/05/2017</a:t>
             </a:fld>
             <a:endParaRPr lang="pt-BR"/>
           </a:p>
@@ -5931,7 +5868,8 @@
                 <a:solidFill>
                   <a:schemeClr val="tx1"/>
                 </a:solidFill>
-                <a:latin typeface="Comic Sans MS" pitchFamily="66" charset="0"/>
+                <a:latin typeface="Arial" pitchFamily="34" charset="0"/>
+                <a:cs typeface="Arial" pitchFamily="34" charset="0"/>
               </a:rPr>
               <a:t>Ouve Fácil </a:t>
             </a:r>
@@ -5939,7 +5877,8 @@
               <a:solidFill>
                 <a:schemeClr val="tx1"/>
               </a:solidFill>
-              <a:latin typeface="Comic Sans MS" pitchFamily="66" charset="0"/>
+              <a:latin typeface="Arial" pitchFamily="34" charset="0"/>
+              <a:cs typeface="Arial" pitchFamily="34" charset="0"/>
             </a:endParaRPr>
           </a:p>
         </p:txBody>
@@ -5971,7 +5910,8 @@
                 <a:solidFill>
                   <a:schemeClr val="tx1"/>
                 </a:solidFill>
-                <a:latin typeface="Comic Sans MS" pitchFamily="66" charset="0"/>
+                <a:latin typeface="Arial" pitchFamily="34" charset="0"/>
+                <a:cs typeface="Arial" pitchFamily="34" charset="0"/>
               </a:rPr>
               <a:t>UM APLICATIVO PARA IDENTIFICAÇÃO DE PROBLEMAS DE INFRAESTRUTURA, SAÚDE E SEGURANÇA EM UMA CIDADE</a:t>
             </a:r>
@@ -5979,7 +5919,8 @@
               <a:solidFill>
                 <a:schemeClr val="tx1"/>
               </a:solidFill>
-              <a:latin typeface="Comic Sans MS" pitchFamily="66" charset="0"/>
+              <a:latin typeface="Arial" pitchFamily="34" charset="0"/>
+              <a:cs typeface="Arial" pitchFamily="34" charset="0"/>
             </a:endParaRPr>
           </a:p>
         </p:txBody>
@@ -6010,6 +5951,222 @@
           <a:noFill/>
         </p:spPr>
       </p:pic>
+      <p:sp>
+        <p:nvSpPr>
+          <p:cNvPr id="5" name="Espaço Reservado para Conteúdo 2"/>
+          <p:cNvSpPr txBox="1">
+            <a:spLocks/>
+          </p:cNvSpPr>
+          <p:nvPr/>
+        </p:nvSpPr>
+        <p:spPr>
+          <a:xfrm>
+            <a:off x="1979712" y="476672"/>
+            <a:ext cx="7467600" cy="1296144"/>
+          </a:xfrm>
+          <a:prstGeom prst="rect">
+            <a:avLst/>
+          </a:prstGeom>
+        </p:spPr>
+        <p:txBody>
+          <a:bodyPr vert="horz">
+            <a:normAutofit/>
+          </a:bodyPr>
+          <a:lstStyle/>
+          <a:p>
+            <a:pPr marL="0" marR="0" lvl="0" indent="0" algn="l" defTabSz="914400" rtl="0" eaLnBrk="1" fontAlgn="auto" latinLnBrk="0" hangingPunct="1">
+              <a:lnSpc>
+                <a:spcPct val="100000"/>
+              </a:lnSpc>
+              <a:spcBef>
+                <a:spcPts val="600"/>
+              </a:spcBef>
+              <a:spcAft>
+                <a:spcPts val="0"/>
+              </a:spcAft>
+              <a:buClr>
+                <a:schemeClr val="accent1"/>
+              </a:buClr>
+              <a:buSzPct val="70000"/>
+              <a:buFont typeface="Wingdings"/>
+              <a:buNone/>
+              <a:tabLst/>
+              <a:defRPr/>
+            </a:pPr>
+            <a:r>
+              <a:rPr kumimoji="0" lang="pt-BR" sz="1600" b="1" i="0" u="none" strike="noStrike" kern="1200" cap="none" spc="0" normalizeH="0" baseline="0" noProof="0" dirty="0" smtClean="0">
+                <a:ln>
+                  <a:noFill/>
+                </a:ln>
+                <a:effectLst/>
+                <a:uLnTx/>
+                <a:uFillTx/>
+                <a:latin typeface="Arial" pitchFamily="34" charset="0"/>
+                <a:cs typeface="Arial" pitchFamily="34" charset="0"/>
+              </a:rPr>
+              <a:t>Matheus Mauricio de Souza Araujo</a:t>
+            </a:r>
+          </a:p>
+          <a:p>
+            <a:pPr marL="0" marR="0" lvl="0" indent="0" algn="l" defTabSz="914400" rtl="0" eaLnBrk="1" fontAlgn="auto" latinLnBrk="0" hangingPunct="1">
+              <a:lnSpc>
+                <a:spcPct val="100000"/>
+              </a:lnSpc>
+              <a:spcBef>
+                <a:spcPts val="600"/>
+              </a:spcBef>
+              <a:spcAft>
+                <a:spcPts val="0"/>
+              </a:spcAft>
+              <a:buClr>
+                <a:schemeClr val="accent1"/>
+              </a:buClr>
+              <a:buSzPct val="70000"/>
+              <a:buFont typeface="Wingdings"/>
+              <a:buNone/>
+              <a:tabLst/>
+              <a:defRPr/>
+            </a:pPr>
+            <a:r>
+              <a:rPr kumimoji="0" lang="pt-BR" sz="1100" b="1" i="0" u="none" strike="noStrike" kern="1200" cap="none" spc="0" normalizeH="0" baseline="0" noProof="0" dirty="0" smtClean="0">
+                <a:ln>
+                  <a:noFill/>
+                </a:ln>
+                <a:effectLst/>
+                <a:uLnTx/>
+                <a:uFillTx/>
+                <a:latin typeface="Arial" pitchFamily="34" charset="0"/>
+                <a:cs typeface="Arial" pitchFamily="34" charset="0"/>
+              </a:rPr>
+              <a:t>facebook.com/</a:t>
+            </a:r>
+            <a:r>
+              <a:rPr kumimoji="0" lang="pt-BR" sz="1100" b="1" i="0" u="none" strike="noStrike" kern="1200" cap="none" spc="0" normalizeH="0" baseline="0" noProof="0" dirty="0" err="1" smtClean="0">
+                <a:ln>
+                  <a:noFill/>
+                </a:ln>
+                <a:effectLst/>
+                <a:uLnTx/>
+                <a:uFillTx/>
+                <a:latin typeface="Arial" pitchFamily="34" charset="0"/>
+                <a:cs typeface="Arial" pitchFamily="34" charset="0"/>
+              </a:rPr>
+              <a:t>matheus</a:t>
+            </a:r>
+            <a:r>
+              <a:rPr kumimoji="0" lang="pt-BR" sz="1100" b="1" i="0" u="none" strike="noStrike" kern="1200" cap="none" spc="0" normalizeH="0" baseline="0" noProof="0" dirty="0" smtClean="0">
+                <a:ln>
+                  <a:noFill/>
+                </a:ln>
+                <a:effectLst/>
+                <a:uLnTx/>
+                <a:uFillTx/>
+                <a:latin typeface="Arial" pitchFamily="34" charset="0"/>
+                <a:cs typeface="Arial" pitchFamily="34" charset="0"/>
+              </a:rPr>
+              <a:t>.</a:t>
+            </a:r>
+            <a:r>
+              <a:rPr kumimoji="0" lang="pt-BR" sz="1100" b="1" i="0" u="none" strike="noStrike" kern="1200" cap="none" spc="0" normalizeH="0" baseline="0" noProof="0" dirty="0" err="1" smtClean="0">
+                <a:ln>
+                  <a:noFill/>
+                </a:ln>
+                <a:effectLst/>
+                <a:uLnTx/>
+                <a:uFillTx/>
+                <a:latin typeface="Arial" pitchFamily="34" charset="0"/>
+                <a:cs typeface="Arial" pitchFamily="34" charset="0"/>
+              </a:rPr>
+              <a:t>araujo</a:t>
+            </a:r>
+            <a:r>
+              <a:rPr kumimoji="0" lang="pt-BR" sz="1100" b="1" i="0" u="none" strike="noStrike" kern="1200" cap="none" spc="0" normalizeH="0" baseline="0" noProof="0" dirty="0" smtClean="0">
+                <a:ln>
+                  <a:noFill/>
+                </a:ln>
+                <a:effectLst/>
+                <a:uLnTx/>
+                <a:uFillTx/>
+                <a:latin typeface="Arial" pitchFamily="34" charset="0"/>
+                <a:cs typeface="Arial" pitchFamily="34" charset="0"/>
+              </a:rPr>
+              <a:t>.7140</a:t>
+            </a:r>
+          </a:p>
+          <a:p>
+            <a:pPr marL="0" marR="0" lvl="0" indent="0" algn="l" defTabSz="914400" rtl="0" eaLnBrk="1" fontAlgn="auto" latinLnBrk="0" hangingPunct="1">
+              <a:lnSpc>
+                <a:spcPct val="100000"/>
+              </a:lnSpc>
+              <a:spcBef>
+                <a:spcPts val="600"/>
+              </a:spcBef>
+              <a:spcAft>
+                <a:spcPts val="0"/>
+              </a:spcAft>
+              <a:buClr>
+                <a:schemeClr val="accent1"/>
+              </a:buClr>
+              <a:buSzPct val="70000"/>
+              <a:buFont typeface="Wingdings"/>
+              <a:buNone/>
+              <a:tabLst/>
+              <a:defRPr/>
+            </a:pPr>
+            <a:r>
+              <a:rPr kumimoji="0" lang="pt-BR" sz="1100" b="1" i="0" u="none" strike="noStrike" kern="1200" cap="none" spc="0" normalizeH="0" baseline="0" noProof="0" dirty="0" smtClean="0">
+                <a:ln>
+                  <a:noFill/>
+                </a:ln>
+                <a:effectLst/>
+                <a:uLnTx/>
+                <a:uFillTx/>
+                <a:latin typeface="Arial" pitchFamily="34" charset="0"/>
+                <a:cs typeface="Arial" pitchFamily="34" charset="0"/>
+              </a:rPr>
+              <a:t>(28) 99955-0944</a:t>
+            </a:r>
+          </a:p>
+          <a:p>
+            <a:pPr marL="0" marR="0" lvl="0" indent="0" algn="l" defTabSz="914400" rtl="0" eaLnBrk="1" fontAlgn="auto" latinLnBrk="0" hangingPunct="1">
+              <a:lnSpc>
+                <a:spcPct val="100000"/>
+              </a:lnSpc>
+              <a:spcBef>
+                <a:spcPts val="600"/>
+              </a:spcBef>
+              <a:spcAft>
+                <a:spcPts val="0"/>
+              </a:spcAft>
+              <a:buClr>
+                <a:schemeClr val="accent1"/>
+              </a:buClr>
+              <a:buSzPct val="70000"/>
+              <a:buFont typeface="Wingdings"/>
+              <a:buNone/>
+              <a:tabLst/>
+              <a:defRPr/>
+            </a:pPr>
+            <a:r>
+              <a:rPr lang="pt-BR" sz="1100" b="1" dirty="0" smtClean="0">
+                <a:latin typeface="Arial" pitchFamily="34" charset="0"/>
+                <a:cs typeface="Arial" pitchFamily="34" charset="0"/>
+              </a:rPr>
+              <a:t>matheus_mauricio@hotmail.com</a:t>
+            </a:r>
+            <a:endParaRPr kumimoji="0" lang="pt-BR" sz="1100" b="1" i="0" u="none" strike="noStrike" kern="1200" cap="none" spc="0" normalizeH="0" baseline="0" noProof="0" dirty="0">
+              <a:ln>
+                <a:noFill/>
+              </a:ln>
+              <a:effectLst/>
+              <a:uLnTx/>
+              <a:uFillTx/>
+              <a:latin typeface="Arial" pitchFamily="34" charset="0"/>
+              <a:cs typeface="Arial" pitchFamily="34" charset="0"/>
+            </a:endParaRPr>
+          </a:p>
+        </p:txBody>
+      </p:sp>
     </p:spTree>
   </p:cSld>
   <p:clrMapOvr>
@@ -6042,6 +6199,32 @@
           <a:chExt cx="0" cy="0"/>
         </a:xfrm>
       </p:grpSpPr>
+      <p:pic>
+        <p:nvPicPr>
+          <p:cNvPr id="3075" name="Picture 3" descr="C:\Users\Matheus\Desktop\índice.jpg"/>
+          <p:cNvPicPr>
+            <a:picLocks noChangeAspect="1" noChangeArrowheads="1"/>
+          </p:cNvPicPr>
+          <p:nvPr/>
+        </p:nvPicPr>
+        <p:blipFill>
+          <a:blip r:embed="rId3" cstate="print"/>
+          <a:srcRect/>
+          <a:stretch>
+            <a:fillRect/>
+          </a:stretch>
+        </p:blipFill>
+        <p:spPr bwMode="auto">
+          <a:xfrm>
+            <a:off x="4499992" y="4788140"/>
+            <a:ext cx="3635524" cy="2069860"/>
+          </a:xfrm>
+          <a:prstGeom prst="rect">
+            <a:avLst/>
+          </a:prstGeom>
+          <a:noFill/>
+        </p:spPr>
+      </p:pic>
       <p:sp>
         <p:nvSpPr>
           <p:cNvPr id="2" name="Título 1"/>
@@ -6064,15 +6247,135 @@
                 <a:solidFill>
                   <a:srgbClr val="0070C0"/>
                 </a:solidFill>
-                <a:latin typeface="Comic Sans MS" pitchFamily="66" charset="0"/>
+                <a:latin typeface="Arial" pitchFamily="34" charset="0"/>
+                <a:cs typeface="Arial" pitchFamily="34" charset="0"/>
               </a:rPr>
-              <a:t>Dúvidas?</a:t>
+              <a:t>Perguntas Principais</a:t>
             </a:r>
             <a:endParaRPr lang="pt-BR" sz="4800" b="1" dirty="0">
               <a:solidFill>
                 <a:srgbClr val="0070C0"/>
               </a:solidFill>
-              <a:latin typeface="Comic Sans MS" pitchFamily="66" charset="0"/>
+              <a:latin typeface="Arial" pitchFamily="34" charset="0"/>
+              <a:cs typeface="Arial" pitchFamily="34" charset="0"/>
+            </a:endParaRPr>
+          </a:p>
+        </p:txBody>
+      </p:sp>
+      <p:sp>
+        <p:nvSpPr>
+          <p:cNvPr id="3" name="Espaço Reservado para Conteúdo 2"/>
+          <p:cNvSpPr>
+            <a:spLocks noGrp="1"/>
+          </p:cNvSpPr>
+          <p:nvPr>
+            <p:ph sz="quarter" idx="1"/>
+          </p:nvPr>
+        </p:nvSpPr>
+        <p:spPr/>
+        <p:txBody>
+          <a:bodyPr>
+            <a:normAutofit/>
+          </a:bodyPr>
+          <a:lstStyle/>
+          <a:p>
+            <a:pPr algn="just"/>
+            <a:r>
+              <a:rPr lang="pt-BR" sz="3200" dirty="0" smtClean="0">
+                <a:latin typeface="Arial" pitchFamily="34" charset="0"/>
+                <a:cs typeface="Arial" pitchFamily="34" charset="0"/>
+              </a:rPr>
+              <a:t>Com o uso desse aplicativo, o número de demandas à Ouvidoria vai aumentar?</a:t>
+            </a:r>
+          </a:p>
+          <a:p>
+            <a:pPr algn="just"/>
+            <a:endParaRPr lang="pt-BR" sz="3200" dirty="0" smtClean="0">
+              <a:latin typeface="Arial" pitchFamily="34" charset="0"/>
+              <a:cs typeface="Arial" pitchFamily="34" charset="0"/>
+            </a:endParaRPr>
+          </a:p>
+          <a:p>
+            <a:pPr algn="just"/>
+            <a:r>
+              <a:rPr lang="pt-BR" sz="3200" dirty="0" smtClean="0">
+                <a:latin typeface="Arial" pitchFamily="34" charset="0"/>
+                <a:cs typeface="Arial" pitchFamily="34" charset="0"/>
+              </a:rPr>
+              <a:t>Com o uso desse aplicativo, o número de demandas resolvidas vai aumentar?</a:t>
+            </a:r>
+            <a:endParaRPr lang="pt-BR" sz="3200" dirty="0">
+              <a:latin typeface="Arial" pitchFamily="34" charset="0"/>
+              <a:cs typeface="Arial" pitchFamily="34" charset="0"/>
+            </a:endParaRPr>
+          </a:p>
+        </p:txBody>
+      </p:sp>
+    </p:spTree>
+  </p:cSld>
+  <p:clrMapOvr>
+    <a:masterClrMapping/>
+  </p:clrMapOvr>
+  <p:timing>
+    <p:tnLst>
+      <p:par>
+        <p:cTn id="1" dur="indefinite" restart="never" nodeType="tmRoot"/>
+      </p:par>
+    </p:tnLst>
+  </p:timing>
+</p:sld>
+</file>
+
+<file path=ppt/slides/slide11.xml><?xml version="1.0" encoding="utf-8"?>
+<p:sld xmlns:a="http://schemas.openxmlformats.org/drawingml/2006/main" xmlns:r="http://schemas.openxmlformats.org/officeDocument/2006/relationships" xmlns:p="http://schemas.openxmlformats.org/presentationml/2006/main">
+  <p:cSld>
+    <p:spTree>
+      <p:nvGrpSpPr>
+        <p:cNvPr id="1" name=""/>
+        <p:cNvGrpSpPr/>
+        <p:nvPr/>
+      </p:nvGrpSpPr>
+      <p:grpSpPr>
+        <a:xfrm>
+          <a:off x="0" y="0"/>
+          <a:ext cx="0" cy="0"/>
+          <a:chOff x="0" y="0"/>
+          <a:chExt cx="0" cy="0"/>
+        </a:xfrm>
+      </p:grpSpPr>
+      <p:sp>
+        <p:nvSpPr>
+          <p:cNvPr id="2" name="Título 1"/>
+          <p:cNvSpPr>
+            <a:spLocks noGrp="1"/>
+          </p:cNvSpPr>
+          <p:nvPr>
+            <p:ph type="title"/>
+          </p:nvPr>
+        </p:nvSpPr>
+        <p:spPr/>
+        <p:txBody>
+          <a:bodyPr>
+            <a:normAutofit/>
+          </a:bodyPr>
+          <a:lstStyle/>
+          <a:p>
+            <a:r>
+              <a:rPr lang="pt-BR" sz="4800" b="1" dirty="0" smtClean="0">
+                <a:solidFill>
+                  <a:srgbClr val="0070C0"/>
+                </a:solidFill>
+                <a:latin typeface="Arial" pitchFamily="34" charset="0"/>
+                <a:cs typeface="Arial" pitchFamily="34" charset="0"/>
+              </a:rPr>
+              <a:t>Dúvidas?</a:t>
+            </a:r>
+            <a:endParaRPr lang="pt-BR" sz="4800" b="1" dirty="0">
+              <a:solidFill>
+                <a:srgbClr val="0070C0"/>
+              </a:solidFill>
+              <a:latin typeface="Arial" pitchFamily="34" charset="0"/>
+              <a:cs typeface="Arial" pitchFamily="34" charset="0"/>
             </a:endParaRPr>
           </a:p>
         </p:txBody>
@@ -6115,6 +6418,263 @@
           <a:xfrm>
             <a:off x="1979712" y="1700808"/>
             <a:ext cx="4896544" cy="3672408"/>
+          </a:xfrm>
+          <a:prstGeom prst="rect">
+            <a:avLst/>
+          </a:prstGeom>
+          <a:noFill/>
+        </p:spPr>
+      </p:pic>
+    </p:spTree>
+  </p:cSld>
+  <p:clrMapOvr>
+    <a:masterClrMapping/>
+  </p:clrMapOvr>
+  <p:timing>
+    <p:tnLst>
+      <p:par>
+        <p:cTn id="1" dur="indefinite" restart="never" nodeType="tmRoot"/>
+      </p:par>
+    </p:tnLst>
+  </p:timing>
+</p:sld>
+</file>
+
+<file path=ppt/slides/slide12.xml><?xml version="1.0" encoding="utf-8"?>
+<p:sld xmlns:a="http://schemas.openxmlformats.org/drawingml/2006/main" xmlns:r="http://schemas.openxmlformats.org/officeDocument/2006/relationships" xmlns:p="http://schemas.openxmlformats.org/presentationml/2006/main">
+  <p:cSld>
+    <p:spTree>
+      <p:nvGrpSpPr>
+        <p:cNvPr id="1" name=""/>
+        <p:cNvGrpSpPr/>
+        <p:nvPr/>
+      </p:nvGrpSpPr>
+      <p:grpSpPr>
+        <a:xfrm>
+          <a:off x="0" y="0"/>
+          <a:ext cx="0" cy="0"/>
+          <a:chOff x="0" y="0"/>
+          <a:chExt cx="0" cy="0"/>
+        </a:xfrm>
+      </p:grpSpPr>
+      <p:sp>
+        <p:nvSpPr>
+          <p:cNvPr id="2" name="Título 1"/>
+          <p:cNvSpPr>
+            <a:spLocks noGrp="1"/>
+          </p:cNvSpPr>
+          <p:nvPr>
+            <p:ph type="title"/>
+          </p:nvPr>
+        </p:nvSpPr>
+        <p:spPr/>
+        <p:txBody>
+          <a:bodyPr>
+            <a:normAutofit/>
+          </a:bodyPr>
+          <a:lstStyle/>
+          <a:p>
+            <a:r>
+              <a:rPr lang="pt-BR" sz="4800" b="1" dirty="0" smtClean="0">
+                <a:solidFill>
+                  <a:srgbClr val="0070C0"/>
+                </a:solidFill>
+                <a:latin typeface="Arial" pitchFamily="34" charset="0"/>
+                <a:cs typeface="Arial" pitchFamily="34" charset="0"/>
+              </a:rPr>
+              <a:t>Contato</a:t>
+            </a:r>
+            <a:endParaRPr lang="pt-BR" sz="4800" b="1" dirty="0">
+              <a:solidFill>
+                <a:srgbClr val="0070C0"/>
+              </a:solidFill>
+              <a:latin typeface="Arial" pitchFamily="34" charset="0"/>
+              <a:cs typeface="Arial" pitchFamily="34" charset="0"/>
+            </a:endParaRPr>
+          </a:p>
+        </p:txBody>
+      </p:sp>
+      <p:sp>
+        <p:nvSpPr>
+          <p:cNvPr id="3" name="Espaço Reservado para Conteúdo 2"/>
+          <p:cNvSpPr>
+            <a:spLocks noGrp="1"/>
+          </p:cNvSpPr>
+          <p:nvPr>
+            <p:ph sz="quarter" idx="1"/>
+          </p:nvPr>
+        </p:nvSpPr>
+        <p:spPr>
+          <a:xfrm>
+            <a:off x="467544" y="1484784"/>
+            <a:ext cx="7467600" cy="4873752"/>
+          </a:xfrm>
+        </p:spPr>
+        <p:txBody>
+          <a:bodyPr/>
+          <a:lstStyle/>
+          <a:p>
+            <a:pPr algn="ctr">
+              <a:buNone/>
+            </a:pPr>
+            <a:r>
+              <a:rPr lang="pt-BR" sz="3200" b="1" dirty="0" smtClean="0">
+                <a:latin typeface="Arial" pitchFamily="34" charset="0"/>
+                <a:cs typeface="Arial" pitchFamily="34" charset="0"/>
+              </a:rPr>
+              <a:t>Matheus Mauricio de Souza Araujo</a:t>
+            </a:r>
+          </a:p>
+          <a:p>
+            <a:pPr>
+              <a:buNone/>
+            </a:pPr>
+            <a:endParaRPr lang="pt-BR" dirty="0" smtClean="0">
+              <a:latin typeface="Arial" pitchFamily="34" charset="0"/>
+              <a:cs typeface="Arial" pitchFamily="34" charset="0"/>
+            </a:endParaRPr>
+          </a:p>
+          <a:p>
+            <a:pPr>
+              <a:buNone/>
+            </a:pPr>
+            <a:r>
+              <a:rPr lang="pt-BR" dirty="0" smtClean="0">
+                <a:latin typeface="Arial" pitchFamily="34" charset="0"/>
+                <a:cs typeface="Arial" pitchFamily="34" charset="0"/>
+              </a:rPr>
+              <a:t>facebook.com/</a:t>
+            </a:r>
+            <a:r>
+              <a:rPr lang="pt-BR" dirty="0" err="1" smtClean="0">
+                <a:latin typeface="Arial" pitchFamily="34" charset="0"/>
+                <a:cs typeface="Arial" pitchFamily="34" charset="0"/>
+              </a:rPr>
+              <a:t>matheus</a:t>
+            </a:r>
+            <a:r>
+              <a:rPr lang="pt-BR" dirty="0" smtClean="0">
+                <a:latin typeface="Arial" pitchFamily="34" charset="0"/>
+                <a:cs typeface="Arial" pitchFamily="34" charset="0"/>
+              </a:rPr>
+              <a:t>.</a:t>
+            </a:r>
+            <a:r>
+              <a:rPr lang="pt-BR" dirty="0" err="1" smtClean="0">
+                <a:latin typeface="Arial" pitchFamily="34" charset="0"/>
+                <a:cs typeface="Arial" pitchFamily="34" charset="0"/>
+              </a:rPr>
+              <a:t>araujo</a:t>
+            </a:r>
+            <a:r>
+              <a:rPr lang="pt-BR" dirty="0" smtClean="0">
+                <a:latin typeface="Arial" pitchFamily="34" charset="0"/>
+                <a:cs typeface="Arial" pitchFamily="34" charset="0"/>
+              </a:rPr>
+              <a:t>.7140</a:t>
+            </a:r>
+          </a:p>
+          <a:p>
+            <a:pPr>
+              <a:buNone/>
+            </a:pPr>
+            <a:r>
+              <a:rPr lang="pt-BR" dirty="0" smtClean="0">
+                <a:latin typeface="Arial" pitchFamily="34" charset="0"/>
+                <a:cs typeface="Arial" pitchFamily="34" charset="0"/>
+              </a:rPr>
+              <a:t>(28) 99955-0944</a:t>
+            </a:r>
+          </a:p>
+          <a:p>
+            <a:pPr>
+              <a:buNone/>
+            </a:pPr>
+            <a:r>
+              <a:rPr lang="pt-BR" dirty="0" smtClean="0">
+                <a:latin typeface="Arial" pitchFamily="34" charset="0"/>
+                <a:cs typeface="Arial" pitchFamily="34" charset="0"/>
+              </a:rPr>
+              <a:t>matheus_mauricio@hotmail.com</a:t>
+            </a:r>
+            <a:endParaRPr lang="pt-BR" dirty="0">
+              <a:latin typeface="Arial" pitchFamily="34" charset="0"/>
+              <a:cs typeface="Arial" pitchFamily="34" charset="0"/>
+            </a:endParaRPr>
+          </a:p>
+        </p:txBody>
+      </p:sp>
+      <p:pic>
+        <p:nvPicPr>
+          <p:cNvPr id="2051" name="Picture 3" descr="C:\Users\Matheus\Desktop\fb_icon_325x325.png"/>
+          <p:cNvPicPr>
+            <a:picLocks noChangeAspect="1" noChangeArrowheads="1"/>
+          </p:cNvPicPr>
+          <p:nvPr/>
+        </p:nvPicPr>
+        <p:blipFill>
+          <a:blip r:embed="rId2" cstate="print"/>
+          <a:srcRect/>
+          <a:stretch>
+            <a:fillRect/>
+          </a:stretch>
+        </p:blipFill>
+        <p:spPr bwMode="auto">
+          <a:xfrm>
+            <a:off x="251520" y="2564904"/>
+            <a:ext cx="263550" cy="263550"/>
+          </a:xfrm>
+          <a:prstGeom prst="rect">
+            <a:avLst/>
+          </a:prstGeom>
+          <a:noFill/>
+        </p:spPr>
+      </p:pic>
+      <p:pic>
+        <p:nvPicPr>
+          <p:cNvPr id="2053" name="Picture 5" descr="Resultado de imagem para whatsapp png"/>
+          <p:cNvPicPr>
+            <a:picLocks noChangeAspect="1" noChangeArrowheads="1"/>
+          </p:cNvPicPr>
+          <p:nvPr/>
+        </p:nvPicPr>
+        <p:blipFill>
+          <a:blip r:embed="rId3" cstate="print"/>
+          <a:srcRect/>
+          <a:stretch>
+            <a:fillRect/>
+          </a:stretch>
+        </p:blipFill>
+        <p:spPr bwMode="auto">
+          <a:xfrm>
+            <a:off x="179512" y="2996952"/>
+            <a:ext cx="351301" cy="360040"/>
+          </a:xfrm>
+          <a:prstGeom prst="rect">
+            <a:avLst/>
+          </a:prstGeom>
+          <a:noFill/>
+        </p:spPr>
+      </p:pic>
+      <p:pic>
+        <p:nvPicPr>
+          <p:cNvPr id="2057" name="Picture 9" descr="Resultado de imagem para email png"/>
+          <p:cNvPicPr>
+            <a:picLocks noChangeAspect="1" noChangeArrowheads="1"/>
+          </p:cNvPicPr>
+          <p:nvPr/>
+        </p:nvPicPr>
+        <p:blipFill>
+          <a:blip r:embed="rId4" cstate="print"/>
+          <a:srcRect/>
+          <a:stretch>
+            <a:fillRect/>
+          </a:stretch>
+        </p:blipFill>
+        <p:spPr bwMode="auto">
+          <a:xfrm>
+            <a:off x="251520" y="3501008"/>
+            <a:ext cx="288032" cy="288032"/>
           </a:xfrm>
           <a:prstGeom prst="rect">
             <a:avLst/>
@@ -6156,7 +6716,7 @@
       </p:grpSpPr>
       <p:pic>
         <p:nvPicPr>
-          <p:cNvPr id="1026" name="Picture 2" descr="C:\Algumas Pastas\Sistemas de Informação\TCC\TCC\imagens\fluxo_generico_ouvidoria.jpg"/>
+          <p:cNvPr id="4" name="Picture 2" descr="C:\Users\Matheus\Documents\GitHub\TCC\TCC\imagens\fluxo_generico_ouvidoria.jpg"/>
           <p:cNvPicPr>
             <a:picLocks noChangeAspect="1" noChangeArrowheads="1"/>
           </p:cNvPicPr>
@@ -6171,7 +6731,7 @@
         </p:blipFill>
         <p:spPr bwMode="auto">
           <a:xfrm>
-            <a:off x="251520" y="0"/>
+            <a:off x="539552" y="0"/>
             <a:ext cx="8064896" cy="6478053"/>
           </a:xfrm>
           <a:prstGeom prst="rect">
@@ -6226,12 +6786,14 @@
             </a:pPr>
             <a:r>
               <a:rPr lang="pt-BR" sz="2000" dirty="0" smtClean="0">
-                <a:latin typeface="Comic Sans MS" pitchFamily="66" charset="0"/>
+                <a:latin typeface="Arial" pitchFamily="34" charset="0"/>
+                <a:cs typeface="Arial" pitchFamily="34" charset="0"/>
               </a:rPr>
               <a:t>Fonte: Autor e imagens retiradas da internet para fins didáticos</a:t>
             </a:r>
             <a:endParaRPr lang="pt-BR" sz="2000" dirty="0">
-              <a:latin typeface="Comic Sans MS" pitchFamily="66" charset="0"/>
+              <a:latin typeface="Arial" pitchFamily="34" charset="0"/>
+              <a:cs typeface="Arial" pitchFamily="34" charset="0"/>
             </a:endParaRPr>
           </a:p>
         </p:txBody>
@@ -6316,7 +6878,8 @@
                 <a:solidFill>
                   <a:srgbClr val="0070C0"/>
                 </a:solidFill>
-                <a:latin typeface="Comic Sans MS" pitchFamily="66" charset="0"/>
+                <a:latin typeface="Arial" pitchFamily="34" charset="0"/>
+                <a:cs typeface="Arial" pitchFamily="34" charset="0"/>
               </a:rPr>
               <a:t>Escolha do Tema</a:t>
             </a:r>
@@ -6324,7 +6887,8 @@
               <a:solidFill>
                 <a:srgbClr val="0070C0"/>
               </a:solidFill>
-              <a:latin typeface="Comic Sans MS" pitchFamily="66" charset="0"/>
+              <a:latin typeface="Arial" pitchFamily="34" charset="0"/>
+              <a:cs typeface="Arial" pitchFamily="34" charset="0"/>
             </a:endParaRPr>
           </a:p>
         </p:txBody>
@@ -6356,12 +6920,14 @@
             </a:pPr>
             <a:r>
               <a:rPr lang="pt-BR" sz="2000" dirty="0" smtClean="0">
-                <a:latin typeface="Comic Sans MS" pitchFamily="66" charset="0"/>
+                <a:latin typeface="Arial" pitchFamily="34" charset="0"/>
+                <a:cs typeface="Arial" pitchFamily="34" charset="0"/>
               </a:rPr>
               <a:t>	Fonte: Imagens retiradas da internet para fins didáticos</a:t>
             </a:r>
             <a:endParaRPr lang="pt-BR" sz="2000" dirty="0">
-              <a:latin typeface="Comic Sans MS" pitchFamily="66" charset="0"/>
+              <a:latin typeface="Arial" pitchFamily="34" charset="0"/>
+              <a:cs typeface="Arial" pitchFamily="34" charset="0"/>
             </a:endParaRPr>
           </a:p>
         </p:txBody>
@@ -6498,7 +7064,8 @@
                 <a:solidFill>
                   <a:srgbClr val="0070C0"/>
                 </a:solidFill>
-                <a:latin typeface="Comic Sans MS" pitchFamily="66" charset="0"/>
+                <a:latin typeface="Arial" pitchFamily="34" charset="0"/>
+                <a:cs typeface="Arial" pitchFamily="34" charset="0"/>
               </a:rPr>
               <a:t>Objetivo Geral</a:t>
             </a:r>
@@ -6506,7 +7073,8 @@
               <a:solidFill>
                 <a:srgbClr val="0070C0"/>
               </a:solidFill>
-              <a:latin typeface="Comic Sans MS" pitchFamily="66" charset="0"/>
+              <a:latin typeface="Arial" pitchFamily="34" charset="0"/>
+              <a:cs typeface="Arial" pitchFamily="34" charset="0"/>
             </a:endParaRPr>
           </a:p>
         </p:txBody>
@@ -6531,28 +7099,58 @@
             <a:pPr algn="just"/>
             <a:r>
               <a:rPr lang="pt-BR" sz="3200" dirty="0" smtClean="0">
-                <a:latin typeface="Comic Sans MS" pitchFamily="66" charset="0"/>
+                <a:latin typeface="Arial" pitchFamily="34" charset="0"/>
+                <a:cs typeface="Arial" pitchFamily="34" charset="0"/>
               </a:rPr>
               <a:t>Desenvolvimento de um aplicativo para </a:t>
             </a:r>
             <a:r>
               <a:rPr lang="pt-BR" sz="3200" dirty="0" err="1" smtClean="0">
-                <a:latin typeface="Comic Sans MS" pitchFamily="66" charset="0"/>
+                <a:latin typeface="Arial" pitchFamily="34" charset="0"/>
+                <a:cs typeface="Arial" pitchFamily="34" charset="0"/>
               </a:rPr>
               <a:t>Android</a:t>
             </a:r>
             <a:r>
               <a:rPr lang="pt-BR" sz="3200" dirty="0" smtClean="0">
-                <a:latin typeface="Comic Sans MS" pitchFamily="66" charset="0"/>
+                <a:latin typeface="Arial" pitchFamily="34" charset="0"/>
+                <a:cs typeface="Arial" pitchFamily="34" charset="0"/>
               </a:rPr>
               <a:t> que facilite a comunicação entre o cidadão e a Ouvidoria Pública.</a:t>
             </a:r>
             <a:endParaRPr lang="pt-BR" sz="3200" dirty="0">
-              <a:latin typeface="Comic Sans MS" pitchFamily="66" charset="0"/>
+              <a:latin typeface="Arial" pitchFamily="34" charset="0"/>
+              <a:cs typeface="Arial" pitchFamily="34" charset="0"/>
             </a:endParaRPr>
           </a:p>
         </p:txBody>
       </p:sp>
+      <p:pic>
+        <p:nvPicPr>
+          <p:cNvPr id="1026" name="Picture 2" descr="C:\Users\Matheus\Documents\GitHub\TCC\Outros\índice.jpg"/>
+          <p:cNvPicPr>
+            <a:picLocks noChangeAspect="1" noChangeArrowheads="1"/>
+          </p:cNvPicPr>
+          <p:nvPr/>
+        </p:nvPicPr>
+        <p:blipFill>
+          <a:blip r:embed="rId3" cstate="print"/>
+          <a:srcRect/>
+          <a:stretch>
+            <a:fillRect/>
+          </a:stretch>
+        </p:blipFill>
+        <p:spPr bwMode="auto">
+          <a:xfrm>
+            <a:off x="4139952" y="3140968"/>
+            <a:ext cx="4608512" cy="3648405"/>
+          </a:xfrm>
+          <a:prstGeom prst="rect">
+            <a:avLst/>
+          </a:prstGeom>
+          <a:noFill/>
+        </p:spPr>
+      </p:pic>
     </p:spTree>
   </p:cSld>
   <p:clrMapOvr>
@@ -6607,7 +7205,8 @@
                 <a:solidFill>
                   <a:srgbClr val="0070C0"/>
                 </a:solidFill>
-                <a:latin typeface="Comic Sans MS" pitchFamily="66" charset="0"/>
+                <a:latin typeface="Arial" pitchFamily="34" charset="0"/>
+                <a:cs typeface="Arial" pitchFamily="34" charset="0"/>
               </a:rPr>
               <a:t>Objetivos Específicos</a:t>
             </a:r>
@@ -6615,7 +7214,8 @@
               <a:solidFill>
                 <a:srgbClr val="0070C0"/>
               </a:solidFill>
-              <a:latin typeface="Comic Sans MS" pitchFamily="66" charset="0"/>
+              <a:latin typeface="Arial" pitchFamily="34" charset="0"/>
+              <a:cs typeface="Arial" pitchFamily="34" charset="0"/>
             </a:endParaRPr>
           </a:p>
         </p:txBody>
@@ -6640,36 +7240,28 @@
             <a:pPr algn="just"/>
             <a:r>
               <a:rPr lang="pt-BR" sz="3200" dirty="0" smtClean="0">
-                <a:latin typeface="Comic Sans MS" pitchFamily="66" charset="0"/>
+                <a:latin typeface="Arial" pitchFamily="34" charset="0"/>
+                <a:cs typeface="Arial" pitchFamily="34" charset="0"/>
               </a:rPr>
               <a:t>Gerar um aplicativo para </a:t>
             </a:r>
             <a:r>
               <a:rPr lang="pt-BR" sz="3200" dirty="0" err="1" smtClean="0">
-                <a:latin typeface="Comic Sans MS" pitchFamily="66" charset="0"/>
+                <a:latin typeface="Arial" pitchFamily="34" charset="0"/>
+                <a:cs typeface="Arial" pitchFamily="34" charset="0"/>
               </a:rPr>
               <a:t>Android</a:t>
             </a:r>
             <a:r>
               <a:rPr lang="pt-BR" sz="3200" dirty="0" smtClean="0">
-                <a:latin typeface="Comic Sans MS" pitchFamily="66" charset="0"/>
+                <a:latin typeface="Arial" pitchFamily="34" charset="0"/>
+                <a:cs typeface="Arial" pitchFamily="34" charset="0"/>
               </a:rPr>
-              <a:t> </a:t>
-            </a:r>
-            <a:r>
-              <a:rPr lang="pt-BR" sz="3200" smtClean="0">
-                <a:latin typeface="Comic Sans MS" pitchFamily="66" charset="0"/>
-              </a:rPr>
-              <a:t>que facilite </a:t>
-            </a:r>
-            <a:r>
-              <a:rPr lang="pt-BR" sz="3200" dirty="0" smtClean="0">
-                <a:latin typeface="Comic Sans MS" pitchFamily="66" charset="0"/>
-              </a:rPr>
-              <a:t>a comunicação entre a Ouvidoria e o cidadão;</a:t>
+              <a:t> que facilite a comunicação entre a Ouvidoria e o cidadão;</a:t>
             </a:r>
             <a:endParaRPr lang="pt-BR" sz="3200" dirty="0">
-              <a:latin typeface="Comic Sans MS" pitchFamily="66" charset="0"/>
+              <a:latin typeface="Arial" pitchFamily="34" charset="0"/>
+              <a:cs typeface="Arial" pitchFamily="34" charset="0"/>
             </a:endParaRPr>
           </a:p>
         </p:txBody>
@@ -6754,11 +7346,15 @@
                 <a:solidFill>
                   <a:srgbClr val="0070C0"/>
                 </a:solidFill>
-                <a:latin typeface="Comic Sans MS" pitchFamily="66" charset="0"/>
+                <a:latin typeface="Arial" pitchFamily="34" charset="0"/>
+                <a:cs typeface="Arial" pitchFamily="34" charset="0"/>
               </a:rPr>
               <a:t>Objetivos Específicos</a:t>
             </a:r>
-            <a:endParaRPr lang="pt-BR" sz="4400" dirty="0"/>
+            <a:endParaRPr lang="pt-BR" sz="4400" dirty="0">
+              <a:latin typeface="Arial" pitchFamily="34" charset="0"/>
+              <a:cs typeface="Arial" pitchFamily="34" charset="0"/>
+            </a:endParaRPr>
           </a:p>
         </p:txBody>
       </p:sp>
@@ -6782,12 +7378,14 @@
             <a:pPr algn="just"/>
             <a:r>
               <a:rPr lang="pt-BR" sz="3200" dirty="0" smtClean="0">
-                <a:latin typeface="Comic Sans MS" pitchFamily="66" charset="0"/>
+                <a:latin typeface="Arial" pitchFamily="34" charset="0"/>
+                <a:cs typeface="Arial" pitchFamily="34" charset="0"/>
               </a:rPr>
               <a:t>Testar as funcionalidades e aceitação deste aplicativo junto à comunidade;</a:t>
             </a:r>
             <a:endParaRPr lang="pt-BR" sz="3200" dirty="0">
-              <a:latin typeface="Comic Sans MS" pitchFamily="66" charset="0"/>
+              <a:latin typeface="Arial" pitchFamily="34" charset="0"/>
+              <a:cs typeface="Arial" pitchFamily="34" charset="0"/>
             </a:endParaRPr>
           </a:p>
         </p:txBody>
@@ -6872,11 +7470,15 @@
                 <a:solidFill>
                   <a:srgbClr val="0070C0"/>
                 </a:solidFill>
-                <a:latin typeface="Comic Sans MS" pitchFamily="66" charset="0"/>
+                <a:latin typeface="Arial" pitchFamily="34" charset="0"/>
+                <a:cs typeface="Arial" pitchFamily="34" charset="0"/>
               </a:rPr>
               <a:t>Objetivos Específicos</a:t>
             </a:r>
-            <a:endParaRPr lang="pt-BR" sz="4400" dirty="0"/>
+            <a:endParaRPr lang="pt-BR" sz="4400" dirty="0">
+              <a:latin typeface="Arial" pitchFamily="34" charset="0"/>
+              <a:cs typeface="Arial" pitchFamily="34" charset="0"/>
+            </a:endParaRPr>
           </a:p>
         </p:txBody>
       </p:sp>
@@ -6900,12 +7502,14 @@
             <a:pPr algn="just"/>
             <a:r>
               <a:rPr lang="pt-BR" sz="3200" dirty="0" smtClean="0">
-                <a:latin typeface="Comic Sans MS" pitchFamily="66" charset="0"/>
+                <a:latin typeface="Arial" pitchFamily="34" charset="0"/>
+                <a:cs typeface="Arial" pitchFamily="34" charset="0"/>
               </a:rPr>
               <a:t>Avaliar através de questionários com métodos  quantitativos, o nível de aceitação do aplicativo junto à comunidade.</a:t>
             </a:r>
             <a:endParaRPr lang="pt-BR" sz="3200" dirty="0">
-              <a:latin typeface="Comic Sans MS" pitchFamily="66" charset="0"/>
+              <a:latin typeface="Arial" pitchFamily="34" charset="0"/>
+              <a:cs typeface="Arial" pitchFamily="34" charset="0"/>
             </a:endParaRPr>
           </a:p>
         </p:txBody>
@@ -6941,6 +7545,13 @@
   <p:clrMapOvr>
     <a:masterClrMapping/>
   </p:clrMapOvr>
+  <p:timing>
+    <p:tnLst>
+      <p:par>
+        <p:cTn id="1" dur="indefinite" restart="never" nodeType="tmRoot"/>
+      </p:par>
+    </p:tnLst>
+  </p:timing>
 </p:sld>
 </file>
 
@@ -7009,7 +7620,8 @@
                 <a:solidFill>
                   <a:srgbClr val="0070C0"/>
                 </a:solidFill>
-                <a:latin typeface="Comic Sans MS" pitchFamily="66" charset="0"/>
+                <a:latin typeface="Arial" pitchFamily="34" charset="0"/>
+                <a:cs typeface="Arial" pitchFamily="34" charset="0"/>
               </a:rPr>
               <a:t>Metodologia</a:t>
             </a:r>
@@ -7017,7 +7629,8 @@
               <a:solidFill>
                 <a:srgbClr val="0070C0"/>
               </a:solidFill>
-              <a:latin typeface="Comic Sans MS" pitchFamily="66" charset="0"/>
+              <a:latin typeface="Arial" pitchFamily="34" charset="0"/>
+              <a:cs typeface="Arial" pitchFamily="34" charset="0"/>
             </a:endParaRPr>
           </a:p>
         </p:txBody>
@@ -7040,43 +7653,46 @@
             <a:pPr algn="just"/>
             <a:r>
               <a:rPr lang="pt-BR" sz="3200" dirty="0" smtClean="0">
-                <a:latin typeface="Comic Sans MS" pitchFamily="66" charset="0"/>
+                <a:latin typeface="Arial" pitchFamily="34" charset="0"/>
+                <a:cs typeface="Arial" pitchFamily="34" charset="0"/>
               </a:rPr>
               <a:t>Questionário (vide anexo)</a:t>
             </a:r>
-            <a:endParaRPr lang="pt-BR" sz="3200" dirty="0" smtClean="0">
-              <a:latin typeface="Comic Sans MS" pitchFamily="66" charset="0"/>
-            </a:endParaRPr>
           </a:p>
           <a:p>
             <a:pPr lvl="1" algn="just"/>
             <a:r>
               <a:rPr lang="pt-BR" sz="2400" dirty="0" smtClean="0">
-                <a:latin typeface="Comic Sans MS" pitchFamily="66" charset="0"/>
+                <a:latin typeface="Arial" pitchFamily="34" charset="0"/>
+                <a:cs typeface="Arial" pitchFamily="34" charset="0"/>
               </a:rPr>
               <a:t>Pesquisa </a:t>
             </a:r>
             <a:r>
               <a:rPr lang="pt-BR" sz="2400" i="1" dirty="0" smtClean="0">
-                <a:latin typeface="Comic Sans MS" pitchFamily="66" charset="0"/>
+                <a:latin typeface="Arial" pitchFamily="34" charset="0"/>
+                <a:cs typeface="Arial" pitchFamily="34" charset="0"/>
               </a:rPr>
               <a:t>in loco</a:t>
             </a:r>
             <a:r>
               <a:rPr lang="pt-BR" sz="2400" dirty="0" smtClean="0">
-                <a:latin typeface="Comic Sans MS" pitchFamily="66" charset="0"/>
+                <a:latin typeface="Arial" pitchFamily="34" charset="0"/>
+                <a:cs typeface="Arial" pitchFamily="34" charset="0"/>
               </a:rPr>
               <a:t> com público específico</a:t>
             </a:r>
             <a:endParaRPr lang="pt-BR" sz="2400" i="1" dirty="0" smtClean="0">
-              <a:latin typeface="Comic Sans MS" pitchFamily="66" charset="0"/>
+              <a:latin typeface="Arial" pitchFamily="34" charset="0"/>
+              <a:cs typeface="Arial" pitchFamily="34" charset="0"/>
             </a:endParaRPr>
           </a:p>
           <a:p>
             <a:pPr lvl="1" algn="just"/>
             <a:r>
               <a:rPr lang="pt-BR" sz="2400" dirty="0" smtClean="0">
-                <a:latin typeface="Comic Sans MS" pitchFamily="66" charset="0"/>
+                <a:latin typeface="Arial" pitchFamily="34" charset="0"/>
+                <a:cs typeface="Arial" pitchFamily="34" charset="0"/>
               </a:rPr>
               <a:t>Perguntas </a:t>
             </a:r>
@@ -7084,14 +7700,16 @@
           <a:p>
             <a:pPr lvl="1" algn="just"/>
             <a:endParaRPr lang="pt-BR" sz="3200" dirty="0" smtClean="0">
-              <a:latin typeface="Comic Sans MS" pitchFamily="66" charset="0"/>
+              <a:latin typeface="Arial" pitchFamily="34" charset="0"/>
+              <a:cs typeface="Arial" pitchFamily="34" charset="0"/>
             </a:endParaRPr>
           </a:p>
           <a:p>
             <a:pPr algn="just"/>
             <a:r>
               <a:rPr lang="pt-BR" sz="3200" dirty="0" smtClean="0">
-                <a:latin typeface="Comic Sans MS" pitchFamily="66" charset="0"/>
+                <a:latin typeface="Arial" pitchFamily="34" charset="0"/>
+                <a:cs typeface="Arial" pitchFamily="34" charset="0"/>
               </a:rPr>
               <a:t>Tecnologias utilizadas</a:t>
             </a:r>
@@ -7100,19 +7718,22 @@
             <a:pPr lvl="1" algn="just"/>
             <a:r>
               <a:rPr lang="pt-BR" sz="2400" dirty="0" smtClean="0">
-                <a:latin typeface="Comic Sans MS" pitchFamily="66" charset="0"/>
+                <a:latin typeface="Arial" pitchFamily="34" charset="0"/>
+                <a:cs typeface="Arial" pitchFamily="34" charset="0"/>
               </a:rPr>
               <a:t>Web </a:t>
             </a:r>
             <a:r>
               <a:rPr lang="pt-BR" sz="2400" dirty="0" err="1" smtClean="0">
-                <a:latin typeface="Comic Sans MS" pitchFamily="66" charset="0"/>
+                <a:latin typeface="Arial" pitchFamily="34" charset="0"/>
+                <a:cs typeface="Arial" pitchFamily="34" charset="0"/>
               </a:rPr>
               <a:t>Service</a:t>
             </a:r>
             <a:r>
               <a:rPr lang="pt-BR" sz="2400" dirty="0" smtClean="0">
-                <a:latin typeface="Comic Sans MS" pitchFamily="66" charset="0"/>
+                <a:latin typeface="Arial" pitchFamily="34" charset="0"/>
+                <a:cs typeface="Arial" pitchFamily="34" charset="0"/>
               </a:rPr>
               <a:t> (JSON)</a:t>
             </a:r>
@@ -7121,7 +7742,8 @@
             <a:pPr lvl="1" algn="just"/>
             <a:r>
               <a:rPr lang="pt-BR" sz="2400" dirty="0" smtClean="0">
-                <a:latin typeface="Comic Sans MS" pitchFamily="66" charset="0"/>
+                <a:latin typeface="Arial" pitchFamily="34" charset="0"/>
+                <a:cs typeface="Arial" pitchFamily="34" charset="0"/>
               </a:rPr>
               <a:t>Banco de Dados (MySQL)</a:t>
             </a:r>
@@ -7130,12 +7752,14 @@
             <a:pPr lvl="1" algn="just"/>
             <a:r>
               <a:rPr lang="pt-BR" sz="2400" dirty="0" err="1" smtClean="0">
-                <a:latin typeface="Comic Sans MS" pitchFamily="66" charset="0"/>
+                <a:latin typeface="Arial" pitchFamily="34" charset="0"/>
+                <a:cs typeface="Arial" pitchFamily="34" charset="0"/>
               </a:rPr>
               <a:t>Android</a:t>
             </a:r>
             <a:endParaRPr lang="pt-BR" sz="2400" dirty="0" smtClean="0">
-              <a:latin typeface="Comic Sans MS" pitchFamily="66" charset="0"/>
+              <a:latin typeface="Arial" pitchFamily="34" charset="0"/>
+              <a:cs typeface="Arial" pitchFamily="34" charset="0"/>
             </a:endParaRPr>
           </a:p>
         </p:txBody>
@@ -7172,16 +7796,120 @@
           <a:chExt cx="0" cy="0"/>
         </a:xfrm>
       </p:grpSpPr>
+      <p:sp>
+        <p:nvSpPr>
+          <p:cNvPr id="2" name="Título 1"/>
+          <p:cNvSpPr>
+            <a:spLocks noGrp="1"/>
+          </p:cNvSpPr>
+          <p:nvPr>
+            <p:ph type="title"/>
+          </p:nvPr>
+        </p:nvSpPr>
+        <p:spPr/>
+        <p:txBody>
+          <a:bodyPr/>
+          <a:lstStyle/>
+          <a:p>
+            <a:endParaRPr lang="pt-BR"/>
+          </a:p>
+        </p:txBody>
+      </p:sp>
+      <p:sp>
+        <p:nvSpPr>
+          <p:cNvPr id="3" name="Espaço Reservado para Conteúdo 2"/>
+          <p:cNvSpPr>
+            <a:spLocks noGrp="1"/>
+          </p:cNvSpPr>
+          <p:nvPr>
+            <p:ph sz="quarter" idx="1"/>
+          </p:nvPr>
+        </p:nvSpPr>
+        <p:spPr/>
+        <p:txBody>
+          <a:bodyPr>
+            <a:normAutofit/>
+          </a:bodyPr>
+          <a:lstStyle/>
+          <a:p>
+            <a:endParaRPr lang="pt-BR" dirty="0" smtClean="0"/>
+          </a:p>
+          <a:p>
+            <a:endParaRPr lang="pt-BR" dirty="0" smtClean="0"/>
+          </a:p>
+          <a:p>
+            <a:endParaRPr lang="pt-BR" dirty="0" smtClean="0"/>
+          </a:p>
+          <a:p>
+            <a:endParaRPr lang="pt-BR" dirty="0" smtClean="0"/>
+          </a:p>
+          <a:p>
+            <a:endParaRPr lang="pt-BR" dirty="0" smtClean="0"/>
+          </a:p>
+          <a:p>
+            <a:endParaRPr lang="pt-BR" dirty="0" smtClean="0"/>
+          </a:p>
+          <a:p>
+            <a:endParaRPr lang="pt-BR" dirty="0" smtClean="0"/>
+          </a:p>
+          <a:p>
+            <a:endParaRPr lang="pt-BR" dirty="0" smtClean="0"/>
+          </a:p>
+          <a:p>
+            <a:endParaRPr lang="pt-BR" dirty="0" smtClean="0"/>
+          </a:p>
+          <a:p>
+            <a:endParaRPr lang="pt-BR" dirty="0" smtClean="0"/>
+          </a:p>
+          <a:p>
+            <a:pPr>
+              <a:buNone/>
+            </a:pPr>
+            <a:r>
+              <a:rPr lang="pt-BR" sz="2000" dirty="0" smtClean="0">
+                <a:latin typeface="Arial" pitchFamily="34" charset="0"/>
+                <a:cs typeface="Arial" pitchFamily="34" charset="0"/>
+              </a:rPr>
+              <a:t>Fonte: </a:t>
+            </a:r>
+            <a:r>
+              <a:rPr lang="pt-BR" sz="2000" dirty="0" err="1" smtClean="0">
+                <a:latin typeface="Arial" pitchFamily="34" charset="0"/>
+                <a:cs typeface="Arial" pitchFamily="34" charset="0"/>
+              </a:rPr>
+              <a:t>Kantar</a:t>
+            </a:r>
+            <a:r>
+              <a:rPr lang="pt-BR" sz="2000" dirty="0" smtClean="0">
+                <a:latin typeface="Arial" pitchFamily="34" charset="0"/>
+                <a:cs typeface="Arial" pitchFamily="34" charset="0"/>
+              </a:rPr>
+              <a:t> World </a:t>
+            </a:r>
+            <a:r>
+              <a:rPr lang="pt-BR" sz="2000" dirty="0" err="1" smtClean="0">
+                <a:latin typeface="Arial" pitchFamily="34" charset="0"/>
+                <a:cs typeface="Arial" pitchFamily="34" charset="0"/>
+              </a:rPr>
+              <a:t>Panel</a:t>
+            </a:r>
+            <a:endParaRPr lang="pt-BR" sz="2000" dirty="0">
+              <a:latin typeface="Arial" pitchFamily="34" charset="0"/>
+              <a:cs typeface="Arial" pitchFamily="34" charset="0"/>
+            </a:endParaRPr>
+          </a:p>
+        </p:txBody>
+      </p:sp>
       <p:pic>
         <p:nvPicPr>
-          <p:cNvPr id="3075" name="Picture 3" descr="C:\Users\Matheus\Desktop\índice.jpg"/>
+          <p:cNvPr id="4" name="Picture 3" descr="C:\Users\Matheus\Desktop\estatiscas_smartphones.jpg"/>
           <p:cNvPicPr>
             <a:picLocks noChangeAspect="1" noChangeArrowheads="1"/>
           </p:cNvPicPr>
           <p:nvPr/>
         </p:nvPicPr>
         <p:blipFill>
-          <a:blip r:embed="rId3" cstate="print"/>
+          <a:blip r:embed="rId2" cstate="print"/>
           <a:srcRect/>
           <a:stretch>
             <a:fillRect/>
@@ -7189,8 +7917,8 @@
         </p:blipFill>
         <p:spPr bwMode="auto">
           <a:xfrm>
-            <a:off x="4499992" y="4788140"/>
-            <a:ext cx="3635524" cy="2069860"/>
+            <a:off x="755576" y="764704"/>
+            <a:ext cx="7344816" cy="4913086"/>
           </a:xfrm>
           <a:prstGeom prst="rect">
             <a:avLst/>
@@ -7198,86 +7926,6 @@
           <a:noFill/>
         </p:spPr>
       </p:pic>
-      <p:sp>
-        <p:nvSpPr>
-          <p:cNvPr id="2" name="Título 1"/>
-          <p:cNvSpPr>
-            <a:spLocks noGrp="1"/>
-          </p:cNvSpPr>
-          <p:nvPr>
-            <p:ph type="title"/>
-          </p:nvPr>
-        </p:nvSpPr>
-        <p:spPr/>
-        <p:txBody>
-          <a:bodyPr>
-            <a:normAutofit/>
-          </a:bodyPr>
-          <a:lstStyle/>
-          <a:p>
-            <a:r>
-              <a:rPr lang="pt-BR" sz="4800" b="1" dirty="0" smtClean="0">
-                <a:solidFill>
-                  <a:srgbClr val="0070C0"/>
-                </a:solidFill>
-                <a:latin typeface="Comic Sans MS" pitchFamily="66" charset="0"/>
-              </a:rPr>
-              <a:t>Pergunta Principal</a:t>
-            </a:r>
-            <a:endParaRPr lang="pt-BR" sz="4800" b="1" dirty="0">
-              <a:solidFill>
-                <a:srgbClr val="0070C0"/>
-              </a:solidFill>
-              <a:latin typeface="Comic Sans MS" pitchFamily="66" charset="0"/>
-            </a:endParaRPr>
-          </a:p>
-        </p:txBody>
-      </p:sp>
-      <p:sp>
-        <p:nvSpPr>
-          <p:cNvPr id="3" name="Espaço Reservado para Conteúdo 2"/>
-          <p:cNvSpPr>
-            <a:spLocks noGrp="1"/>
-          </p:cNvSpPr>
-          <p:nvPr>
-            <p:ph sz="quarter" idx="1"/>
-          </p:nvPr>
-        </p:nvSpPr>
-        <p:spPr/>
-        <p:txBody>
-          <a:bodyPr>
-            <a:normAutofit/>
-          </a:bodyPr>
-          <a:lstStyle/>
-          <a:p>
-            <a:pPr algn="just"/>
-            <a:r>
-              <a:rPr lang="pt-BR" sz="3200" dirty="0" smtClean="0">
-                <a:latin typeface="Comic Sans MS" pitchFamily="66" charset="0"/>
-              </a:rPr>
-              <a:t>Com o uso desse aplicativo, o número de demandas à Ouvidoria vai aumentar?</a:t>
-            </a:r>
-          </a:p>
-          <a:p>
-            <a:pPr algn="just"/>
-            <a:endParaRPr lang="pt-BR" sz="3200" dirty="0" smtClean="0">
-              <a:latin typeface="Comic Sans MS" pitchFamily="66" charset="0"/>
-            </a:endParaRPr>
-          </a:p>
-          <a:p>
-            <a:pPr algn="just"/>
-            <a:r>
-              <a:rPr lang="pt-BR" sz="3200" dirty="0" smtClean="0">
-                <a:latin typeface="Comic Sans MS" pitchFamily="66" charset="0"/>
-              </a:rPr>
-              <a:t>Com o uso desse aplicativo, o número de demandas resolvidas vai aumentar?</a:t>
-            </a:r>
-            <a:endParaRPr lang="pt-BR" sz="3200" dirty="0">
-              <a:latin typeface="Comic Sans MS" pitchFamily="66" charset="0"/>
-            </a:endParaRPr>
-          </a:p>
-        </p:txBody>
-      </p:sp>
     </p:spTree>
   </p:cSld>
   <p:clrMapOvr>

--- a/Outros/slide.pptx
+++ b/Outros/slide.pptx
@@ -204,7 +204,7 @@
             <a:fld id="{798555F1-01A5-4A90-AD34-1B41F1C18094}" type="datetimeFigureOut">
               <a:rPr lang="pt-BR" smtClean="0"/>
               <a:pPr/>
-              <a:t>15/05/2017</a:t>
+              <a:t>16/05/2017</a:t>
             </a:fld>
             <a:endParaRPr lang="pt-BR"/>
           </a:p>
@@ -373,7 +373,7 @@
     </p:spTree>
     <p:extLst>
       <p:ext uri="{BB962C8B-B14F-4D97-AF65-F5344CB8AC3E}">
-        <p14:creationId xmlns="" xmlns:p14="http://schemas.microsoft.com/office/powerpoint/2010/main" val="2230547226"/>
+        <p14:creationId xmlns:p14="http://schemas.microsoft.com/office/powerpoint/2010/main" xmlns="" val="2230547226"/>
       </p:ext>
     </p:extLst>
   </p:cSld>
@@ -548,7 +548,7 @@
     </p:spTree>
     <p:extLst>
       <p:ext uri="{BB962C8B-B14F-4D97-AF65-F5344CB8AC3E}">
-        <p14:creationId xmlns="" xmlns:p14="http://schemas.microsoft.com/office/powerpoint/2010/main" val="954145657"/>
+        <p14:creationId xmlns:p14="http://schemas.microsoft.com/office/powerpoint/2010/main" xmlns="" val="954145657"/>
       </p:ext>
     </p:extLst>
   </p:cSld>
@@ -633,7 +633,7 @@
     </p:spTree>
     <p:extLst>
       <p:ext uri="{BB962C8B-B14F-4D97-AF65-F5344CB8AC3E}">
-        <p14:creationId xmlns="" xmlns:p14="http://schemas.microsoft.com/office/powerpoint/2010/main" val="1487408821"/>
+        <p14:creationId xmlns:p14="http://schemas.microsoft.com/office/powerpoint/2010/main" xmlns="" val="1487408821"/>
       </p:ext>
     </p:extLst>
   </p:cSld>
@@ -718,7 +718,7 @@
     </p:spTree>
     <p:extLst>
       <p:ext uri="{BB962C8B-B14F-4D97-AF65-F5344CB8AC3E}">
-        <p14:creationId xmlns="" xmlns:p14="http://schemas.microsoft.com/office/powerpoint/2010/main" val="2340393995"/>
+        <p14:creationId xmlns:p14="http://schemas.microsoft.com/office/powerpoint/2010/main" xmlns="" val="2340393995"/>
       </p:ext>
     </p:extLst>
   </p:cSld>
@@ -820,7 +820,7 @@
     </p:spTree>
     <p:extLst>
       <p:ext uri="{BB962C8B-B14F-4D97-AF65-F5344CB8AC3E}">
-        <p14:creationId xmlns="" xmlns:p14="http://schemas.microsoft.com/office/powerpoint/2010/main" val="2877462933"/>
+        <p14:creationId xmlns:p14="http://schemas.microsoft.com/office/powerpoint/2010/main" xmlns="" val="2877462933"/>
       </p:ext>
     </p:extLst>
   </p:cSld>
@@ -905,7 +905,7 @@
     </p:spTree>
     <p:extLst>
       <p:ext uri="{BB962C8B-B14F-4D97-AF65-F5344CB8AC3E}">
-        <p14:creationId xmlns="" xmlns:p14="http://schemas.microsoft.com/office/powerpoint/2010/main" val="728492302"/>
+        <p14:creationId xmlns:p14="http://schemas.microsoft.com/office/powerpoint/2010/main" xmlns="" val="728492302"/>
       </p:ext>
     </p:extLst>
   </p:cSld>
@@ -1053,7 +1053,7 @@
             <a:fld id="{D5E7BBF4-83E0-4889-B49C-F05DC353EE8F}" type="datetimeFigureOut">
               <a:rPr lang="pt-BR" smtClean="0"/>
               <a:pPr/>
-              <a:t>15/05/2017</a:t>
+              <a:t>16/05/2017</a:t>
             </a:fld>
             <a:endParaRPr lang="pt-BR"/>
           </a:p>
@@ -1924,7 +1924,7 @@
             <a:fld id="{D5E7BBF4-83E0-4889-B49C-F05DC353EE8F}" type="datetimeFigureOut">
               <a:rPr lang="pt-BR" smtClean="0"/>
               <a:pPr/>
-              <a:t>15/05/2017</a:t>
+              <a:t>16/05/2017</a:t>
             </a:fld>
             <a:endParaRPr lang="pt-BR"/>
           </a:p>
@@ -2101,7 +2101,7 @@
             <a:fld id="{D5E7BBF4-83E0-4889-B49C-F05DC353EE8F}" type="datetimeFigureOut">
               <a:rPr lang="pt-BR" smtClean="0"/>
               <a:pPr/>
-              <a:t>15/05/2017</a:t>
+              <a:t>16/05/2017</a:t>
             </a:fld>
             <a:endParaRPr lang="pt-BR"/>
           </a:p>
@@ -2273,7 +2273,7 @@
             <a:fld id="{D5E7BBF4-83E0-4889-B49C-F05DC353EE8F}" type="datetimeFigureOut">
               <a:rPr lang="pt-BR" smtClean="0"/>
               <a:pPr/>
-              <a:t>15/05/2017</a:t>
+              <a:t>16/05/2017</a:t>
             </a:fld>
             <a:endParaRPr lang="pt-BR"/>
           </a:p>
@@ -2485,7 +2485,7 @@
             <a:fld id="{D5E7BBF4-83E0-4889-B49C-F05DC353EE8F}" type="datetimeFigureOut">
               <a:rPr lang="pt-BR" smtClean="0"/>
               <a:pPr/>
-              <a:t>15/05/2017</a:t>
+              <a:t>16/05/2017</a:t>
             </a:fld>
             <a:endParaRPr lang="pt-BR"/>
           </a:p>
@@ -3301,7 +3301,7 @@
             <a:fld id="{D5E7BBF4-83E0-4889-B49C-F05DC353EE8F}" type="datetimeFigureOut">
               <a:rPr lang="pt-BR" smtClean="0"/>
               <a:pPr/>
-              <a:t>15/05/2017</a:t>
+              <a:t>16/05/2017</a:t>
             </a:fld>
             <a:endParaRPr lang="pt-BR"/>
           </a:p>
@@ -3539,7 +3539,7 @@
             <a:fld id="{D5E7BBF4-83E0-4889-B49C-F05DC353EE8F}" type="datetimeFigureOut">
               <a:rPr lang="pt-BR" smtClean="0"/>
               <a:pPr/>
-              <a:t>15/05/2017</a:t>
+              <a:t>16/05/2017</a:t>
             </a:fld>
             <a:endParaRPr lang="pt-BR"/>
           </a:p>
@@ -3864,7 +3864,7 @@
             <a:fld id="{D5E7BBF4-83E0-4889-B49C-F05DC353EE8F}" type="datetimeFigureOut">
               <a:rPr lang="pt-BR" smtClean="0"/>
               <a:pPr/>
-              <a:t>15/05/2017</a:t>
+              <a:t>16/05/2017</a:t>
             </a:fld>
             <a:endParaRPr lang="pt-BR"/>
           </a:p>
@@ -3956,7 +3956,7 @@
             <a:fld id="{D5E7BBF4-83E0-4889-B49C-F05DC353EE8F}" type="datetimeFigureOut">
               <a:rPr lang="pt-BR" smtClean="0"/>
               <a:pPr/>
-              <a:t>15/05/2017</a:t>
+              <a:t>16/05/2017</a:t>
             </a:fld>
             <a:endParaRPr lang="pt-BR"/>
           </a:p>
@@ -4475,7 +4475,7 @@
             <a:fld id="{D5E7BBF4-83E0-4889-B49C-F05DC353EE8F}" type="datetimeFigureOut">
               <a:rPr lang="pt-BR" smtClean="0"/>
               <a:pPr/>
-              <a:t>15/05/2017</a:t>
+              <a:t>16/05/2017</a:t>
             </a:fld>
             <a:endParaRPr lang="pt-BR"/>
           </a:p>
@@ -4988,7 +4988,7 @@
             <a:fld id="{D5E7BBF4-83E0-4889-B49C-F05DC353EE8F}" type="datetimeFigureOut">
               <a:rPr lang="pt-BR" smtClean="0"/>
               <a:pPr/>
-              <a:t>15/05/2017</a:t>
+              <a:t>16/05/2017</a:t>
             </a:fld>
             <a:endParaRPr lang="pt-BR"/>
           </a:p>
@@ -5235,7 +5235,7 @@
             <a:fld id="{D5E7BBF4-83E0-4889-B49C-F05DC353EE8F}" type="datetimeFigureOut">
               <a:rPr lang="pt-BR" smtClean="0"/>
               <a:pPr/>
-              <a:t>15/05/2017</a:t>
+              <a:t>16/05/2017</a:t>
             </a:fld>
             <a:endParaRPr lang="pt-BR"/>
           </a:p>
@@ -5895,7 +5895,7 @@
         </p:nvSpPr>
         <p:spPr>
           <a:xfrm>
-            <a:off x="2627784" y="4581128"/>
+            <a:off x="2627784" y="4365104"/>
             <a:ext cx="6172200" cy="1371600"/>
           </a:xfrm>
         </p:spPr>
@@ -5913,7 +5913,48 @@
                 <a:latin typeface="Arial" pitchFamily="34" charset="0"/>
                 <a:cs typeface="Arial" pitchFamily="34" charset="0"/>
               </a:rPr>
-              <a:t>UM APLICATIVO PARA IDENTIFICAÇÃO DE PROBLEMAS DE INFRAESTRUTURA, SAÚDE E SEGURANÇA EM UMA CIDADE</a:t>
+              <a:t>UM APLICATIVO PARA IDENTIFICAÇÃO DE PROBLEMAS DE INFRAESTRUTURA, SAÚDE E SEGURANÇA EM UMA </a:t>
+            </a:r>
+            <a:r>
+              <a:rPr lang="pt-BR" sz="2400" dirty="0" smtClean="0">
+                <a:solidFill>
+                  <a:schemeClr val="tx1"/>
+                </a:solidFill>
+                <a:latin typeface="Arial" pitchFamily="34" charset="0"/>
+                <a:cs typeface="Arial" pitchFamily="34" charset="0"/>
+              </a:rPr>
+              <a:t>CIDADE</a:t>
+            </a:r>
+          </a:p>
+          <a:p>
+            <a:endParaRPr lang="pt-BR" sz="2400" dirty="0" smtClean="0">
+              <a:solidFill>
+                <a:schemeClr val="tx1"/>
+              </a:solidFill>
+              <a:latin typeface="Arial" pitchFamily="34" charset="0"/>
+              <a:cs typeface="Arial" pitchFamily="34" charset="0"/>
+            </a:endParaRPr>
+          </a:p>
+          <a:p>
+            <a:r>
+              <a:rPr lang="pt-BR" sz="2400" dirty="0" smtClean="0">
+                <a:solidFill>
+                  <a:schemeClr val="tx1"/>
+                </a:solidFill>
+                <a:latin typeface="Arial" pitchFamily="34" charset="0"/>
+                <a:cs typeface="Arial" pitchFamily="34" charset="0"/>
+              </a:rPr>
+              <a:t>Professor Orientador: Flávio </a:t>
+            </a:r>
+            <a:r>
+              <a:rPr lang="pt-BR" sz="2400" dirty="0" err="1" smtClean="0">
+                <a:solidFill>
+                  <a:schemeClr val="tx1"/>
+                </a:solidFill>
+                <a:latin typeface="Arial" pitchFamily="34" charset="0"/>
+                <a:cs typeface="Arial" pitchFamily="34" charset="0"/>
+              </a:rPr>
+              <a:t>Izo</a:t>
             </a:r>
             <a:endParaRPr lang="pt-BR" sz="2400" dirty="0">
               <a:solidFill>

--- a/Outros/slide.pptx
+++ b/Outros/slide.pptx
@@ -204,7 +204,7 @@
             <a:fld id="{798555F1-01A5-4A90-AD34-1B41F1C18094}" type="datetimeFigureOut">
               <a:rPr lang="pt-BR" smtClean="0"/>
               <a:pPr/>
-              <a:t>16/05/2017</a:t>
+              <a:t>17/05/2017</a:t>
             </a:fld>
             <a:endParaRPr lang="pt-BR"/>
           </a:p>
@@ -373,7 +373,7 @@
     </p:spTree>
     <p:extLst>
       <p:ext uri="{BB962C8B-B14F-4D97-AF65-F5344CB8AC3E}">
-        <p14:creationId xmlns:p14="http://schemas.microsoft.com/office/powerpoint/2010/main" xmlns="" val="2230547226"/>
+        <p14:creationId xmlns="" xmlns:p14="http://schemas.microsoft.com/office/powerpoint/2010/main" val="2230547226"/>
       </p:ext>
     </p:extLst>
   </p:cSld>
@@ -548,7 +548,7 @@
     </p:spTree>
     <p:extLst>
       <p:ext uri="{BB962C8B-B14F-4D97-AF65-F5344CB8AC3E}">
-        <p14:creationId xmlns:p14="http://schemas.microsoft.com/office/powerpoint/2010/main" xmlns="" val="954145657"/>
+        <p14:creationId xmlns="" xmlns:p14="http://schemas.microsoft.com/office/powerpoint/2010/main" val="954145657"/>
       </p:ext>
     </p:extLst>
   </p:cSld>
@@ -633,7 +633,7 @@
     </p:spTree>
     <p:extLst>
       <p:ext uri="{BB962C8B-B14F-4D97-AF65-F5344CB8AC3E}">
-        <p14:creationId xmlns:p14="http://schemas.microsoft.com/office/powerpoint/2010/main" xmlns="" val="1487408821"/>
+        <p14:creationId xmlns="" xmlns:p14="http://schemas.microsoft.com/office/powerpoint/2010/main" val="1487408821"/>
       </p:ext>
     </p:extLst>
   </p:cSld>
@@ -718,7 +718,7 @@
     </p:spTree>
     <p:extLst>
       <p:ext uri="{BB962C8B-B14F-4D97-AF65-F5344CB8AC3E}">
-        <p14:creationId xmlns:p14="http://schemas.microsoft.com/office/powerpoint/2010/main" xmlns="" val="2340393995"/>
+        <p14:creationId xmlns="" xmlns:p14="http://schemas.microsoft.com/office/powerpoint/2010/main" val="2340393995"/>
       </p:ext>
     </p:extLst>
   </p:cSld>
@@ -820,7 +820,7 @@
     </p:spTree>
     <p:extLst>
       <p:ext uri="{BB962C8B-B14F-4D97-AF65-F5344CB8AC3E}">
-        <p14:creationId xmlns:p14="http://schemas.microsoft.com/office/powerpoint/2010/main" xmlns="" val="2877462933"/>
+        <p14:creationId xmlns="" xmlns:p14="http://schemas.microsoft.com/office/powerpoint/2010/main" val="2877462933"/>
       </p:ext>
     </p:extLst>
   </p:cSld>
@@ -905,7 +905,7 @@
     </p:spTree>
     <p:extLst>
       <p:ext uri="{BB962C8B-B14F-4D97-AF65-F5344CB8AC3E}">
-        <p14:creationId xmlns:p14="http://schemas.microsoft.com/office/powerpoint/2010/main" xmlns="" val="728492302"/>
+        <p14:creationId xmlns="" xmlns:p14="http://schemas.microsoft.com/office/powerpoint/2010/main" val="728492302"/>
       </p:ext>
     </p:extLst>
   </p:cSld>
@@ -1053,7 +1053,7 @@
             <a:fld id="{D5E7BBF4-83E0-4889-B49C-F05DC353EE8F}" type="datetimeFigureOut">
               <a:rPr lang="pt-BR" smtClean="0"/>
               <a:pPr/>
-              <a:t>16/05/2017</a:t>
+              <a:t>17/05/2017</a:t>
             </a:fld>
             <a:endParaRPr lang="pt-BR"/>
           </a:p>
@@ -1924,7 +1924,7 @@
             <a:fld id="{D5E7BBF4-83E0-4889-B49C-F05DC353EE8F}" type="datetimeFigureOut">
               <a:rPr lang="pt-BR" smtClean="0"/>
               <a:pPr/>
-              <a:t>16/05/2017</a:t>
+              <a:t>17/05/2017</a:t>
             </a:fld>
             <a:endParaRPr lang="pt-BR"/>
           </a:p>
@@ -2101,7 +2101,7 @@
             <a:fld id="{D5E7BBF4-83E0-4889-B49C-F05DC353EE8F}" type="datetimeFigureOut">
               <a:rPr lang="pt-BR" smtClean="0"/>
               <a:pPr/>
-              <a:t>16/05/2017</a:t>
+              <a:t>17/05/2017</a:t>
             </a:fld>
             <a:endParaRPr lang="pt-BR"/>
           </a:p>
@@ -2273,7 +2273,7 @@
             <a:fld id="{D5E7BBF4-83E0-4889-B49C-F05DC353EE8F}" type="datetimeFigureOut">
               <a:rPr lang="pt-BR" smtClean="0"/>
               <a:pPr/>
-              <a:t>16/05/2017</a:t>
+              <a:t>17/05/2017</a:t>
             </a:fld>
             <a:endParaRPr lang="pt-BR"/>
           </a:p>
@@ -2485,7 +2485,7 @@
             <a:fld id="{D5E7BBF4-83E0-4889-B49C-F05DC353EE8F}" type="datetimeFigureOut">
               <a:rPr lang="pt-BR" smtClean="0"/>
               <a:pPr/>
-              <a:t>16/05/2017</a:t>
+              <a:t>17/05/2017</a:t>
             </a:fld>
             <a:endParaRPr lang="pt-BR"/>
           </a:p>
@@ -3301,7 +3301,7 @@
             <a:fld id="{D5E7BBF4-83E0-4889-B49C-F05DC353EE8F}" type="datetimeFigureOut">
               <a:rPr lang="pt-BR" smtClean="0"/>
               <a:pPr/>
-              <a:t>16/05/2017</a:t>
+              <a:t>17/05/2017</a:t>
             </a:fld>
             <a:endParaRPr lang="pt-BR"/>
           </a:p>
@@ -3539,7 +3539,7 @@
             <a:fld id="{D5E7BBF4-83E0-4889-B49C-F05DC353EE8F}" type="datetimeFigureOut">
               <a:rPr lang="pt-BR" smtClean="0"/>
               <a:pPr/>
-              <a:t>16/05/2017</a:t>
+              <a:t>17/05/2017</a:t>
             </a:fld>
             <a:endParaRPr lang="pt-BR"/>
           </a:p>
@@ -3864,7 +3864,7 @@
             <a:fld id="{D5E7BBF4-83E0-4889-B49C-F05DC353EE8F}" type="datetimeFigureOut">
               <a:rPr lang="pt-BR" smtClean="0"/>
               <a:pPr/>
-              <a:t>16/05/2017</a:t>
+              <a:t>17/05/2017</a:t>
             </a:fld>
             <a:endParaRPr lang="pt-BR"/>
           </a:p>
@@ -3956,7 +3956,7 @@
             <a:fld id="{D5E7BBF4-83E0-4889-B49C-F05DC353EE8F}" type="datetimeFigureOut">
               <a:rPr lang="pt-BR" smtClean="0"/>
               <a:pPr/>
-              <a:t>16/05/2017</a:t>
+              <a:t>17/05/2017</a:t>
             </a:fld>
             <a:endParaRPr lang="pt-BR"/>
           </a:p>
@@ -4475,7 +4475,7 @@
             <a:fld id="{D5E7BBF4-83E0-4889-B49C-F05DC353EE8F}" type="datetimeFigureOut">
               <a:rPr lang="pt-BR" smtClean="0"/>
               <a:pPr/>
-              <a:t>16/05/2017</a:t>
+              <a:t>17/05/2017</a:t>
             </a:fld>
             <a:endParaRPr lang="pt-BR"/>
           </a:p>
@@ -4988,7 +4988,7 @@
             <a:fld id="{D5E7BBF4-83E0-4889-B49C-F05DC353EE8F}" type="datetimeFigureOut">
               <a:rPr lang="pt-BR" smtClean="0"/>
               <a:pPr/>
-              <a:t>16/05/2017</a:t>
+              <a:t>17/05/2017</a:t>
             </a:fld>
             <a:endParaRPr lang="pt-BR"/>
           </a:p>
@@ -5235,7 +5235,7 @@
             <a:fld id="{D5E7BBF4-83E0-4889-B49C-F05DC353EE8F}" type="datetimeFigureOut">
               <a:rPr lang="pt-BR" smtClean="0"/>
               <a:pPr/>
-              <a:t>16/05/2017</a:t>
+              <a:t>17/05/2017</a:t>
             </a:fld>
             <a:endParaRPr lang="pt-BR"/>
           </a:p>
@@ -5905,6 +5905,7 @@
           </a:bodyPr>
           <a:lstStyle/>
           <a:p>
+            <a:pPr algn="just"/>
             <a:r>
               <a:rPr lang="pt-BR" sz="2400" dirty="0" smtClean="0">
                 <a:solidFill>
@@ -5913,17 +5914,7 @@
                 <a:latin typeface="Arial" pitchFamily="34" charset="0"/>
                 <a:cs typeface="Arial" pitchFamily="34" charset="0"/>
               </a:rPr>
-              <a:t>UM APLICATIVO PARA IDENTIFICAÇÃO DE PROBLEMAS DE INFRAESTRUTURA, SAÚDE E SEGURANÇA EM UMA </a:t>
-            </a:r>
-            <a:r>
-              <a:rPr lang="pt-BR" sz="2400" dirty="0" smtClean="0">
-                <a:solidFill>
-                  <a:schemeClr val="tx1"/>
-                </a:solidFill>
-                <a:latin typeface="Arial" pitchFamily="34" charset="0"/>
-                <a:cs typeface="Arial" pitchFamily="34" charset="0"/>
-              </a:rPr>
-              <a:t>CIDADE</a:t>
+              <a:t>UM APLICATIVO PARA IDENTIFICAÇÃO DE PROBLEMAS DE INFRAESTRUTURA, SAÚDE E SEGURANÇA EM UMA CIDADE</a:t>
             </a:r>
           </a:p>
           <a:p>

--- a/Outros/slide.pptx
+++ b/Outros/slide.pptx
@@ -5,7 +5,7 @@
     <p:sldMasterId id="2147483672" r:id="rId1"/>
   </p:sldMasterIdLst>
   <p:notesMasterIdLst>
-    <p:notesMasterId r:id="rId14"/>
+    <p:notesMasterId r:id="rId16"/>
   </p:notesMasterIdLst>
   <p:sldIdLst>
     <p:sldId id="256" r:id="rId2"/>
@@ -17,9 +17,11 @@
     <p:sldId id="266" r:id="rId8"/>
     <p:sldId id="261" r:id="rId9"/>
     <p:sldId id="268" r:id="rId10"/>
-    <p:sldId id="263" r:id="rId11"/>
-    <p:sldId id="264" r:id="rId12"/>
-    <p:sldId id="267" r:id="rId13"/>
+    <p:sldId id="270" r:id="rId11"/>
+    <p:sldId id="269" r:id="rId12"/>
+    <p:sldId id="263" r:id="rId13"/>
+    <p:sldId id="264" r:id="rId14"/>
+    <p:sldId id="267" r:id="rId15"/>
   </p:sldIdLst>
   <p:sldSz cx="9144000" cy="6858000" type="screen4x3"/>
   <p:notesSz cx="6858000" cy="9144000"/>
@@ -204,7 +206,7 @@
             <a:fld id="{798555F1-01A5-4A90-AD34-1B41F1C18094}" type="datetimeFigureOut">
               <a:rPr lang="pt-BR" smtClean="0"/>
               <a:pPr/>
-              <a:t>17/05/2017</a:t>
+              <a:t>02/07/2017</a:t>
             </a:fld>
             <a:endParaRPr lang="pt-BR"/>
           </a:p>
@@ -373,7 +375,7 @@
     </p:spTree>
     <p:extLst>
       <p:ext uri="{BB962C8B-B14F-4D97-AF65-F5344CB8AC3E}">
-        <p14:creationId xmlns="" xmlns:p14="http://schemas.microsoft.com/office/powerpoint/2010/main" val="2230547226"/>
+        <p14:creationId xmlns:p14="http://schemas.microsoft.com/office/powerpoint/2010/main" xmlns="" val="2230547226"/>
       </p:ext>
     </p:extLst>
   </p:cSld>
@@ -548,7 +550,7 @@
     </p:spTree>
     <p:extLst>
       <p:ext uri="{BB962C8B-B14F-4D97-AF65-F5344CB8AC3E}">
-        <p14:creationId xmlns="" xmlns:p14="http://schemas.microsoft.com/office/powerpoint/2010/main" val="954145657"/>
+        <p14:creationId xmlns:p14="http://schemas.microsoft.com/office/powerpoint/2010/main" xmlns="" val="954145657"/>
       </p:ext>
     </p:extLst>
   </p:cSld>
@@ -633,7 +635,7 @@
     </p:spTree>
     <p:extLst>
       <p:ext uri="{BB962C8B-B14F-4D97-AF65-F5344CB8AC3E}">
-        <p14:creationId xmlns="" xmlns:p14="http://schemas.microsoft.com/office/powerpoint/2010/main" val="1487408821"/>
+        <p14:creationId xmlns:p14="http://schemas.microsoft.com/office/powerpoint/2010/main" xmlns="" val="1487408821"/>
       </p:ext>
     </p:extLst>
   </p:cSld>
@@ -718,7 +720,7 @@
     </p:spTree>
     <p:extLst>
       <p:ext uri="{BB962C8B-B14F-4D97-AF65-F5344CB8AC3E}">
-        <p14:creationId xmlns="" xmlns:p14="http://schemas.microsoft.com/office/powerpoint/2010/main" val="2340393995"/>
+        <p14:creationId xmlns:p14="http://schemas.microsoft.com/office/powerpoint/2010/main" xmlns="" val="2340393995"/>
       </p:ext>
     </p:extLst>
   </p:cSld>
@@ -820,7 +822,7 @@
     </p:spTree>
     <p:extLst>
       <p:ext uri="{BB962C8B-B14F-4D97-AF65-F5344CB8AC3E}">
-        <p14:creationId xmlns="" xmlns:p14="http://schemas.microsoft.com/office/powerpoint/2010/main" val="2877462933"/>
+        <p14:creationId xmlns:p14="http://schemas.microsoft.com/office/powerpoint/2010/main" xmlns="" val="2877462933"/>
       </p:ext>
     </p:extLst>
   </p:cSld>
@@ -896,7 +898,7 @@
             <a:fld id="{D8E96ECB-1121-49EC-81BC-EF8E1F06EDBC}" type="slidenum">
               <a:rPr lang="pt-BR" smtClean="0"/>
               <a:pPr/>
-              <a:t>10</a:t>
+              <a:t>12</a:t>
             </a:fld>
             <a:endParaRPr lang="pt-BR"/>
           </a:p>
@@ -905,7 +907,7 @@
     </p:spTree>
     <p:extLst>
       <p:ext uri="{BB962C8B-B14F-4D97-AF65-F5344CB8AC3E}">
-        <p14:creationId xmlns="" xmlns:p14="http://schemas.microsoft.com/office/powerpoint/2010/main" val="728492302"/>
+        <p14:creationId xmlns:p14="http://schemas.microsoft.com/office/powerpoint/2010/main" xmlns="" val="728492302"/>
       </p:ext>
     </p:extLst>
   </p:cSld>
@@ -1053,7 +1055,7 @@
             <a:fld id="{D5E7BBF4-83E0-4889-B49C-F05DC353EE8F}" type="datetimeFigureOut">
               <a:rPr lang="pt-BR" smtClean="0"/>
               <a:pPr/>
-              <a:t>17/05/2017</a:t>
+              <a:t>02/07/2017</a:t>
             </a:fld>
             <a:endParaRPr lang="pt-BR"/>
           </a:p>
@@ -1924,7 +1926,7 @@
             <a:fld id="{D5E7BBF4-83E0-4889-B49C-F05DC353EE8F}" type="datetimeFigureOut">
               <a:rPr lang="pt-BR" smtClean="0"/>
               <a:pPr/>
-              <a:t>17/05/2017</a:t>
+              <a:t>02/07/2017</a:t>
             </a:fld>
             <a:endParaRPr lang="pt-BR"/>
           </a:p>
@@ -2101,7 +2103,7 @@
             <a:fld id="{D5E7BBF4-83E0-4889-B49C-F05DC353EE8F}" type="datetimeFigureOut">
               <a:rPr lang="pt-BR" smtClean="0"/>
               <a:pPr/>
-              <a:t>17/05/2017</a:t>
+              <a:t>02/07/2017</a:t>
             </a:fld>
             <a:endParaRPr lang="pt-BR"/>
           </a:p>
@@ -2273,7 +2275,7 @@
             <a:fld id="{D5E7BBF4-83E0-4889-B49C-F05DC353EE8F}" type="datetimeFigureOut">
               <a:rPr lang="pt-BR" smtClean="0"/>
               <a:pPr/>
-              <a:t>17/05/2017</a:t>
+              <a:t>02/07/2017</a:t>
             </a:fld>
             <a:endParaRPr lang="pt-BR"/>
           </a:p>
@@ -2485,7 +2487,7 @@
             <a:fld id="{D5E7BBF4-83E0-4889-B49C-F05DC353EE8F}" type="datetimeFigureOut">
               <a:rPr lang="pt-BR" smtClean="0"/>
               <a:pPr/>
-              <a:t>17/05/2017</a:t>
+              <a:t>02/07/2017</a:t>
             </a:fld>
             <a:endParaRPr lang="pt-BR"/>
           </a:p>
@@ -3301,7 +3303,7 @@
             <a:fld id="{D5E7BBF4-83E0-4889-B49C-F05DC353EE8F}" type="datetimeFigureOut">
               <a:rPr lang="pt-BR" smtClean="0"/>
               <a:pPr/>
-              <a:t>17/05/2017</a:t>
+              <a:t>02/07/2017</a:t>
             </a:fld>
             <a:endParaRPr lang="pt-BR"/>
           </a:p>
@@ -3539,7 +3541,7 @@
             <a:fld id="{D5E7BBF4-83E0-4889-B49C-F05DC353EE8F}" type="datetimeFigureOut">
               <a:rPr lang="pt-BR" smtClean="0"/>
               <a:pPr/>
-              <a:t>17/05/2017</a:t>
+              <a:t>02/07/2017</a:t>
             </a:fld>
             <a:endParaRPr lang="pt-BR"/>
           </a:p>
@@ -3864,7 +3866,7 @@
             <a:fld id="{D5E7BBF4-83E0-4889-B49C-F05DC353EE8F}" type="datetimeFigureOut">
               <a:rPr lang="pt-BR" smtClean="0"/>
               <a:pPr/>
-              <a:t>17/05/2017</a:t>
+              <a:t>02/07/2017</a:t>
             </a:fld>
             <a:endParaRPr lang="pt-BR"/>
           </a:p>
@@ -3956,7 +3958,7 @@
             <a:fld id="{D5E7BBF4-83E0-4889-B49C-F05DC353EE8F}" type="datetimeFigureOut">
               <a:rPr lang="pt-BR" smtClean="0"/>
               <a:pPr/>
-              <a:t>17/05/2017</a:t>
+              <a:t>02/07/2017</a:t>
             </a:fld>
             <a:endParaRPr lang="pt-BR"/>
           </a:p>
@@ -4475,7 +4477,7 @@
             <a:fld id="{D5E7BBF4-83E0-4889-B49C-F05DC353EE8F}" type="datetimeFigureOut">
               <a:rPr lang="pt-BR" smtClean="0"/>
               <a:pPr/>
-              <a:t>17/05/2017</a:t>
+              <a:t>02/07/2017</a:t>
             </a:fld>
             <a:endParaRPr lang="pt-BR"/>
           </a:p>
@@ -4988,7 +4990,7 @@
             <a:fld id="{D5E7BBF4-83E0-4889-B49C-F05DC353EE8F}" type="datetimeFigureOut">
               <a:rPr lang="pt-BR" smtClean="0"/>
               <a:pPr/>
-              <a:t>17/05/2017</a:t>
+              <a:t>02/07/2017</a:t>
             </a:fld>
             <a:endParaRPr lang="pt-BR"/>
           </a:p>
@@ -5235,7 +5237,7 @@
             <a:fld id="{D5E7BBF4-83E0-4889-B49C-F05DC353EE8F}" type="datetimeFigureOut">
               <a:rPr lang="pt-BR" smtClean="0"/>
               <a:pPr/>
-              <a:t>17/05/2017</a:t>
+              <a:t>02/07/2017</a:t>
             </a:fld>
             <a:endParaRPr lang="pt-BR"/>
           </a:p>
@@ -6231,9 +6233,91 @@
           <a:chExt cx="0" cy="0"/>
         </a:xfrm>
       </p:grpSpPr>
+      <p:sp>
+        <p:nvSpPr>
+          <p:cNvPr id="2" name="Título 1"/>
+          <p:cNvSpPr>
+            <a:spLocks noGrp="1"/>
+          </p:cNvSpPr>
+          <p:nvPr>
+            <p:ph type="title"/>
+          </p:nvPr>
+        </p:nvSpPr>
+        <p:spPr/>
+        <p:txBody>
+          <a:bodyPr>
+            <a:noAutofit/>
+          </a:bodyPr>
+          <a:lstStyle/>
+          <a:p>
+            <a:r>
+              <a:rPr lang="pt-BR" sz="4000" b="1" dirty="0" smtClean="0">
+                <a:solidFill>
+                  <a:srgbClr val="0070C0"/>
+                </a:solidFill>
+                <a:latin typeface="Arial" pitchFamily="34" charset="0"/>
+                <a:cs typeface="Arial" pitchFamily="34" charset="0"/>
+              </a:rPr>
+              <a:t>IMAGENS DO PROTÓTIPO</a:t>
+            </a:r>
+            <a:endParaRPr lang="pt-BR" sz="4000" b="1" dirty="0">
+              <a:solidFill>
+                <a:srgbClr val="0070C0"/>
+              </a:solidFill>
+              <a:latin typeface="Arial" pitchFamily="34" charset="0"/>
+              <a:cs typeface="Arial" pitchFamily="34" charset="0"/>
+            </a:endParaRPr>
+          </a:p>
+        </p:txBody>
+      </p:sp>
+      <p:sp>
+        <p:nvSpPr>
+          <p:cNvPr id="3" name="Espaço Reservado para Conteúdo 2"/>
+          <p:cNvSpPr>
+            <a:spLocks noGrp="1"/>
+          </p:cNvSpPr>
+          <p:nvPr>
+            <p:ph sz="quarter" idx="1"/>
+          </p:nvPr>
+        </p:nvSpPr>
+        <p:spPr/>
+        <p:txBody>
+          <a:bodyPr/>
+          <a:lstStyle/>
+          <a:p>
+            <a:endParaRPr lang="pt-BR" dirty="0"/>
+          </a:p>
+        </p:txBody>
+      </p:sp>
       <p:pic>
         <p:nvPicPr>
-          <p:cNvPr id="3075" name="Picture 3" descr="C:\Users\Matheus\Desktop\índice.jpg"/>
+          <p:cNvPr id="1038" name="Picture 14" descr="C:\Users\Matheus\Desktop\Screenshot_20170702-190952.png"/>
+          <p:cNvPicPr>
+            <a:picLocks noChangeAspect="1" noChangeArrowheads="1"/>
+          </p:cNvPicPr>
+          <p:nvPr/>
+        </p:nvPicPr>
+        <p:blipFill>
+          <a:blip r:embed="rId2" cstate="print"/>
+          <a:srcRect/>
+          <a:stretch>
+            <a:fillRect/>
+          </a:stretch>
+        </p:blipFill>
+        <p:spPr bwMode="auto">
+          <a:xfrm>
+            <a:off x="4499992" y="1556792"/>
+            <a:ext cx="2898557" cy="4943650"/>
+          </a:xfrm>
+          <a:prstGeom prst="rect">
+            <a:avLst/>
+          </a:prstGeom>
+          <a:noFill/>
+        </p:spPr>
+      </p:pic>
+      <p:pic>
+        <p:nvPicPr>
+          <p:cNvPr id="1039" name="Picture 15" descr="C:\Users\Matheus\Desktop\Screenshot_20170702-190724.png"/>
           <p:cNvPicPr>
             <a:picLocks noChangeAspect="1" noChangeArrowheads="1"/>
           </p:cNvPicPr>
@@ -6248,8 +6332,8 @@
         </p:blipFill>
         <p:spPr bwMode="auto">
           <a:xfrm>
-            <a:off x="4499992" y="4788140"/>
-            <a:ext cx="3635524" cy="2069860"/>
+            <a:off x="971600" y="1556792"/>
+            <a:ext cx="2887695" cy="4941168"/>
           </a:xfrm>
           <a:prstGeom prst="rect">
             <a:avLst/>
@@ -6257,92 +6341,6 @@
           <a:noFill/>
         </p:spPr>
       </p:pic>
-      <p:sp>
-        <p:nvSpPr>
-          <p:cNvPr id="2" name="Título 1"/>
-          <p:cNvSpPr>
-            <a:spLocks noGrp="1"/>
-          </p:cNvSpPr>
-          <p:nvPr>
-            <p:ph type="title"/>
-          </p:nvPr>
-        </p:nvSpPr>
-        <p:spPr/>
-        <p:txBody>
-          <a:bodyPr>
-            <a:normAutofit/>
-          </a:bodyPr>
-          <a:lstStyle/>
-          <a:p>
-            <a:r>
-              <a:rPr lang="pt-BR" sz="4800" b="1" dirty="0" smtClean="0">
-                <a:solidFill>
-                  <a:srgbClr val="0070C0"/>
-                </a:solidFill>
-                <a:latin typeface="Arial" pitchFamily="34" charset="0"/>
-                <a:cs typeface="Arial" pitchFamily="34" charset="0"/>
-              </a:rPr>
-              <a:t>Perguntas Principais</a:t>
-            </a:r>
-            <a:endParaRPr lang="pt-BR" sz="4800" b="1" dirty="0">
-              <a:solidFill>
-                <a:srgbClr val="0070C0"/>
-              </a:solidFill>
-              <a:latin typeface="Arial" pitchFamily="34" charset="0"/>
-              <a:cs typeface="Arial" pitchFamily="34" charset="0"/>
-            </a:endParaRPr>
-          </a:p>
-        </p:txBody>
-      </p:sp>
-      <p:sp>
-        <p:nvSpPr>
-          <p:cNvPr id="3" name="Espaço Reservado para Conteúdo 2"/>
-          <p:cNvSpPr>
-            <a:spLocks noGrp="1"/>
-          </p:cNvSpPr>
-          <p:nvPr>
-            <p:ph sz="quarter" idx="1"/>
-          </p:nvPr>
-        </p:nvSpPr>
-        <p:spPr/>
-        <p:txBody>
-          <a:bodyPr>
-            <a:normAutofit/>
-          </a:bodyPr>
-          <a:lstStyle/>
-          <a:p>
-            <a:pPr algn="just"/>
-            <a:r>
-              <a:rPr lang="pt-BR" sz="3200" dirty="0" smtClean="0">
-                <a:latin typeface="Arial" pitchFamily="34" charset="0"/>
-                <a:cs typeface="Arial" pitchFamily="34" charset="0"/>
-              </a:rPr>
-              <a:t>Com o uso desse aplicativo, o número de demandas à Ouvidoria vai aumentar?</a:t>
-            </a:r>
-          </a:p>
-          <a:p>
-            <a:pPr algn="just"/>
-            <a:endParaRPr lang="pt-BR" sz="3200" dirty="0" smtClean="0">
-              <a:latin typeface="Arial" pitchFamily="34" charset="0"/>
-              <a:cs typeface="Arial" pitchFamily="34" charset="0"/>
-            </a:endParaRPr>
-          </a:p>
-          <a:p>
-            <a:pPr algn="just"/>
-            <a:r>
-              <a:rPr lang="pt-BR" sz="3200" dirty="0" smtClean="0">
-                <a:latin typeface="Arial" pitchFamily="34" charset="0"/>
-                <a:cs typeface="Arial" pitchFamily="34" charset="0"/>
-              </a:rPr>
-              <a:t>Com o uso desse aplicativo, o número de demandas resolvidas vai aumentar?</a:t>
-            </a:r>
-            <a:endParaRPr lang="pt-BR" sz="3200" dirty="0">
-              <a:latin typeface="Arial" pitchFamily="34" charset="0"/>
-              <a:cs typeface="Arial" pitchFamily="34" charset="0"/>
-            </a:endParaRPr>
-          </a:p>
-        </p:txBody>
-      </p:sp>
     </p:spTree>
   </p:cSld>
   <p:clrMapOvr>
@@ -6388,27 +6386,31 @@
         <p:spPr/>
         <p:txBody>
           <a:bodyPr>
-            <a:normAutofit/>
+            <a:noAutofit/>
           </a:bodyPr>
           <a:lstStyle/>
           <a:p>
             <a:r>
-              <a:rPr lang="pt-BR" sz="4800" b="1" dirty="0" smtClean="0">
+              <a:rPr lang="pt-BR" sz="4000" b="1" dirty="0" smtClean="0">
                 <a:solidFill>
                   <a:srgbClr val="0070C0"/>
                 </a:solidFill>
                 <a:latin typeface="Arial" pitchFamily="34" charset="0"/>
                 <a:cs typeface="Arial" pitchFamily="34" charset="0"/>
               </a:rPr>
-              <a:t>Dúvidas?</a:t>
-            </a:r>
-            <a:endParaRPr lang="pt-BR" sz="4800" b="1" dirty="0">
-              <a:solidFill>
-                <a:srgbClr val="0070C0"/>
-              </a:solidFill>
-              <a:latin typeface="Arial" pitchFamily="34" charset="0"/>
-              <a:cs typeface="Arial" pitchFamily="34" charset="0"/>
-            </a:endParaRPr>
+              <a:t>IMAGENS DO </a:t>
+            </a:r>
+            <a:r>
+              <a:rPr lang="pt-BR" sz="4000" b="1" dirty="0" smtClean="0">
+                <a:solidFill>
+                  <a:srgbClr val="0070C0"/>
+                </a:solidFill>
+                <a:latin typeface="Arial" pitchFamily="34" charset="0"/>
+                <a:cs typeface="Arial" pitchFamily="34" charset="0"/>
+              </a:rPr>
+              <a:t>PROTÓTIPO (CONTINUAÇÃO)</a:t>
+            </a:r>
+            <a:endParaRPr lang="pt-BR" sz="4000" dirty="0"/>
           </a:p>
         </p:txBody>
       </p:sp>
@@ -6427,13 +6429,13 @@
           <a:bodyPr/>
           <a:lstStyle/>
           <a:p>
-            <a:endParaRPr lang="pt-BR" dirty="0"/>
+            <a:endParaRPr lang="pt-BR"/>
           </a:p>
         </p:txBody>
       </p:sp>
       <p:pic>
         <p:nvPicPr>
-          <p:cNvPr id="21507" name="Picture 3" descr="C:\Users\Matheus\Desktop\duvidas-sobre-monografia-ou-tcc-artigo.jpg"/>
+          <p:cNvPr id="2050" name="Picture 2" descr="C:\Users\Matheus\Desktop\Screenshot_20170702-191101.png"/>
           <p:cNvPicPr>
             <a:picLocks noChangeAspect="1" noChangeArrowheads="1"/>
           </p:cNvPicPr>
@@ -6448,8 +6450,34 @@
         </p:blipFill>
         <p:spPr bwMode="auto">
           <a:xfrm>
-            <a:off x="1979712" y="1700808"/>
-            <a:ext cx="4896544" cy="3672408"/>
+            <a:off x="1043607" y="1655802"/>
+            <a:ext cx="2808313" cy="4797534"/>
+          </a:xfrm>
+          <a:prstGeom prst="rect">
+            <a:avLst/>
+          </a:prstGeom>
+          <a:noFill/>
+        </p:spPr>
+      </p:pic>
+      <p:pic>
+        <p:nvPicPr>
+          <p:cNvPr id="2051" name="Picture 3" descr="C:\Users\Matheus\Desktop\Screenshot_20170702-191146.png"/>
+          <p:cNvPicPr>
+            <a:picLocks noChangeAspect="1" noChangeArrowheads="1"/>
+          </p:cNvPicPr>
+          <p:nvPr/>
+        </p:nvPicPr>
+        <p:blipFill>
+          <a:blip r:embed="rId3" cstate="print"/>
+          <a:srcRect/>
+          <a:stretch>
+            <a:fillRect/>
+          </a:stretch>
+        </p:blipFill>
+        <p:spPr bwMode="auto">
+          <a:xfrm>
+            <a:off x="4211960" y="1628800"/>
+            <a:ext cx="2808312" cy="4805334"/>
           </a:xfrm>
           <a:prstGeom prst="rect">
             <a:avLst/>
@@ -6473,6 +6501,264 @@
 </file>
 
 <file path=ppt/slides/slide12.xml><?xml version="1.0" encoding="utf-8"?>
+<p:sld xmlns:a="http://schemas.openxmlformats.org/drawingml/2006/main" xmlns:r="http://schemas.openxmlformats.org/officeDocument/2006/relationships" xmlns:p="http://schemas.openxmlformats.org/presentationml/2006/main">
+  <p:cSld>
+    <p:spTree>
+      <p:nvGrpSpPr>
+        <p:cNvPr id="1" name=""/>
+        <p:cNvGrpSpPr/>
+        <p:nvPr/>
+      </p:nvGrpSpPr>
+      <p:grpSpPr>
+        <a:xfrm>
+          <a:off x="0" y="0"/>
+          <a:ext cx="0" cy="0"/>
+          <a:chOff x="0" y="0"/>
+          <a:chExt cx="0" cy="0"/>
+        </a:xfrm>
+      </p:grpSpPr>
+      <p:pic>
+        <p:nvPicPr>
+          <p:cNvPr id="3075" name="Picture 3" descr="C:\Users\Matheus\Desktop\índice.jpg"/>
+          <p:cNvPicPr>
+            <a:picLocks noChangeAspect="1" noChangeArrowheads="1"/>
+          </p:cNvPicPr>
+          <p:nvPr/>
+        </p:nvPicPr>
+        <p:blipFill>
+          <a:blip r:embed="rId3" cstate="print"/>
+          <a:srcRect/>
+          <a:stretch>
+            <a:fillRect/>
+          </a:stretch>
+        </p:blipFill>
+        <p:spPr bwMode="auto">
+          <a:xfrm>
+            <a:off x="4499992" y="4788140"/>
+            <a:ext cx="3635524" cy="2069860"/>
+          </a:xfrm>
+          <a:prstGeom prst="rect">
+            <a:avLst/>
+          </a:prstGeom>
+          <a:noFill/>
+        </p:spPr>
+      </p:pic>
+      <p:sp>
+        <p:nvSpPr>
+          <p:cNvPr id="2" name="Título 1"/>
+          <p:cNvSpPr>
+            <a:spLocks noGrp="1"/>
+          </p:cNvSpPr>
+          <p:nvPr>
+            <p:ph type="title"/>
+          </p:nvPr>
+        </p:nvSpPr>
+        <p:spPr/>
+        <p:txBody>
+          <a:bodyPr>
+            <a:normAutofit/>
+          </a:bodyPr>
+          <a:lstStyle/>
+          <a:p>
+            <a:r>
+              <a:rPr lang="pt-BR" sz="4800" b="1" dirty="0" smtClean="0">
+                <a:solidFill>
+                  <a:srgbClr val="0070C0"/>
+                </a:solidFill>
+                <a:latin typeface="Arial" pitchFamily="34" charset="0"/>
+                <a:cs typeface="Arial" pitchFamily="34" charset="0"/>
+              </a:rPr>
+              <a:t>Perguntas Principais</a:t>
+            </a:r>
+            <a:endParaRPr lang="pt-BR" sz="4800" b="1" dirty="0">
+              <a:solidFill>
+                <a:srgbClr val="0070C0"/>
+              </a:solidFill>
+              <a:latin typeface="Arial" pitchFamily="34" charset="0"/>
+              <a:cs typeface="Arial" pitchFamily="34" charset="0"/>
+            </a:endParaRPr>
+          </a:p>
+        </p:txBody>
+      </p:sp>
+      <p:sp>
+        <p:nvSpPr>
+          <p:cNvPr id="3" name="Espaço Reservado para Conteúdo 2"/>
+          <p:cNvSpPr>
+            <a:spLocks noGrp="1"/>
+          </p:cNvSpPr>
+          <p:nvPr>
+            <p:ph sz="quarter" idx="1"/>
+          </p:nvPr>
+        </p:nvSpPr>
+        <p:spPr/>
+        <p:txBody>
+          <a:bodyPr>
+            <a:normAutofit/>
+          </a:bodyPr>
+          <a:lstStyle/>
+          <a:p>
+            <a:pPr algn="just"/>
+            <a:r>
+              <a:rPr lang="pt-BR" sz="3200" dirty="0" smtClean="0">
+                <a:latin typeface="Arial" pitchFamily="34" charset="0"/>
+                <a:cs typeface="Arial" pitchFamily="34" charset="0"/>
+              </a:rPr>
+              <a:t>Com o uso desse aplicativo, o número de demandas à Ouvidoria vai aumentar?</a:t>
+            </a:r>
+          </a:p>
+          <a:p>
+            <a:pPr algn="just"/>
+            <a:endParaRPr lang="pt-BR" sz="3200" dirty="0" smtClean="0">
+              <a:latin typeface="Arial" pitchFamily="34" charset="0"/>
+              <a:cs typeface="Arial" pitchFamily="34" charset="0"/>
+            </a:endParaRPr>
+          </a:p>
+          <a:p>
+            <a:pPr algn="just"/>
+            <a:r>
+              <a:rPr lang="pt-BR" sz="3200" dirty="0" smtClean="0">
+                <a:latin typeface="Arial" pitchFamily="34" charset="0"/>
+                <a:cs typeface="Arial" pitchFamily="34" charset="0"/>
+              </a:rPr>
+              <a:t>Com o uso desse aplicativo, o número de demandas resolvidas vai aumentar?</a:t>
+            </a:r>
+            <a:endParaRPr lang="pt-BR" sz="3200" dirty="0">
+              <a:latin typeface="Arial" pitchFamily="34" charset="0"/>
+              <a:cs typeface="Arial" pitchFamily="34" charset="0"/>
+            </a:endParaRPr>
+          </a:p>
+        </p:txBody>
+      </p:sp>
+    </p:spTree>
+  </p:cSld>
+  <p:clrMapOvr>
+    <a:masterClrMapping/>
+  </p:clrMapOvr>
+  <p:timing>
+    <p:tnLst>
+      <p:par>
+        <p:cTn id="1" dur="indefinite" restart="never" nodeType="tmRoot"/>
+      </p:par>
+    </p:tnLst>
+  </p:timing>
+</p:sld>
+</file>
+
+<file path=ppt/slides/slide13.xml><?xml version="1.0" encoding="utf-8"?>
+<p:sld xmlns:a="http://schemas.openxmlformats.org/drawingml/2006/main" xmlns:r="http://schemas.openxmlformats.org/officeDocument/2006/relationships" xmlns:p="http://schemas.openxmlformats.org/presentationml/2006/main">
+  <p:cSld>
+    <p:spTree>
+      <p:nvGrpSpPr>
+        <p:cNvPr id="1" name=""/>
+        <p:cNvGrpSpPr/>
+        <p:nvPr/>
+      </p:nvGrpSpPr>
+      <p:grpSpPr>
+        <a:xfrm>
+          <a:off x="0" y="0"/>
+          <a:ext cx="0" cy="0"/>
+          <a:chOff x="0" y="0"/>
+          <a:chExt cx="0" cy="0"/>
+        </a:xfrm>
+      </p:grpSpPr>
+      <p:sp>
+        <p:nvSpPr>
+          <p:cNvPr id="2" name="Título 1"/>
+          <p:cNvSpPr>
+            <a:spLocks noGrp="1"/>
+          </p:cNvSpPr>
+          <p:nvPr>
+            <p:ph type="title"/>
+          </p:nvPr>
+        </p:nvSpPr>
+        <p:spPr/>
+        <p:txBody>
+          <a:bodyPr>
+            <a:normAutofit/>
+          </a:bodyPr>
+          <a:lstStyle/>
+          <a:p>
+            <a:r>
+              <a:rPr lang="pt-BR" sz="4800" b="1" dirty="0" smtClean="0">
+                <a:solidFill>
+                  <a:srgbClr val="0070C0"/>
+                </a:solidFill>
+                <a:latin typeface="Arial" pitchFamily="34" charset="0"/>
+                <a:cs typeface="Arial" pitchFamily="34" charset="0"/>
+              </a:rPr>
+              <a:t>Dúvidas?</a:t>
+            </a:r>
+            <a:endParaRPr lang="pt-BR" sz="4800" b="1" dirty="0">
+              <a:solidFill>
+                <a:srgbClr val="0070C0"/>
+              </a:solidFill>
+              <a:latin typeface="Arial" pitchFamily="34" charset="0"/>
+              <a:cs typeface="Arial" pitchFamily="34" charset="0"/>
+            </a:endParaRPr>
+          </a:p>
+        </p:txBody>
+      </p:sp>
+      <p:sp>
+        <p:nvSpPr>
+          <p:cNvPr id="3" name="Espaço Reservado para Conteúdo 2"/>
+          <p:cNvSpPr>
+            <a:spLocks noGrp="1"/>
+          </p:cNvSpPr>
+          <p:nvPr>
+            <p:ph sz="quarter" idx="1"/>
+          </p:nvPr>
+        </p:nvSpPr>
+        <p:spPr/>
+        <p:txBody>
+          <a:bodyPr/>
+          <a:lstStyle/>
+          <a:p>
+            <a:endParaRPr lang="pt-BR" dirty="0"/>
+          </a:p>
+        </p:txBody>
+      </p:sp>
+      <p:pic>
+        <p:nvPicPr>
+          <p:cNvPr id="21507" name="Picture 3" descr="C:\Users\Matheus\Desktop\duvidas-sobre-monografia-ou-tcc-artigo.jpg"/>
+          <p:cNvPicPr>
+            <a:picLocks noChangeAspect="1" noChangeArrowheads="1"/>
+          </p:cNvPicPr>
+          <p:nvPr/>
+        </p:nvPicPr>
+        <p:blipFill>
+          <a:blip r:embed="rId2" cstate="print"/>
+          <a:srcRect/>
+          <a:stretch>
+            <a:fillRect/>
+          </a:stretch>
+        </p:blipFill>
+        <p:spPr bwMode="auto">
+          <a:xfrm>
+            <a:off x="1979712" y="1700808"/>
+            <a:ext cx="4896544" cy="3672408"/>
+          </a:xfrm>
+          <a:prstGeom prst="rect">
+            <a:avLst/>
+          </a:prstGeom>
+          <a:noFill/>
+        </p:spPr>
+      </p:pic>
+    </p:spTree>
+  </p:cSld>
+  <p:clrMapOvr>
+    <a:masterClrMapping/>
+  </p:clrMapOvr>
+  <p:timing>
+    <p:tnLst>
+      <p:par>
+        <p:cTn id="1" dur="indefinite" restart="never" nodeType="tmRoot"/>
+      </p:par>
+    </p:tnLst>
+  </p:timing>
+</p:sld>
+</file>
+
+<file path=ppt/slides/slide14.xml><?xml version="1.0" encoding="utf-8"?>
 <p:sld xmlns:a="http://schemas.openxmlformats.org/drawingml/2006/main" xmlns:r="http://schemas.openxmlformats.org/officeDocument/2006/relationships" xmlns:p="http://schemas.openxmlformats.org/presentationml/2006/main">
   <p:cSld>
     <p:spTree>

--- a/Outros/slide.pptx
+++ b/Outros/slide.pptx
@@ -5,23 +5,21 @@
     <p:sldMasterId id="2147483672" r:id="rId1"/>
   </p:sldMasterIdLst>
   <p:notesMasterIdLst>
-    <p:notesMasterId r:id="rId16"/>
+    <p:notesMasterId r:id="rId14"/>
   </p:notesMasterIdLst>
   <p:sldIdLst>
     <p:sldId id="256" r:id="rId2"/>
     <p:sldId id="257" r:id="rId3"/>
     <p:sldId id="258" r:id="rId4"/>
     <p:sldId id="259" r:id="rId5"/>
-    <p:sldId id="260" r:id="rId6"/>
-    <p:sldId id="265" r:id="rId7"/>
-    <p:sldId id="266" r:id="rId8"/>
-    <p:sldId id="261" r:id="rId9"/>
-    <p:sldId id="268" r:id="rId10"/>
-    <p:sldId id="270" r:id="rId11"/>
-    <p:sldId id="269" r:id="rId12"/>
-    <p:sldId id="263" r:id="rId13"/>
-    <p:sldId id="264" r:id="rId14"/>
-    <p:sldId id="267" r:id="rId15"/>
+    <p:sldId id="265" r:id="rId6"/>
+    <p:sldId id="266" r:id="rId7"/>
+    <p:sldId id="261" r:id="rId8"/>
+    <p:sldId id="268" r:id="rId9"/>
+    <p:sldId id="270" r:id="rId10"/>
+    <p:sldId id="269" r:id="rId11"/>
+    <p:sldId id="263" r:id="rId12"/>
+    <p:sldId id="264" r:id="rId13"/>
   </p:sldIdLst>
   <p:sldSz cx="9144000" cy="6858000" type="screen4x3"/>
   <p:notesSz cx="6858000" cy="9144000"/>
@@ -206,7 +204,7 @@
             <a:fld id="{798555F1-01A5-4A90-AD34-1B41F1C18094}" type="datetimeFigureOut">
               <a:rPr lang="pt-BR" smtClean="0"/>
               <a:pPr/>
-              <a:t>02/07/2017</a:t>
+              <a:t>11/07/2017</a:t>
             </a:fld>
             <a:endParaRPr lang="pt-BR"/>
           </a:p>
@@ -516,7 +514,9 @@
         </p:nvSpPr>
         <p:spPr/>
         <p:txBody>
-          <a:bodyPr/>
+          <a:bodyPr>
+            <a:normAutofit/>
+          </a:bodyPr>
           <a:lstStyle/>
           <a:p>
             <a:endParaRPr lang="pt-BR" dirty="0"/>
@@ -541,18 +541,13 @@
             <a:fld id="{D8E96ECB-1121-49EC-81BC-EF8E1F06EDBC}" type="slidenum">
               <a:rPr lang="pt-BR" smtClean="0"/>
               <a:pPr/>
-              <a:t>2</a:t>
+              <a:t>1</a:t>
             </a:fld>
             <a:endParaRPr lang="pt-BR"/>
           </a:p>
         </p:txBody>
       </p:sp>
     </p:spTree>
-    <p:extLst>
-      <p:ext uri="{BB962C8B-B14F-4D97-AF65-F5344CB8AC3E}">
-        <p14:creationId xmlns:p14="http://schemas.microsoft.com/office/powerpoint/2010/main" xmlns="" val="954145657"/>
-      </p:ext>
-    </p:extLst>
   </p:cSld>
   <p:clrMapOvr>
     <a:masterClrMapping/>
@@ -626,7 +621,7 @@
             <a:fld id="{D8E96ECB-1121-49EC-81BC-EF8E1F06EDBC}" type="slidenum">
               <a:rPr lang="pt-BR" smtClean="0"/>
               <a:pPr/>
-              <a:t>3</a:t>
+              <a:t>2</a:t>
             </a:fld>
             <a:endParaRPr lang="pt-BR"/>
           </a:p>
@@ -635,7 +630,7 @@
     </p:spTree>
     <p:extLst>
       <p:ext uri="{BB962C8B-B14F-4D97-AF65-F5344CB8AC3E}">
-        <p14:creationId xmlns:p14="http://schemas.microsoft.com/office/powerpoint/2010/main" xmlns="" val="1487408821"/>
+        <p14:creationId xmlns:p14="http://schemas.microsoft.com/office/powerpoint/2010/main" xmlns="" val="954145657"/>
       </p:ext>
     </p:extLst>
   </p:cSld>
@@ -711,7 +706,7 @@
             <a:fld id="{D8E96ECB-1121-49EC-81BC-EF8E1F06EDBC}" type="slidenum">
               <a:rPr lang="pt-BR" smtClean="0"/>
               <a:pPr/>
-              <a:t>4</a:t>
+              <a:t>3</a:t>
             </a:fld>
             <a:endParaRPr lang="pt-BR"/>
           </a:p>
@@ -720,7 +715,7 @@
     </p:spTree>
     <p:extLst>
       <p:ext uri="{BB962C8B-B14F-4D97-AF65-F5344CB8AC3E}">
-        <p14:creationId xmlns:p14="http://schemas.microsoft.com/office/powerpoint/2010/main" xmlns="" val="2340393995"/>
+        <p14:creationId xmlns:p14="http://schemas.microsoft.com/office/powerpoint/2010/main" xmlns="" val="1487408821"/>
       </p:ext>
     </p:extLst>
   </p:cSld>
@@ -774,23 +769,6 @@
           <a:bodyPr/>
           <a:lstStyle/>
           <a:p>
-            <a:pPr marL="0" marR="0" indent="0" algn="l" defTabSz="914400" rtl="0" eaLnBrk="1" fontAlgn="auto" latinLnBrk="0" hangingPunct="1">
-              <a:lnSpc>
-                <a:spcPct val="100000"/>
-              </a:lnSpc>
-              <a:spcBef>
-                <a:spcPts val="0"/>
-              </a:spcBef>
-              <a:spcAft>
-                <a:spcPts val="0"/>
-              </a:spcAft>
-              <a:buClrTx/>
-              <a:buSzTx/>
-              <a:buFontTx/>
-              <a:buNone/>
-              <a:tabLst/>
-              <a:defRPr/>
-            </a:pPr>
             <a:endParaRPr lang="pt-BR" dirty="0"/>
           </a:p>
         </p:txBody>
@@ -813,7 +791,7 @@
             <a:fld id="{D8E96ECB-1121-49EC-81BC-EF8E1F06EDBC}" type="slidenum">
               <a:rPr lang="pt-BR" smtClean="0"/>
               <a:pPr/>
-              <a:t>5</a:t>
+              <a:t>4</a:t>
             </a:fld>
             <a:endParaRPr lang="pt-BR"/>
           </a:p>
@@ -822,7 +800,7 @@
     </p:spTree>
     <p:extLst>
       <p:ext uri="{BB962C8B-B14F-4D97-AF65-F5344CB8AC3E}">
-        <p14:creationId xmlns:p14="http://schemas.microsoft.com/office/powerpoint/2010/main" xmlns="" val="2877462933"/>
+        <p14:creationId xmlns:p14="http://schemas.microsoft.com/office/powerpoint/2010/main" xmlns="" val="2340393995"/>
       </p:ext>
     </p:extLst>
   </p:cSld>
@@ -898,7 +876,7 @@
             <a:fld id="{D8E96ECB-1121-49EC-81BC-EF8E1F06EDBC}" type="slidenum">
               <a:rPr lang="pt-BR" smtClean="0"/>
               <a:pPr/>
-              <a:t>12</a:t>
+              <a:t>11</a:t>
             </a:fld>
             <a:endParaRPr lang="pt-BR"/>
           </a:p>
@@ -1055,7 +1033,7 @@
             <a:fld id="{D5E7BBF4-83E0-4889-B49C-F05DC353EE8F}" type="datetimeFigureOut">
               <a:rPr lang="pt-BR" smtClean="0"/>
               <a:pPr/>
-              <a:t>02/07/2017</a:t>
+              <a:t>11/07/2017</a:t>
             </a:fld>
             <a:endParaRPr lang="pt-BR"/>
           </a:p>
@@ -1926,7 +1904,7 @@
             <a:fld id="{D5E7BBF4-83E0-4889-B49C-F05DC353EE8F}" type="datetimeFigureOut">
               <a:rPr lang="pt-BR" smtClean="0"/>
               <a:pPr/>
-              <a:t>02/07/2017</a:t>
+              <a:t>11/07/2017</a:t>
             </a:fld>
             <a:endParaRPr lang="pt-BR"/>
           </a:p>
@@ -2103,7 +2081,7 @@
             <a:fld id="{D5E7BBF4-83E0-4889-B49C-F05DC353EE8F}" type="datetimeFigureOut">
               <a:rPr lang="pt-BR" smtClean="0"/>
               <a:pPr/>
-              <a:t>02/07/2017</a:t>
+              <a:t>11/07/2017</a:t>
             </a:fld>
             <a:endParaRPr lang="pt-BR"/>
           </a:p>
@@ -2275,7 +2253,7 @@
             <a:fld id="{D5E7BBF4-83E0-4889-B49C-F05DC353EE8F}" type="datetimeFigureOut">
               <a:rPr lang="pt-BR" smtClean="0"/>
               <a:pPr/>
-              <a:t>02/07/2017</a:t>
+              <a:t>11/07/2017</a:t>
             </a:fld>
             <a:endParaRPr lang="pt-BR"/>
           </a:p>
@@ -2487,7 +2465,7 @@
             <a:fld id="{D5E7BBF4-83E0-4889-B49C-F05DC353EE8F}" type="datetimeFigureOut">
               <a:rPr lang="pt-BR" smtClean="0"/>
               <a:pPr/>
-              <a:t>02/07/2017</a:t>
+              <a:t>11/07/2017</a:t>
             </a:fld>
             <a:endParaRPr lang="pt-BR"/>
           </a:p>
@@ -3303,7 +3281,7 @@
             <a:fld id="{D5E7BBF4-83E0-4889-B49C-F05DC353EE8F}" type="datetimeFigureOut">
               <a:rPr lang="pt-BR" smtClean="0"/>
               <a:pPr/>
-              <a:t>02/07/2017</a:t>
+              <a:t>11/07/2017</a:t>
             </a:fld>
             <a:endParaRPr lang="pt-BR"/>
           </a:p>
@@ -3541,7 +3519,7 @@
             <a:fld id="{D5E7BBF4-83E0-4889-B49C-F05DC353EE8F}" type="datetimeFigureOut">
               <a:rPr lang="pt-BR" smtClean="0"/>
               <a:pPr/>
-              <a:t>02/07/2017</a:t>
+              <a:t>11/07/2017</a:t>
             </a:fld>
             <a:endParaRPr lang="pt-BR"/>
           </a:p>
@@ -3866,7 +3844,7 @@
             <a:fld id="{D5E7BBF4-83E0-4889-B49C-F05DC353EE8F}" type="datetimeFigureOut">
               <a:rPr lang="pt-BR" smtClean="0"/>
               <a:pPr/>
-              <a:t>02/07/2017</a:t>
+              <a:t>11/07/2017</a:t>
             </a:fld>
             <a:endParaRPr lang="pt-BR"/>
           </a:p>
@@ -3958,7 +3936,7 @@
             <a:fld id="{D5E7BBF4-83E0-4889-B49C-F05DC353EE8F}" type="datetimeFigureOut">
               <a:rPr lang="pt-BR" smtClean="0"/>
               <a:pPr/>
-              <a:t>02/07/2017</a:t>
+              <a:t>11/07/2017</a:t>
             </a:fld>
             <a:endParaRPr lang="pt-BR"/>
           </a:p>
@@ -4477,7 +4455,7 @@
             <a:fld id="{D5E7BBF4-83E0-4889-B49C-F05DC353EE8F}" type="datetimeFigureOut">
               <a:rPr lang="pt-BR" smtClean="0"/>
               <a:pPr/>
-              <a:t>02/07/2017</a:t>
+              <a:t>11/07/2017</a:t>
             </a:fld>
             <a:endParaRPr lang="pt-BR"/>
           </a:p>
@@ -4990,7 +4968,7 @@
             <a:fld id="{D5E7BBF4-83E0-4889-B49C-F05DC353EE8F}" type="datetimeFigureOut">
               <a:rPr lang="pt-BR" smtClean="0"/>
               <a:pPr/>
-              <a:t>02/07/2017</a:t>
+              <a:t>11/07/2017</a:t>
             </a:fld>
             <a:endParaRPr lang="pt-BR"/>
           </a:p>
@@ -5237,7 +5215,7 @@
             <a:fld id="{D5E7BBF4-83E0-4889-B49C-F05DC353EE8F}" type="datetimeFigureOut">
               <a:rPr lang="pt-BR" smtClean="0"/>
               <a:pPr/>
-              <a:t>02/07/2017</a:t>
+              <a:t>11/07/2017</a:t>
             </a:fld>
             <a:endParaRPr lang="pt-BR"/>
           </a:p>
@@ -5968,7 +5946,7 @@
           <p:nvPr/>
         </p:nvPicPr>
         <p:blipFill>
-          <a:blip r:embed="rId2" cstate="print"/>
+          <a:blip r:embed="rId3" cstate="print"/>
           <a:srcRect/>
           <a:stretch>
             <a:fillRect/>
@@ -6201,6 +6179,84 @@
           </a:p>
         </p:txBody>
       </p:sp>
+      <p:pic>
+        <p:nvPicPr>
+          <p:cNvPr id="6" name="Picture 3" descr="C:\Users\Matheus\Desktop\fb_icon_325x325.png"/>
+          <p:cNvPicPr>
+            <a:picLocks noChangeAspect="1" noChangeArrowheads="1"/>
+          </p:cNvPicPr>
+          <p:nvPr/>
+        </p:nvPicPr>
+        <p:blipFill>
+          <a:blip r:embed="rId4" cstate="print"/>
+          <a:srcRect/>
+          <a:stretch>
+            <a:fillRect/>
+          </a:stretch>
+        </p:blipFill>
+        <p:spPr bwMode="auto">
+          <a:xfrm>
+            <a:off x="1835696" y="836712"/>
+            <a:ext cx="144016" cy="144016"/>
+          </a:xfrm>
+          <a:prstGeom prst="rect">
+            <a:avLst/>
+          </a:prstGeom>
+          <a:noFill/>
+        </p:spPr>
+      </p:pic>
+      <p:pic>
+        <p:nvPicPr>
+          <p:cNvPr id="7" name="Picture 5" descr="Resultado de imagem para whatsapp png"/>
+          <p:cNvPicPr>
+            <a:picLocks noChangeAspect="1" noChangeArrowheads="1"/>
+          </p:cNvPicPr>
+          <p:nvPr/>
+        </p:nvPicPr>
+        <p:blipFill>
+          <a:blip r:embed="rId5" cstate="print"/>
+          <a:srcRect/>
+          <a:stretch>
+            <a:fillRect/>
+          </a:stretch>
+        </p:blipFill>
+        <p:spPr bwMode="auto">
+          <a:xfrm>
+            <a:off x="1833948" y="1052736"/>
+            <a:ext cx="217772" cy="223189"/>
+          </a:xfrm>
+          <a:prstGeom prst="rect">
+            <a:avLst/>
+          </a:prstGeom>
+          <a:noFill/>
+        </p:spPr>
+      </p:pic>
+      <p:pic>
+        <p:nvPicPr>
+          <p:cNvPr id="8" name="Picture 9" descr="Resultado de imagem para email png"/>
+          <p:cNvPicPr>
+            <a:picLocks noChangeAspect="1" noChangeArrowheads="1"/>
+          </p:cNvPicPr>
+          <p:nvPr/>
+        </p:nvPicPr>
+        <p:blipFill>
+          <a:blip r:embed="rId6" cstate="print"/>
+          <a:srcRect/>
+          <a:stretch>
+            <a:fillRect/>
+          </a:stretch>
+        </p:blipFill>
+        <p:spPr bwMode="auto">
+          <a:xfrm>
+            <a:off x="1835696" y="1340768"/>
+            <a:ext cx="144016" cy="144016"/>
+          </a:xfrm>
+          <a:prstGeom prst="rect">
+            <a:avLst/>
+          </a:prstGeom>
+          <a:noFill/>
+        </p:spPr>
+      </p:pic>
     </p:spTree>
   </p:cSld>
   <p:clrMapOvr>
@@ -6258,15 +6314,9 @@
                 <a:latin typeface="Arial" pitchFamily="34" charset="0"/>
                 <a:cs typeface="Arial" pitchFamily="34" charset="0"/>
               </a:rPr>
-              <a:t>IMAGENS DO PROTÓTIPO</a:t>
-            </a:r>
-            <a:endParaRPr lang="pt-BR" sz="4000" b="1" dirty="0">
-              <a:solidFill>
-                <a:srgbClr val="0070C0"/>
-              </a:solidFill>
-              <a:latin typeface="Arial" pitchFamily="34" charset="0"/>
-              <a:cs typeface="Arial" pitchFamily="34" charset="0"/>
-            </a:endParaRPr>
+              <a:t>IMAGENS DO PROTÓTIPO (CONTINUAÇÃO)</a:t>
+            </a:r>
+            <a:endParaRPr lang="pt-BR" sz="4000" dirty="0"/>
           </a:p>
         </p:txBody>
       </p:sp>
@@ -6285,13 +6335,13 @@
           <a:bodyPr/>
           <a:lstStyle/>
           <a:p>
-            <a:endParaRPr lang="pt-BR" dirty="0"/>
+            <a:endParaRPr lang="pt-BR"/>
           </a:p>
         </p:txBody>
       </p:sp>
       <p:pic>
         <p:nvPicPr>
-          <p:cNvPr id="1038" name="Picture 14" descr="C:\Users\Matheus\Desktop\Screenshot_20170702-190952.png"/>
+          <p:cNvPr id="2050" name="Picture 2" descr="C:\Users\Matheus\Desktop\Screenshot_20170702-191101.png"/>
           <p:cNvPicPr>
             <a:picLocks noChangeAspect="1" noChangeArrowheads="1"/>
           </p:cNvPicPr>
@@ -6306,8 +6356,8 @@
         </p:blipFill>
         <p:spPr bwMode="auto">
           <a:xfrm>
-            <a:off x="4499992" y="1556792"/>
-            <a:ext cx="2898557" cy="4943650"/>
+            <a:off x="1043607" y="1655802"/>
+            <a:ext cx="2808313" cy="4797534"/>
           </a:xfrm>
           <a:prstGeom prst="rect">
             <a:avLst/>
@@ -6317,7 +6367,7 @@
       </p:pic>
       <p:pic>
         <p:nvPicPr>
-          <p:cNvPr id="1039" name="Picture 15" descr="C:\Users\Matheus\Desktop\Screenshot_20170702-190724.png"/>
+          <p:cNvPr id="2051" name="Picture 3" descr="C:\Users\Matheus\Desktop\Screenshot_20170702-191146.png"/>
           <p:cNvPicPr>
             <a:picLocks noChangeAspect="1" noChangeArrowheads="1"/>
           </p:cNvPicPr>
@@ -6332,8 +6382,8 @@
         </p:blipFill>
         <p:spPr bwMode="auto">
           <a:xfrm>
-            <a:off x="971600" y="1556792"/>
-            <a:ext cx="2887695" cy="4941168"/>
+            <a:off x="4211960" y="1628800"/>
+            <a:ext cx="2808312" cy="4805334"/>
           </a:xfrm>
           <a:prstGeom prst="rect">
             <a:avLst/>
@@ -6373,95 +6423,9 @@
           <a:chExt cx="0" cy="0"/>
         </a:xfrm>
       </p:grpSpPr>
-      <p:sp>
-        <p:nvSpPr>
-          <p:cNvPr id="2" name="Título 1"/>
-          <p:cNvSpPr>
-            <a:spLocks noGrp="1"/>
-          </p:cNvSpPr>
-          <p:nvPr>
-            <p:ph type="title"/>
-          </p:nvPr>
-        </p:nvSpPr>
-        <p:spPr/>
-        <p:txBody>
-          <a:bodyPr>
-            <a:noAutofit/>
-          </a:bodyPr>
-          <a:lstStyle/>
-          <a:p>
-            <a:r>
-              <a:rPr lang="pt-BR" sz="4000" b="1" dirty="0" smtClean="0">
-                <a:solidFill>
-                  <a:srgbClr val="0070C0"/>
-                </a:solidFill>
-                <a:latin typeface="Arial" pitchFamily="34" charset="0"/>
-                <a:cs typeface="Arial" pitchFamily="34" charset="0"/>
-              </a:rPr>
-              <a:t>IMAGENS DO </a:t>
-            </a:r>
-            <a:r>
-              <a:rPr lang="pt-BR" sz="4000" b="1" dirty="0" smtClean="0">
-                <a:solidFill>
-                  <a:srgbClr val="0070C0"/>
-                </a:solidFill>
-                <a:latin typeface="Arial" pitchFamily="34" charset="0"/>
-                <a:cs typeface="Arial" pitchFamily="34" charset="0"/>
-              </a:rPr>
-              <a:t>PROTÓTIPO (CONTINUAÇÃO)</a:t>
-            </a:r>
-            <a:endParaRPr lang="pt-BR" sz="4000" dirty="0"/>
-          </a:p>
-        </p:txBody>
-      </p:sp>
-      <p:sp>
-        <p:nvSpPr>
-          <p:cNvPr id="3" name="Espaço Reservado para Conteúdo 2"/>
-          <p:cNvSpPr>
-            <a:spLocks noGrp="1"/>
-          </p:cNvSpPr>
-          <p:nvPr>
-            <p:ph sz="quarter" idx="1"/>
-          </p:nvPr>
-        </p:nvSpPr>
-        <p:spPr/>
-        <p:txBody>
-          <a:bodyPr/>
-          <a:lstStyle/>
-          <a:p>
-            <a:endParaRPr lang="pt-BR"/>
-          </a:p>
-        </p:txBody>
-      </p:sp>
       <p:pic>
         <p:nvPicPr>
-          <p:cNvPr id="2050" name="Picture 2" descr="C:\Users\Matheus\Desktop\Screenshot_20170702-191101.png"/>
-          <p:cNvPicPr>
-            <a:picLocks noChangeAspect="1" noChangeArrowheads="1"/>
-          </p:cNvPicPr>
-          <p:nvPr/>
-        </p:nvPicPr>
-        <p:blipFill>
-          <a:blip r:embed="rId2" cstate="print"/>
-          <a:srcRect/>
-          <a:stretch>
-            <a:fillRect/>
-          </a:stretch>
-        </p:blipFill>
-        <p:spPr bwMode="auto">
-          <a:xfrm>
-            <a:off x="1043607" y="1655802"/>
-            <a:ext cx="2808313" cy="4797534"/>
-          </a:xfrm>
-          <a:prstGeom prst="rect">
-            <a:avLst/>
-          </a:prstGeom>
-          <a:noFill/>
-        </p:spPr>
-      </p:pic>
-      <p:pic>
-        <p:nvPicPr>
-          <p:cNvPr id="2051" name="Picture 3" descr="C:\Users\Matheus\Desktop\Screenshot_20170702-191146.png"/>
+          <p:cNvPr id="3075" name="Picture 3" descr="C:\Users\Matheus\Desktop\índice.jpg"/>
           <p:cNvPicPr>
             <a:picLocks noChangeAspect="1" noChangeArrowheads="1"/>
           </p:cNvPicPr>
@@ -6476,8 +6440,8 @@
         </p:blipFill>
         <p:spPr bwMode="auto">
           <a:xfrm>
-            <a:off x="4211960" y="1628800"/>
-            <a:ext cx="2808312" cy="4805334"/>
+            <a:off x="4499992" y="4788140"/>
+            <a:ext cx="3635524" cy="2069860"/>
           </a:xfrm>
           <a:prstGeom prst="rect">
             <a:avLst/>
@@ -6485,6 +6449,92 @@
           <a:noFill/>
         </p:spPr>
       </p:pic>
+      <p:sp>
+        <p:nvSpPr>
+          <p:cNvPr id="2" name="Título 1"/>
+          <p:cNvSpPr>
+            <a:spLocks noGrp="1"/>
+          </p:cNvSpPr>
+          <p:nvPr>
+            <p:ph type="title"/>
+          </p:nvPr>
+        </p:nvSpPr>
+        <p:spPr/>
+        <p:txBody>
+          <a:bodyPr>
+            <a:normAutofit/>
+          </a:bodyPr>
+          <a:lstStyle/>
+          <a:p>
+            <a:r>
+              <a:rPr lang="pt-BR" sz="4800" b="1" dirty="0" smtClean="0">
+                <a:solidFill>
+                  <a:srgbClr val="0070C0"/>
+                </a:solidFill>
+                <a:latin typeface="Arial" pitchFamily="34" charset="0"/>
+                <a:cs typeface="Arial" pitchFamily="34" charset="0"/>
+              </a:rPr>
+              <a:t>Perguntas Principais</a:t>
+            </a:r>
+            <a:endParaRPr lang="pt-BR" sz="4800" b="1" dirty="0">
+              <a:solidFill>
+                <a:srgbClr val="0070C0"/>
+              </a:solidFill>
+              <a:latin typeface="Arial" pitchFamily="34" charset="0"/>
+              <a:cs typeface="Arial" pitchFamily="34" charset="0"/>
+            </a:endParaRPr>
+          </a:p>
+        </p:txBody>
+      </p:sp>
+      <p:sp>
+        <p:nvSpPr>
+          <p:cNvPr id="3" name="Espaço Reservado para Conteúdo 2"/>
+          <p:cNvSpPr>
+            <a:spLocks noGrp="1"/>
+          </p:cNvSpPr>
+          <p:nvPr>
+            <p:ph sz="quarter" idx="1"/>
+          </p:nvPr>
+        </p:nvSpPr>
+        <p:spPr/>
+        <p:txBody>
+          <a:bodyPr>
+            <a:normAutofit/>
+          </a:bodyPr>
+          <a:lstStyle/>
+          <a:p>
+            <a:pPr algn="just"/>
+            <a:r>
+              <a:rPr lang="pt-BR" sz="3200" dirty="0" smtClean="0">
+                <a:latin typeface="Arial" pitchFamily="34" charset="0"/>
+                <a:cs typeface="Arial" pitchFamily="34" charset="0"/>
+              </a:rPr>
+              <a:t>Com o uso desse aplicativo, o número de demandas à Ouvidoria vai aumentar?</a:t>
+            </a:r>
+          </a:p>
+          <a:p>
+            <a:pPr algn="just"/>
+            <a:endParaRPr lang="pt-BR" sz="3200" dirty="0" smtClean="0">
+              <a:latin typeface="Arial" pitchFamily="34" charset="0"/>
+              <a:cs typeface="Arial" pitchFamily="34" charset="0"/>
+            </a:endParaRPr>
+          </a:p>
+          <a:p>
+            <a:pPr algn="just"/>
+            <a:r>
+              <a:rPr lang="pt-BR" sz="3200" dirty="0" smtClean="0">
+                <a:latin typeface="Arial" pitchFamily="34" charset="0"/>
+                <a:cs typeface="Arial" pitchFamily="34" charset="0"/>
+              </a:rPr>
+              <a:t>Com o uso desse aplicativo, o número de demandas resolvidas vai aumentar?</a:t>
+            </a:r>
+            <a:endParaRPr lang="pt-BR" sz="3200" dirty="0">
+              <a:latin typeface="Arial" pitchFamily="34" charset="0"/>
+              <a:cs typeface="Arial" pitchFamily="34" charset="0"/>
+            </a:endParaRPr>
+          </a:p>
+        </p:txBody>
+      </p:sp>
     </p:spTree>
   </p:cSld>
   <p:clrMapOvr>
@@ -6517,150 +6567,6 @@
           <a:chExt cx="0" cy="0"/>
         </a:xfrm>
       </p:grpSpPr>
-      <p:pic>
-        <p:nvPicPr>
-          <p:cNvPr id="3075" name="Picture 3" descr="C:\Users\Matheus\Desktop\índice.jpg"/>
-          <p:cNvPicPr>
-            <a:picLocks noChangeAspect="1" noChangeArrowheads="1"/>
-          </p:cNvPicPr>
-          <p:nvPr/>
-        </p:nvPicPr>
-        <p:blipFill>
-          <a:blip r:embed="rId3" cstate="print"/>
-          <a:srcRect/>
-          <a:stretch>
-            <a:fillRect/>
-          </a:stretch>
-        </p:blipFill>
-        <p:spPr bwMode="auto">
-          <a:xfrm>
-            <a:off x="4499992" y="4788140"/>
-            <a:ext cx="3635524" cy="2069860"/>
-          </a:xfrm>
-          <a:prstGeom prst="rect">
-            <a:avLst/>
-          </a:prstGeom>
-          <a:noFill/>
-        </p:spPr>
-      </p:pic>
-      <p:sp>
-        <p:nvSpPr>
-          <p:cNvPr id="2" name="Título 1"/>
-          <p:cNvSpPr>
-            <a:spLocks noGrp="1"/>
-          </p:cNvSpPr>
-          <p:nvPr>
-            <p:ph type="title"/>
-          </p:nvPr>
-        </p:nvSpPr>
-        <p:spPr/>
-        <p:txBody>
-          <a:bodyPr>
-            <a:normAutofit/>
-          </a:bodyPr>
-          <a:lstStyle/>
-          <a:p>
-            <a:r>
-              <a:rPr lang="pt-BR" sz="4800" b="1" dirty="0" smtClean="0">
-                <a:solidFill>
-                  <a:srgbClr val="0070C0"/>
-                </a:solidFill>
-                <a:latin typeface="Arial" pitchFamily="34" charset="0"/>
-                <a:cs typeface="Arial" pitchFamily="34" charset="0"/>
-              </a:rPr>
-              <a:t>Perguntas Principais</a:t>
-            </a:r>
-            <a:endParaRPr lang="pt-BR" sz="4800" b="1" dirty="0">
-              <a:solidFill>
-                <a:srgbClr val="0070C0"/>
-              </a:solidFill>
-              <a:latin typeface="Arial" pitchFamily="34" charset="0"/>
-              <a:cs typeface="Arial" pitchFamily="34" charset="0"/>
-            </a:endParaRPr>
-          </a:p>
-        </p:txBody>
-      </p:sp>
-      <p:sp>
-        <p:nvSpPr>
-          <p:cNvPr id="3" name="Espaço Reservado para Conteúdo 2"/>
-          <p:cNvSpPr>
-            <a:spLocks noGrp="1"/>
-          </p:cNvSpPr>
-          <p:nvPr>
-            <p:ph sz="quarter" idx="1"/>
-          </p:nvPr>
-        </p:nvSpPr>
-        <p:spPr/>
-        <p:txBody>
-          <a:bodyPr>
-            <a:normAutofit/>
-          </a:bodyPr>
-          <a:lstStyle/>
-          <a:p>
-            <a:pPr algn="just"/>
-            <a:r>
-              <a:rPr lang="pt-BR" sz="3200" dirty="0" smtClean="0">
-                <a:latin typeface="Arial" pitchFamily="34" charset="0"/>
-                <a:cs typeface="Arial" pitchFamily="34" charset="0"/>
-              </a:rPr>
-              <a:t>Com o uso desse aplicativo, o número de demandas à Ouvidoria vai aumentar?</a:t>
-            </a:r>
-          </a:p>
-          <a:p>
-            <a:pPr algn="just"/>
-            <a:endParaRPr lang="pt-BR" sz="3200" dirty="0" smtClean="0">
-              <a:latin typeface="Arial" pitchFamily="34" charset="0"/>
-              <a:cs typeface="Arial" pitchFamily="34" charset="0"/>
-            </a:endParaRPr>
-          </a:p>
-          <a:p>
-            <a:pPr algn="just"/>
-            <a:r>
-              <a:rPr lang="pt-BR" sz="3200" dirty="0" smtClean="0">
-                <a:latin typeface="Arial" pitchFamily="34" charset="0"/>
-                <a:cs typeface="Arial" pitchFamily="34" charset="0"/>
-              </a:rPr>
-              <a:t>Com o uso desse aplicativo, o número de demandas resolvidas vai aumentar?</a:t>
-            </a:r>
-            <a:endParaRPr lang="pt-BR" sz="3200" dirty="0">
-              <a:latin typeface="Arial" pitchFamily="34" charset="0"/>
-              <a:cs typeface="Arial" pitchFamily="34" charset="0"/>
-            </a:endParaRPr>
-          </a:p>
-        </p:txBody>
-      </p:sp>
-    </p:spTree>
-  </p:cSld>
-  <p:clrMapOvr>
-    <a:masterClrMapping/>
-  </p:clrMapOvr>
-  <p:timing>
-    <p:tnLst>
-      <p:par>
-        <p:cTn id="1" dur="indefinite" restart="never" nodeType="tmRoot"/>
-      </p:par>
-    </p:tnLst>
-  </p:timing>
-</p:sld>
-</file>
-
-<file path=ppt/slides/slide13.xml><?xml version="1.0" encoding="utf-8"?>
-<p:sld xmlns:a="http://schemas.openxmlformats.org/drawingml/2006/main" xmlns:r="http://schemas.openxmlformats.org/officeDocument/2006/relationships" xmlns:p="http://schemas.openxmlformats.org/presentationml/2006/main">
-  <p:cSld>
-    <p:spTree>
-      <p:nvGrpSpPr>
-        <p:cNvPr id="1" name=""/>
-        <p:cNvGrpSpPr/>
-        <p:nvPr/>
-      </p:nvGrpSpPr>
-      <p:grpSpPr>
-        <a:xfrm>
-          <a:off x="0" y="0"/>
-          <a:ext cx="0" cy="0"/>
-          <a:chOff x="0" y="0"/>
-          <a:chExt cx="0" cy="0"/>
-        </a:xfrm>
-      </p:grpSpPr>
       <p:sp>
         <p:nvSpPr>
           <p:cNvPr id="2" name="Título 1"/>
@@ -6736,263 +6642,6 @@
           <a:xfrm>
             <a:off x="1979712" y="1700808"/>
             <a:ext cx="4896544" cy="3672408"/>
-          </a:xfrm>
-          <a:prstGeom prst="rect">
-            <a:avLst/>
-          </a:prstGeom>
-          <a:noFill/>
-        </p:spPr>
-      </p:pic>
-    </p:spTree>
-  </p:cSld>
-  <p:clrMapOvr>
-    <a:masterClrMapping/>
-  </p:clrMapOvr>
-  <p:timing>
-    <p:tnLst>
-      <p:par>
-        <p:cTn id="1" dur="indefinite" restart="never" nodeType="tmRoot"/>
-      </p:par>
-    </p:tnLst>
-  </p:timing>
-</p:sld>
-</file>
-
-<file path=ppt/slides/slide14.xml><?xml version="1.0" encoding="utf-8"?>
-<p:sld xmlns:a="http://schemas.openxmlformats.org/drawingml/2006/main" xmlns:r="http://schemas.openxmlformats.org/officeDocument/2006/relationships" xmlns:p="http://schemas.openxmlformats.org/presentationml/2006/main">
-  <p:cSld>
-    <p:spTree>
-      <p:nvGrpSpPr>
-        <p:cNvPr id="1" name=""/>
-        <p:cNvGrpSpPr/>
-        <p:nvPr/>
-      </p:nvGrpSpPr>
-      <p:grpSpPr>
-        <a:xfrm>
-          <a:off x="0" y="0"/>
-          <a:ext cx="0" cy="0"/>
-          <a:chOff x="0" y="0"/>
-          <a:chExt cx="0" cy="0"/>
-        </a:xfrm>
-      </p:grpSpPr>
-      <p:sp>
-        <p:nvSpPr>
-          <p:cNvPr id="2" name="Título 1"/>
-          <p:cNvSpPr>
-            <a:spLocks noGrp="1"/>
-          </p:cNvSpPr>
-          <p:nvPr>
-            <p:ph type="title"/>
-          </p:nvPr>
-        </p:nvSpPr>
-        <p:spPr/>
-        <p:txBody>
-          <a:bodyPr>
-            <a:normAutofit/>
-          </a:bodyPr>
-          <a:lstStyle/>
-          <a:p>
-            <a:r>
-              <a:rPr lang="pt-BR" sz="4800" b="1" dirty="0" smtClean="0">
-                <a:solidFill>
-                  <a:srgbClr val="0070C0"/>
-                </a:solidFill>
-                <a:latin typeface="Arial" pitchFamily="34" charset="0"/>
-                <a:cs typeface="Arial" pitchFamily="34" charset="0"/>
-              </a:rPr>
-              <a:t>Contato</a:t>
-            </a:r>
-            <a:endParaRPr lang="pt-BR" sz="4800" b="1" dirty="0">
-              <a:solidFill>
-                <a:srgbClr val="0070C0"/>
-              </a:solidFill>
-              <a:latin typeface="Arial" pitchFamily="34" charset="0"/>
-              <a:cs typeface="Arial" pitchFamily="34" charset="0"/>
-            </a:endParaRPr>
-          </a:p>
-        </p:txBody>
-      </p:sp>
-      <p:sp>
-        <p:nvSpPr>
-          <p:cNvPr id="3" name="Espaço Reservado para Conteúdo 2"/>
-          <p:cNvSpPr>
-            <a:spLocks noGrp="1"/>
-          </p:cNvSpPr>
-          <p:nvPr>
-            <p:ph sz="quarter" idx="1"/>
-          </p:nvPr>
-        </p:nvSpPr>
-        <p:spPr>
-          <a:xfrm>
-            <a:off x="467544" y="1484784"/>
-            <a:ext cx="7467600" cy="4873752"/>
-          </a:xfrm>
-        </p:spPr>
-        <p:txBody>
-          <a:bodyPr/>
-          <a:lstStyle/>
-          <a:p>
-            <a:pPr algn="ctr">
-              <a:buNone/>
-            </a:pPr>
-            <a:r>
-              <a:rPr lang="pt-BR" sz="3200" b="1" dirty="0" smtClean="0">
-                <a:latin typeface="Arial" pitchFamily="34" charset="0"/>
-                <a:cs typeface="Arial" pitchFamily="34" charset="0"/>
-              </a:rPr>
-              <a:t>Matheus Mauricio de Souza Araujo</a:t>
-            </a:r>
-          </a:p>
-          <a:p>
-            <a:pPr>
-              <a:buNone/>
-            </a:pPr>
-            <a:endParaRPr lang="pt-BR" dirty="0" smtClean="0">
-              <a:latin typeface="Arial" pitchFamily="34" charset="0"/>
-              <a:cs typeface="Arial" pitchFamily="34" charset="0"/>
-            </a:endParaRPr>
-          </a:p>
-          <a:p>
-            <a:pPr>
-              <a:buNone/>
-            </a:pPr>
-            <a:r>
-              <a:rPr lang="pt-BR" dirty="0" smtClean="0">
-                <a:latin typeface="Arial" pitchFamily="34" charset="0"/>
-                <a:cs typeface="Arial" pitchFamily="34" charset="0"/>
-              </a:rPr>
-              <a:t>facebook.com/</a:t>
-            </a:r>
-            <a:r>
-              <a:rPr lang="pt-BR" dirty="0" err="1" smtClean="0">
-                <a:latin typeface="Arial" pitchFamily="34" charset="0"/>
-                <a:cs typeface="Arial" pitchFamily="34" charset="0"/>
-              </a:rPr>
-              <a:t>matheus</a:t>
-            </a:r>
-            <a:r>
-              <a:rPr lang="pt-BR" dirty="0" smtClean="0">
-                <a:latin typeface="Arial" pitchFamily="34" charset="0"/>
-                <a:cs typeface="Arial" pitchFamily="34" charset="0"/>
-              </a:rPr>
-              <a:t>.</a:t>
-            </a:r>
-            <a:r>
-              <a:rPr lang="pt-BR" dirty="0" err="1" smtClean="0">
-                <a:latin typeface="Arial" pitchFamily="34" charset="0"/>
-                <a:cs typeface="Arial" pitchFamily="34" charset="0"/>
-              </a:rPr>
-              <a:t>araujo</a:t>
-            </a:r>
-            <a:r>
-              <a:rPr lang="pt-BR" dirty="0" smtClean="0">
-                <a:latin typeface="Arial" pitchFamily="34" charset="0"/>
-                <a:cs typeface="Arial" pitchFamily="34" charset="0"/>
-              </a:rPr>
-              <a:t>.7140</a:t>
-            </a:r>
-          </a:p>
-          <a:p>
-            <a:pPr>
-              <a:buNone/>
-            </a:pPr>
-            <a:r>
-              <a:rPr lang="pt-BR" dirty="0" smtClean="0">
-                <a:latin typeface="Arial" pitchFamily="34" charset="0"/>
-                <a:cs typeface="Arial" pitchFamily="34" charset="0"/>
-              </a:rPr>
-              <a:t>(28) 99955-0944</a:t>
-            </a:r>
-          </a:p>
-          <a:p>
-            <a:pPr>
-              <a:buNone/>
-            </a:pPr>
-            <a:r>
-              <a:rPr lang="pt-BR" dirty="0" smtClean="0">
-                <a:latin typeface="Arial" pitchFamily="34" charset="0"/>
-                <a:cs typeface="Arial" pitchFamily="34" charset="0"/>
-              </a:rPr>
-              <a:t>matheus_mauricio@hotmail.com</a:t>
-            </a:r>
-            <a:endParaRPr lang="pt-BR" dirty="0">
-              <a:latin typeface="Arial" pitchFamily="34" charset="0"/>
-              <a:cs typeface="Arial" pitchFamily="34" charset="0"/>
-            </a:endParaRPr>
-          </a:p>
-        </p:txBody>
-      </p:sp>
-      <p:pic>
-        <p:nvPicPr>
-          <p:cNvPr id="2051" name="Picture 3" descr="C:\Users\Matheus\Desktop\fb_icon_325x325.png"/>
-          <p:cNvPicPr>
-            <a:picLocks noChangeAspect="1" noChangeArrowheads="1"/>
-          </p:cNvPicPr>
-          <p:nvPr/>
-        </p:nvPicPr>
-        <p:blipFill>
-          <a:blip r:embed="rId2" cstate="print"/>
-          <a:srcRect/>
-          <a:stretch>
-            <a:fillRect/>
-          </a:stretch>
-        </p:blipFill>
-        <p:spPr bwMode="auto">
-          <a:xfrm>
-            <a:off x="251520" y="2564904"/>
-            <a:ext cx="263550" cy="263550"/>
-          </a:xfrm>
-          <a:prstGeom prst="rect">
-            <a:avLst/>
-          </a:prstGeom>
-          <a:noFill/>
-        </p:spPr>
-      </p:pic>
-      <p:pic>
-        <p:nvPicPr>
-          <p:cNvPr id="2053" name="Picture 5" descr="Resultado de imagem para whatsapp png"/>
-          <p:cNvPicPr>
-            <a:picLocks noChangeAspect="1" noChangeArrowheads="1"/>
-          </p:cNvPicPr>
-          <p:nvPr/>
-        </p:nvPicPr>
-        <p:blipFill>
-          <a:blip r:embed="rId3" cstate="print"/>
-          <a:srcRect/>
-          <a:stretch>
-            <a:fillRect/>
-          </a:stretch>
-        </p:blipFill>
-        <p:spPr bwMode="auto">
-          <a:xfrm>
-            <a:off x="179512" y="2996952"/>
-            <a:ext cx="351301" cy="360040"/>
-          </a:xfrm>
-          <a:prstGeom prst="rect">
-            <a:avLst/>
-          </a:prstGeom>
-          <a:noFill/>
-        </p:spPr>
-      </p:pic>
-      <p:pic>
-        <p:nvPicPr>
-          <p:cNvPr id="2057" name="Picture 9" descr="Resultado de imagem para email png"/>
-          <p:cNvPicPr>
-            <a:picLocks noChangeAspect="1" noChangeArrowheads="1"/>
-          </p:cNvPicPr>
-          <p:nvPr/>
-        </p:nvPicPr>
-        <p:blipFill>
-          <a:blip r:embed="rId4" cstate="print"/>
-          <a:srcRect/>
-          <a:stretch>
-            <a:fillRect/>
-          </a:stretch>
-        </p:blipFill>
-        <p:spPr bwMode="auto">
-          <a:xfrm>
-            <a:off x="251520" y="3501008"/>
-            <a:ext cx="288032" cy="288032"/>
           </a:xfrm>
           <a:prstGeom prst="rect">
             <a:avLst/>
@@ -7528,10 +7177,7 @@
               </a:rPr>
               <a:t>Objetivos Específicos</a:t>
             </a:r>
-            <a:endParaRPr lang="pt-BR" sz="4800" b="1" dirty="0">
-              <a:solidFill>
-                <a:srgbClr val="0070C0"/>
-              </a:solidFill>
+            <a:endParaRPr lang="pt-BR" sz="4400" dirty="0">
               <a:latin typeface="Arial" pitchFamily="34" charset="0"/>
               <a:cs typeface="Arial" pitchFamily="34" charset="0"/>
             </a:endParaRPr>
@@ -7561,21 +7207,7 @@
                 <a:latin typeface="Arial" pitchFamily="34" charset="0"/>
                 <a:cs typeface="Arial" pitchFamily="34" charset="0"/>
               </a:rPr>
-              <a:t>Gerar um aplicativo para </a:t>
-            </a:r>
-            <a:r>
-              <a:rPr lang="pt-BR" sz="3200" dirty="0" err="1" smtClean="0">
-                <a:latin typeface="Arial" pitchFamily="34" charset="0"/>
-                <a:cs typeface="Arial" pitchFamily="34" charset="0"/>
-              </a:rPr>
-              <a:t>Android</a:t>
-            </a:r>
-            <a:r>
-              <a:rPr lang="pt-BR" sz="3200" dirty="0" smtClean="0">
-                <a:latin typeface="Arial" pitchFamily="34" charset="0"/>
-                <a:cs typeface="Arial" pitchFamily="34" charset="0"/>
-              </a:rPr>
-              <a:t> que facilite a comunicação entre a Ouvidoria e o cidadão;</a:t>
+              <a:t>Testar as funcionalidades e aceitação deste aplicativo junto à comunidade;</a:t>
             </a:r>
             <a:endParaRPr lang="pt-BR" sz="3200" dirty="0">
               <a:latin typeface="Arial" pitchFamily="34" charset="0"/>
@@ -7586,14 +7218,14 @@
       </p:sp>
       <p:pic>
         <p:nvPicPr>
-          <p:cNvPr id="19458" name="Picture 2" descr="Resultado de imagem para android"/>
+          <p:cNvPr id="2052" name="Picture 4" descr="Resultado de imagem para aprovação"/>
           <p:cNvPicPr>
             <a:picLocks noChangeAspect="1" noChangeArrowheads="1"/>
           </p:cNvPicPr>
           <p:nvPr/>
         </p:nvPicPr>
         <p:blipFill>
-          <a:blip r:embed="rId3" cstate="print"/>
+          <a:blip r:embed="rId2" cstate="print"/>
           <a:srcRect/>
           <a:stretch>
             <a:fillRect/>
@@ -7601,8 +7233,8 @@
         </p:blipFill>
         <p:spPr bwMode="auto">
           <a:xfrm>
-            <a:off x="5580112" y="3284984"/>
-            <a:ext cx="2880320" cy="2880321"/>
+            <a:off x="1331640" y="3140968"/>
+            <a:ext cx="5606058" cy="2999606"/>
           </a:xfrm>
           <a:prstGeom prst="rect">
             <a:avLst/>
@@ -7699,7 +7331,7 @@
                 <a:latin typeface="Arial" pitchFamily="34" charset="0"/>
                 <a:cs typeface="Arial" pitchFamily="34" charset="0"/>
               </a:rPr>
-              <a:t>Testar as funcionalidades e aceitação deste aplicativo junto à comunidade;</a:t>
+              <a:t>Avaliar através de questionários com métodos  quantitativos, o nível de aceitação do aplicativo junto à comunidade.</a:t>
             </a:r>
             <a:endParaRPr lang="pt-BR" sz="3200" dirty="0">
               <a:latin typeface="Arial" pitchFamily="34" charset="0"/>
@@ -7710,7 +7342,7 @@
       </p:sp>
       <p:pic>
         <p:nvPicPr>
-          <p:cNvPr id="2052" name="Picture 4" descr="Resultado de imagem para aprovação"/>
+          <p:cNvPr id="5" name="Picture 5" descr="C:\Users\Matheus\Desktop\1questionario.jpg"/>
           <p:cNvPicPr>
             <a:picLocks noChangeAspect="1" noChangeArrowheads="1"/>
           </p:cNvPicPr>
@@ -7725,8 +7357,8 @@
         </p:blipFill>
         <p:spPr bwMode="auto">
           <a:xfrm>
-            <a:off x="1331640" y="3140968"/>
-            <a:ext cx="5606058" cy="2999606"/>
+            <a:off x="4788024" y="3501008"/>
+            <a:ext cx="2743200" cy="2857500"/>
           </a:xfrm>
           <a:prstGeom prst="rect">
             <a:avLst/>
@@ -7766,75 +7398,9 @@
           <a:chExt cx="0" cy="0"/>
         </a:xfrm>
       </p:grpSpPr>
-      <p:sp>
-        <p:nvSpPr>
-          <p:cNvPr id="2" name="Título 1"/>
-          <p:cNvSpPr>
-            <a:spLocks noGrp="1"/>
-          </p:cNvSpPr>
-          <p:nvPr>
-            <p:ph type="title"/>
-          </p:nvPr>
-        </p:nvSpPr>
-        <p:spPr/>
-        <p:txBody>
-          <a:bodyPr>
-            <a:normAutofit/>
-          </a:bodyPr>
-          <a:lstStyle/>
-          <a:p>
-            <a:r>
-              <a:rPr lang="pt-BR" sz="4800" b="1" dirty="0" smtClean="0">
-                <a:solidFill>
-                  <a:srgbClr val="0070C0"/>
-                </a:solidFill>
-                <a:latin typeface="Arial" pitchFamily="34" charset="0"/>
-                <a:cs typeface="Arial" pitchFamily="34" charset="0"/>
-              </a:rPr>
-              <a:t>Objetivos Específicos</a:t>
-            </a:r>
-            <a:endParaRPr lang="pt-BR" sz="4400" dirty="0">
-              <a:latin typeface="Arial" pitchFamily="34" charset="0"/>
-              <a:cs typeface="Arial" pitchFamily="34" charset="0"/>
-            </a:endParaRPr>
-          </a:p>
-        </p:txBody>
-      </p:sp>
-      <p:sp>
-        <p:nvSpPr>
-          <p:cNvPr id="3" name="Espaço Reservado para Conteúdo 2"/>
-          <p:cNvSpPr>
-            <a:spLocks noGrp="1"/>
-          </p:cNvSpPr>
-          <p:nvPr>
-            <p:ph sz="quarter" idx="1"/>
-          </p:nvPr>
-        </p:nvSpPr>
-        <p:spPr/>
-        <p:txBody>
-          <a:bodyPr>
-            <a:normAutofit/>
-          </a:bodyPr>
-          <a:lstStyle/>
-          <a:p>
-            <a:pPr algn="just"/>
-            <a:r>
-              <a:rPr lang="pt-BR" sz="3200" dirty="0" smtClean="0">
-                <a:latin typeface="Arial" pitchFamily="34" charset="0"/>
-                <a:cs typeface="Arial" pitchFamily="34" charset="0"/>
-              </a:rPr>
-              <a:t>Avaliar através de questionários com métodos  quantitativos, o nível de aceitação do aplicativo junto à comunidade.</a:t>
-            </a:r>
-            <a:endParaRPr lang="pt-BR" sz="3200" dirty="0">
-              <a:latin typeface="Arial" pitchFamily="34" charset="0"/>
-              <a:cs typeface="Arial" pitchFamily="34" charset="0"/>
-            </a:endParaRPr>
-          </a:p>
-        </p:txBody>
-      </p:sp>
       <p:pic>
         <p:nvPicPr>
-          <p:cNvPr id="5" name="Picture 5" descr="C:\Users\Matheus\Desktop\1questionario.jpg"/>
+          <p:cNvPr id="18438" name="Picture 6" descr="C:\Users\Matheus\Desktop\tuning-banco-de-dados.jpg"/>
           <p:cNvPicPr>
             <a:picLocks noChangeAspect="1" noChangeArrowheads="1"/>
           </p:cNvPicPr>
@@ -7849,8 +7415,8 @@
         </p:blipFill>
         <p:spPr bwMode="auto">
           <a:xfrm>
-            <a:off x="4788024" y="3501008"/>
-            <a:ext cx="2743200" cy="2857500"/>
+            <a:off x="5364088" y="4221088"/>
+            <a:ext cx="2720913" cy="2376264"/>
           </a:xfrm>
           <a:prstGeom prst="rect">
             <a:avLst/>
@@ -7858,6 +7424,197 @@
           <a:noFill/>
         </p:spPr>
       </p:pic>
+      <p:sp>
+        <p:nvSpPr>
+          <p:cNvPr id="2" name="Título 1"/>
+          <p:cNvSpPr>
+            <a:spLocks noGrp="1"/>
+          </p:cNvSpPr>
+          <p:nvPr>
+            <p:ph type="title"/>
+          </p:nvPr>
+        </p:nvSpPr>
+        <p:spPr/>
+        <p:txBody>
+          <a:bodyPr>
+            <a:normAutofit/>
+          </a:bodyPr>
+          <a:lstStyle/>
+          <a:p>
+            <a:r>
+              <a:rPr lang="pt-BR" sz="4800" b="1" dirty="0" smtClean="0">
+                <a:solidFill>
+                  <a:srgbClr val="0070C0"/>
+                </a:solidFill>
+                <a:latin typeface="Arial" pitchFamily="34" charset="0"/>
+                <a:cs typeface="Arial" pitchFamily="34" charset="0"/>
+              </a:rPr>
+              <a:t>Metodologia</a:t>
+            </a:r>
+            <a:endParaRPr lang="pt-BR" sz="4800" b="1" dirty="0">
+              <a:solidFill>
+                <a:srgbClr val="0070C0"/>
+              </a:solidFill>
+              <a:latin typeface="Arial" pitchFamily="34" charset="0"/>
+              <a:cs typeface="Arial" pitchFamily="34" charset="0"/>
+            </a:endParaRPr>
+          </a:p>
+        </p:txBody>
+      </p:sp>
+      <p:sp>
+        <p:nvSpPr>
+          <p:cNvPr id="3" name="Espaço Reservado para Conteúdo 2"/>
+          <p:cNvSpPr>
+            <a:spLocks noGrp="1"/>
+          </p:cNvSpPr>
+          <p:nvPr>
+            <p:ph sz="quarter" idx="1"/>
+          </p:nvPr>
+        </p:nvSpPr>
+        <p:spPr/>
+        <p:txBody>
+          <a:bodyPr/>
+          <a:lstStyle/>
+          <a:p>
+            <a:pPr algn="just"/>
+            <a:r>
+              <a:rPr lang="pt-BR" sz="3200" dirty="0" smtClean="0">
+                <a:latin typeface="Arial" pitchFamily="34" charset="0"/>
+                <a:cs typeface="Arial" pitchFamily="34" charset="0"/>
+              </a:rPr>
+              <a:t>Questionário (vide anexo)</a:t>
+            </a:r>
+          </a:p>
+          <a:p>
+            <a:pPr lvl="1" algn="just"/>
+            <a:r>
+              <a:rPr lang="pt-BR" sz="2400" dirty="0" smtClean="0">
+                <a:latin typeface="Arial" pitchFamily="34" charset="0"/>
+                <a:cs typeface="Arial" pitchFamily="34" charset="0"/>
+              </a:rPr>
+              <a:t>Pesquisa </a:t>
+            </a:r>
+            <a:r>
+              <a:rPr lang="pt-BR" sz="2400" i="1" dirty="0" smtClean="0">
+                <a:latin typeface="Arial" pitchFamily="34" charset="0"/>
+                <a:cs typeface="Arial" pitchFamily="34" charset="0"/>
+              </a:rPr>
+              <a:t>in loco</a:t>
+            </a:r>
+            <a:r>
+              <a:rPr lang="pt-BR" sz="2400" dirty="0" smtClean="0">
+                <a:latin typeface="Arial" pitchFamily="34" charset="0"/>
+                <a:cs typeface="Arial" pitchFamily="34" charset="0"/>
+              </a:rPr>
+              <a:t> com público específico</a:t>
+            </a:r>
+            <a:endParaRPr lang="pt-BR" sz="2400" i="1" dirty="0" smtClean="0">
+              <a:latin typeface="Arial" pitchFamily="34" charset="0"/>
+              <a:cs typeface="Arial" pitchFamily="34" charset="0"/>
+            </a:endParaRPr>
+          </a:p>
+          <a:p>
+            <a:pPr lvl="1" algn="just"/>
+            <a:r>
+              <a:rPr lang="pt-BR" sz="2400" dirty="0" smtClean="0">
+                <a:latin typeface="Arial" pitchFamily="34" charset="0"/>
+                <a:cs typeface="Arial" pitchFamily="34" charset="0"/>
+              </a:rPr>
+              <a:t>Perguntas </a:t>
+            </a:r>
+          </a:p>
+          <a:p>
+            <a:pPr lvl="1" algn="just"/>
+            <a:endParaRPr lang="pt-BR" sz="3200" dirty="0" smtClean="0">
+              <a:latin typeface="Arial" pitchFamily="34" charset="0"/>
+              <a:cs typeface="Arial" pitchFamily="34" charset="0"/>
+            </a:endParaRPr>
+          </a:p>
+          <a:p>
+            <a:pPr algn="just"/>
+            <a:r>
+              <a:rPr lang="pt-BR" sz="3200" dirty="0" smtClean="0">
+                <a:latin typeface="Arial" pitchFamily="34" charset="0"/>
+                <a:cs typeface="Arial" pitchFamily="34" charset="0"/>
+              </a:rPr>
+              <a:t>Tecnologias </a:t>
+            </a:r>
+            <a:r>
+              <a:rPr lang="pt-BR" sz="3200" dirty="0" smtClean="0">
+                <a:latin typeface="Arial" pitchFamily="34" charset="0"/>
+                <a:cs typeface="Arial" pitchFamily="34" charset="0"/>
+              </a:rPr>
+              <a:t>utilizadas</a:t>
+            </a:r>
+          </a:p>
+          <a:p>
+            <a:pPr lvl="1" algn="just"/>
+            <a:r>
+              <a:rPr lang="pt-BR" sz="2400" dirty="0" err="1" smtClean="0">
+                <a:latin typeface="Arial" pitchFamily="34" charset="0"/>
+                <a:cs typeface="Arial" pitchFamily="34" charset="0"/>
+              </a:rPr>
+              <a:t>Android</a:t>
+            </a:r>
+            <a:endParaRPr lang="pt-BR" sz="2400" dirty="0" smtClean="0">
+              <a:latin typeface="Arial" pitchFamily="34" charset="0"/>
+              <a:cs typeface="Arial" pitchFamily="34" charset="0"/>
+            </a:endParaRPr>
+          </a:p>
+          <a:p>
+            <a:pPr lvl="1" algn="just"/>
+            <a:r>
+              <a:rPr lang="pt-BR" sz="2400" dirty="0" smtClean="0">
+                <a:latin typeface="Arial" pitchFamily="34" charset="0"/>
+                <a:cs typeface="Arial" pitchFamily="34" charset="0"/>
+              </a:rPr>
+              <a:t>Web </a:t>
+            </a:r>
+            <a:r>
+              <a:rPr lang="pt-BR" sz="2400" dirty="0" err="1" smtClean="0">
+                <a:latin typeface="Arial" pitchFamily="34" charset="0"/>
+                <a:cs typeface="Arial" pitchFamily="34" charset="0"/>
+              </a:rPr>
+              <a:t>Service</a:t>
+            </a:r>
+            <a:r>
+              <a:rPr lang="pt-BR" sz="2400" dirty="0" smtClean="0">
+                <a:latin typeface="Arial" pitchFamily="34" charset="0"/>
+                <a:cs typeface="Arial" pitchFamily="34" charset="0"/>
+              </a:rPr>
+              <a:t> (JSON)</a:t>
+            </a:r>
+          </a:p>
+          <a:p>
+            <a:pPr lvl="1" algn="just"/>
+            <a:r>
+              <a:rPr lang="pt-BR" sz="2400" dirty="0" smtClean="0">
+                <a:latin typeface="Arial" pitchFamily="34" charset="0"/>
+                <a:cs typeface="Arial" pitchFamily="34" charset="0"/>
+              </a:rPr>
+              <a:t>Banco de Dados (</a:t>
+            </a:r>
+            <a:r>
+              <a:rPr lang="pt-BR" sz="2400" dirty="0" err="1" smtClean="0">
+                <a:latin typeface="Arial" pitchFamily="34" charset="0"/>
+                <a:cs typeface="Arial" pitchFamily="34" charset="0"/>
+              </a:rPr>
+              <a:t>MySQL</a:t>
+            </a:r>
+            <a:r>
+              <a:rPr lang="pt-BR" sz="2400" dirty="0" smtClean="0">
+                <a:latin typeface="Arial" pitchFamily="34" charset="0"/>
+                <a:cs typeface="Arial" pitchFamily="34" charset="0"/>
+              </a:rPr>
+              <a:t>)</a:t>
+            </a:r>
+            <a:endParaRPr lang="pt-BR" sz="2400" dirty="0" smtClean="0">
+              <a:latin typeface="Arial" pitchFamily="34" charset="0"/>
+              <a:cs typeface="Arial" pitchFamily="34" charset="0"/>
+            </a:endParaRPr>
+          </a:p>
+        </p:txBody>
+      </p:sp>
     </p:spTree>
   </p:cSld>
   <p:clrMapOvr>
@@ -7890,9 +7647,113 @@
           <a:chExt cx="0" cy="0"/>
         </a:xfrm>
       </p:grpSpPr>
+      <p:sp>
+        <p:nvSpPr>
+          <p:cNvPr id="2" name="Título 1"/>
+          <p:cNvSpPr>
+            <a:spLocks noGrp="1"/>
+          </p:cNvSpPr>
+          <p:nvPr>
+            <p:ph type="title"/>
+          </p:nvPr>
+        </p:nvSpPr>
+        <p:spPr/>
+        <p:txBody>
+          <a:bodyPr/>
+          <a:lstStyle/>
+          <a:p>
+            <a:endParaRPr lang="pt-BR"/>
+          </a:p>
+        </p:txBody>
+      </p:sp>
+      <p:sp>
+        <p:nvSpPr>
+          <p:cNvPr id="3" name="Espaço Reservado para Conteúdo 2"/>
+          <p:cNvSpPr>
+            <a:spLocks noGrp="1"/>
+          </p:cNvSpPr>
+          <p:nvPr>
+            <p:ph sz="quarter" idx="1"/>
+          </p:nvPr>
+        </p:nvSpPr>
+        <p:spPr/>
+        <p:txBody>
+          <a:bodyPr>
+            <a:normAutofit/>
+          </a:bodyPr>
+          <a:lstStyle/>
+          <a:p>
+            <a:endParaRPr lang="pt-BR" dirty="0" smtClean="0"/>
+          </a:p>
+          <a:p>
+            <a:endParaRPr lang="pt-BR" dirty="0" smtClean="0"/>
+          </a:p>
+          <a:p>
+            <a:endParaRPr lang="pt-BR" dirty="0" smtClean="0"/>
+          </a:p>
+          <a:p>
+            <a:endParaRPr lang="pt-BR" dirty="0" smtClean="0"/>
+          </a:p>
+          <a:p>
+            <a:endParaRPr lang="pt-BR" dirty="0" smtClean="0"/>
+          </a:p>
+          <a:p>
+            <a:endParaRPr lang="pt-BR" dirty="0" smtClean="0"/>
+          </a:p>
+          <a:p>
+            <a:endParaRPr lang="pt-BR" dirty="0" smtClean="0"/>
+          </a:p>
+          <a:p>
+            <a:endParaRPr lang="pt-BR" dirty="0" smtClean="0"/>
+          </a:p>
+          <a:p>
+            <a:endParaRPr lang="pt-BR" dirty="0" smtClean="0"/>
+          </a:p>
+          <a:p>
+            <a:endParaRPr lang="pt-BR" dirty="0" smtClean="0"/>
+          </a:p>
+          <a:p>
+            <a:pPr>
+              <a:buNone/>
+            </a:pPr>
+            <a:r>
+              <a:rPr lang="pt-BR" sz="2000" dirty="0" smtClean="0">
+                <a:latin typeface="Arial" pitchFamily="34" charset="0"/>
+                <a:cs typeface="Arial" pitchFamily="34" charset="0"/>
+              </a:rPr>
+              <a:t>Fonte: </a:t>
+            </a:r>
+            <a:r>
+              <a:rPr lang="pt-BR" sz="2000" dirty="0" err="1" smtClean="0">
+                <a:latin typeface="Arial" pitchFamily="34" charset="0"/>
+                <a:cs typeface="Arial" pitchFamily="34" charset="0"/>
+              </a:rPr>
+              <a:t>Kantar</a:t>
+            </a:r>
+            <a:r>
+              <a:rPr lang="pt-BR" sz="2000" dirty="0" smtClean="0">
+                <a:latin typeface="Arial" pitchFamily="34" charset="0"/>
+                <a:cs typeface="Arial" pitchFamily="34" charset="0"/>
+              </a:rPr>
+              <a:t> World </a:t>
+            </a:r>
+            <a:r>
+              <a:rPr lang="pt-BR" sz="2000" dirty="0" err="1" smtClean="0">
+                <a:latin typeface="Arial" pitchFamily="34" charset="0"/>
+                <a:cs typeface="Arial" pitchFamily="34" charset="0"/>
+              </a:rPr>
+              <a:t>Panel</a:t>
+            </a:r>
+            <a:endParaRPr lang="pt-BR" sz="2000" dirty="0">
+              <a:latin typeface="Arial" pitchFamily="34" charset="0"/>
+              <a:cs typeface="Arial" pitchFamily="34" charset="0"/>
+            </a:endParaRPr>
+          </a:p>
+        </p:txBody>
+      </p:sp>
       <p:pic>
         <p:nvPicPr>
-          <p:cNvPr id="18438" name="Picture 6" descr="C:\Users\Matheus\Desktop\tuning-banco-de-dados.jpg"/>
+          <p:cNvPr id="4" name="Picture 3" descr="C:\Users\Matheus\Desktop\estatiscas_smartphones.jpg"/>
           <p:cNvPicPr>
             <a:picLocks noChangeAspect="1" noChangeArrowheads="1"/>
           </p:cNvPicPr>
@@ -7907,8 +7768,8 @@
         </p:blipFill>
         <p:spPr bwMode="auto">
           <a:xfrm>
-            <a:off x="5364088" y="4221088"/>
-            <a:ext cx="2720913" cy="2376264"/>
+            <a:off x="755576" y="764704"/>
+            <a:ext cx="7344816" cy="4913086"/>
           </a:xfrm>
           <a:prstGeom prst="rect">
             <a:avLst/>
@@ -7916,172 +7777,6 @@
           <a:noFill/>
         </p:spPr>
       </p:pic>
-      <p:sp>
-        <p:nvSpPr>
-          <p:cNvPr id="2" name="Título 1"/>
-          <p:cNvSpPr>
-            <a:spLocks noGrp="1"/>
-          </p:cNvSpPr>
-          <p:nvPr>
-            <p:ph type="title"/>
-          </p:nvPr>
-        </p:nvSpPr>
-        <p:spPr/>
-        <p:txBody>
-          <a:bodyPr>
-            <a:normAutofit/>
-          </a:bodyPr>
-          <a:lstStyle/>
-          <a:p>
-            <a:r>
-              <a:rPr lang="pt-BR" sz="4800" b="1" dirty="0" smtClean="0">
-                <a:solidFill>
-                  <a:srgbClr val="0070C0"/>
-                </a:solidFill>
-                <a:latin typeface="Arial" pitchFamily="34" charset="0"/>
-                <a:cs typeface="Arial" pitchFamily="34" charset="0"/>
-              </a:rPr>
-              <a:t>Metodologia</a:t>
-            </a:r>
-            <a:endParaRPr lang="pt-BR" sz="4800" b="1" dirty="0">
-              <a:solidFill>
-                <a:srgbClr val="0070C0"/>
-              </a:solidFill>
-              <a:latin typeface="Arial" pitchFamily="34" charset="0"/>
-              <a:cs typeface="Arial" pitchFamily="34" charset="0"/>
-            </a:endParaRPr>
-          </a:p>
-        </p:txBody>
-      </p:sp>
-      <p:sp>
-        <p:nvSpPr>
-          <p:cNvPr id="3" name="Espaço Reservado para Conteúdo 2"/>
-          <p:cNvSpPr>
-            <a:spLocks noGrp="1"/>
-          </p:cNvSpPr>
-          <p:nvPr>
-            <p:ph sz="quarter" idx="1"/>
-          </p:nvPr>
-        </p:nvSpPr>
-        <p:spPr/>
-        <p:txBody>
-          <a:bodyPr/>
-          <a:lstStyle/>
-          <a:p>
-            <a:pPr algn="just"/>
-            <a:r>
-              <a:rPr lang="pt-BR" sz="3200" dirty="0" smtClean="0">
-                <a:latin typeface="Arial" pitchFamily="34" charset="0"/>
-                <a:cs typeface="Arial" pitchFamily="34" charset="0"/>
-              </a:rPr>
-              <a:t>Questionário (vide anexo)</a:t>
-            </a:r>
-          </a:p>
-          <a:p>
-            <a:pPr lvl="1" algn="just"/>
-            <a:r>
-              <a:rPr lang="pt-BR" sz="2400" dirty="0" smtClean="0">
-                <a:latin typeface="Arial" pitchFamily="34" charset="0"/>
-                <a:cs typeface="Arial" pitchFamily="34" charset="0"/>
-              </a:rPr>
-              <a:t>Pesquisa </a:t>
-            </a:r>
-            <a:r>
-              <a:rPr lang="pt-BR" sz="2400" i="1" dirty="0" smtClean="0">
-                <a:latin typeface="Arial" pitchFamily="34" charset="0"/>
-                <a:cs typeface="Arial" pitchFamily="34" charset="0"/>
-              </a:rPr>
-              <a:t>in loco</a:t>
-            </a:r>
-            <a:r>
-              <a:rPr lang="pt-BR" sz="2400" dirty="0" smtClean="0">
-                <a:latin typeface="Arial" pitchFamily="34" charset="0"/>
-                <a:cs typeface="Arial" pitchFamily="34" charset="0"/>
-              </a:rPr>
-              <a:t> com público específico</a:t>
-            </a:r>
-            <a:endParaRPr lang="pt-BR" sz="2400" i="1" dirty="0" smtClean="0">
-              <a:latin typeface="Arial" pitchFamily="34" charset="0"/>
-              <a:cs typeface="Arial" pitchFamily="34" charset="0"/>
-            </a:endParaRPr>
-          </a:p>
-          <a:p>
-            <a:pPr lvl="1" algn="just"/>
-            <a:r>
-              <a:rPr lang="pt-BR" sz="2400" dirty="0" smtClean="0">
-                <a:latin typeface="Arial" pitchFamily="34" charset="0"/>
-                <a:cs typeface="Arial" pitchFamily="34" charset="0"/>
-              </a:rPr>
-              <a:t>Perguntas </a:t>
-            </a:r>
-          </a:p>
-          <a:p>
-            <a:pPr lvl="1" algn="just"/>
-            <a:endParaRPr lang="pt-BR" sz="3200" dirty="0" smtClean="0">
-              <a:latin typeface="Arial" pitchFamily="34" charset="0"/>
-              <a:cs typeface="Arial" pitchFamily="34" charset="0"/>
-            </a:endParaRPr>
-          </a:p>
-          <a:p>
-            <a:pPr algn="just"/>
-            <a:r>
-              <a:rPr lang="pt-BR" sz="3200" dirty="0" smtClean="0">
-                <a:latin typeface="Arial" pitchFamily="34" charset="0"/>
-                <a:cs typeface="Arial" pitchFamily="34" charset="0"/>
-              </a:rPr>
-              <a:t>Tecnologias utilizadas</a:t>
-            </a:r>
-          </a:p>
-          <a:p>
-            <a:pPr lvl="1" algn="just"/>
-            <a:r>
-              <a:rPr lang="pt-BR" sz="2400" dirty="0" smtClean="0">
-                <a:latin typeface="Arial" pitchFamily="34" charset="0"/>
-                <a:cs typeface="Arial" pitchFamily="34" charset="0"/>
-              </a:rPr>
-              <a:t>Web </a:t>
-            </a:r>
-            <a:r>
-              <a:rPr lang="pt-BR" sz="2400" dirty="0" err="1" smtClean="0">
-                <a:latin typeface="Arial" pitchFamily="34" charset="0"/>
-                <a:cs typeface="Arial" pitchFamily="34" charset="0"/>
-              </a:rPr>
-              <a:t>Service</a:t>
-            </a:r>
-            <a:r>
-              <a:rPr lang="pt-BR" sz="2400" dirty="0" smtClean="0">
-                <a:latin typeface="Arial" pitchFamily="34" charset="0"/>
-                <a:cs typeface="Arial" pitchFamily="34" charset="0"/>
-              </a:rPr>
-              <a:t> (JSON)</a:t>
-            </a:r>
-          </a:p>
-          <a:p>
-            <a:pPr lvl="1" algn="just"/>
-            <a:r>
-              <a:rPr lang="pt-BR" sz="2400" dirty="0" smtClean="0">
-                <a:latin typeface="Arial" pitchFamily="34" charset="0"/>
-                <a:cs typeface="Arial" pitchFamily="34" charset="0"/>
-              </a:rPr>
-              <a:t>Banco de Dados (MySQL)</a:t>
-            </a:r>
-          </a:p>
-          <a:p>
-            <a:pPr lvl="1" algn="just"/>
-            <a:r>
-              <a:rPr lang="pt-BR" sz="2400" dirty="0" err="1" smtClean="0">
-                <a:latin typeface="Arial" pitchFamily="34" charset="0"/>
-                <a:cs typeface="Arial" pitchFamily="34" charset="0"/>
-              </a:rPr>
-              <a:t>Android</a:t>
-            </a:r>
-            <a:endParaRPr lang="pt-BR" sz="2400" dirty="0" smtClean="0">
-              <a:latin typeface="Arial" pitchFamily="34" charset="0"/>
-              <a:cs typeface="Arial" pitchFamily="34" charset="0"/>
-            </a:endParaRPr>
-          </a:p>
-        </p:txBody>
-      </p:sp>
     </p:spTree>
   </p:cSld>
   <p:clrMapOvr>
@@ -8126,101 +7821,53 @@
         </p:nvSpPr>
         <p:spPr/>
         <p:txBody>
-          <a:bodyPr/>
-          <a:lstStyle/>
-          <a:p>
-            <a:endParaRPr lang="pt-BR"/>
-          </a:p>
-        </p:txBody>
-      </p:sp>
-      <p:sp>
-        <p:nvSpPr>
-          <p:cNvPr id="3" name="Espaço Reservado para Conteúdo 2"/>
-          <p:cNvSpPr>
-            <a:spLocks noGrp="1"/>
-          </p:cNvSpPr>
-          <p:nvPr>
-            <p:ph sz="quarter" idx="1"/>
-          </p:nvPr>
-        </p:nvSpPr>
-        <p:spPr/>
-        <p:txBody>
           <a:bodyPr>
-            <a:normAutofit/>
+            <a:noAutofit/>
           </a:bodyPr>
           <a:lstStyle/>
           <a:p>
-            <a:endParaRPr lang="pt-BR" dirty="0" smtClean="0"/>
-          </a:p>
-          <a:p>
-            <a:endParaRPr lang="pt-BR" dirty="0" smtClean="0"/>
-          </a:p>
-          <a:p>
-            <a:endParaRPr lang="pt-BR" dirty="0" smtClean="0"/>
-          </a:p>
-          <a:p>
-            <a:endParaRPr lang="pt-BR" dirty="0" smtClean="0"/>
-          </a:p>
-          <a:p>
-            <a:endParaRPr lang="pt-BR" dirty="0" smtClean="0"/>
-          </a:p>
-          <a:p>
-            <a:endParaRPr lang="pt-BR" dirty="0" smtClean="0"/>
-          </a:p>
-          <a:p>
-            <a:endParaRPr lang="pt-BR" dirty="0" smtClean="0"/>
-          </a:p>
-          <a:p>
-            <a:endParaRPr lang="pt-BR" dirty="0" smtClean="0"/>
-          </a:p>
-          <a:p>
-            <a:endParaRPr lang="pt-BR" dirty="0" smtClean="0"/>
-          </a:p>
-          <a:p>
-            <a:endParaRPr lang="pt-BR" dirty="0" smtClean="0"/>
-          </a:p>
-          <a:p>
-            <a:pPr>
-              <a:buNone/>
-            </a:pPr>
-            <a:r>
-              <a:rPr lang="pt-BR" sz="2000" dirty="0" smtClean="0">
+            <a:r>
+              <a:rPr lang="pt-BR" sz="4000" b="1" dirty="0" smtClean="0">
+                <a:solidFill>
+                  <a:srgbClr val="0070C0"/>
+                </a:solidFill>
                 <a:latin typeface="Arial" pitchFamily="34" charset="0"/>
                 <a:cs typeface="Arial" pitchFamily="34" charset="0"/>
               </a:rPr>
-              <a:t>Fonte: </a:t>
-            </a:r>
-            <a:r>
-              <a:rPr lang="pt-BR" sz="2000" dirty="0" err="1" smtClean="0">
-                <a:latin typeface="Arial" pitchFamily="34" charset="0"/>
-                <a:cs typeface="Arial" pitchFamily="34" charset="0"/>
-              </a:rPr>
-              <a:t>Kantar</a:t>
-            </a:r>
-            <a:r>
-              <a:rPr lang="pt-BR" sz="2000" dirty="0" smtClean="0">
-                <a:latin typeface="Arial" pitchFamily="34" charset="0"/>
-                <a:cs typeface="Arial" pitchFamily="34" charset="0"/>
-              </a:rPr>
-              <a:t> World </a:t>
-            </a:r>
-            <a:r>
-              <a:rPr lang="pt-BR" sz="2000" dirty="0" err="1" smtClean="0">
-                <a:latin typeface="Arial" pitchFamily="34" charset="0"/>
-                <a:cs typeface="Arial" pitchFamily="34" charset="0"/>
-              </a:rPr>
-              <a:t>Panel</a:t>
-            </a:r>
-            <a:endParaRPr lang="pt-BR" sz="2000" dirty="0">
+              <a:t>IMAGENS DO PROTÓTIPO</a:t>
+            </a:r>
+            <a:endParaRPr lang="pt-BR" sz="4000" b="1" dirty="0">
+              <a:solidFill>
+                <a:srgbClr val="0070C0"/>
+              </a:solidFill>
               <a:latin typeface="Arial" pitchFamily="34" charset="0"/>
               <a:cs typeface="Arial" pitchFamily="34" charset="0"/>
             </a:endParaRPr>
           </a:p>
         </p:txBody>
       </p:sp>
+      <p:sp>
+        <p:nvSpPr>
+          <p:cNvPr id="3" name="Espaço Reservado para Conteúdo 2"/>
+          <p:cNvSpPr>
+            <a:spLocks noGrp="1"/>
+          </p:cNvSpPr>
+          <p:nvPr>
+            <p:ph sz="quarter" idx="1"/>
+          </p:nvPr>
+        </p:nvSpPr>
+        <p:spPr/>
+        <p:txBody>
+          <a:bodyPr/>
+          <a:lstStyle/>
+          <a:p>
+            <a:endParaRPr lang="pt-BR" dirty="0"/>
+          </a:p>
+        </p:txBody>
+      </p:sp>
       <p:pic>
         <p:nvPicPr>
-          <p:cNvPr id="4" name="Picture 3" descr="C:\Users\Matheus\Desktop\estatiscas_smartphones.jpg"/>
+          <p:cNvPr id="1038" name="Picture 14" descr="C:\Users\Matheus\Desktop\Screenshot_20170702-190952.png"/>
           <p:cNvPicPr>
             <a:picLocks noChangeAspect="1" noChangeArrowheads="1"/>
           </p:cNvPicPr>
@@ -8235,8 +7882,34 @@
         </p:blipFill>
         <p:spPr bwMode="auto">
           <a:xfrm>
-            <a:off x="755576" y="764704"/>
-            <a:ext cx="7344816" cy="4913086"/>
+            <a:off x="4499992" y="1556792"/>
+            <a:ext cx="2898557" cy="4943650"/>
+          </a:xfrm>
+          <a:prstGeom prst="rect">
+            <a:avLst/>
+          </a:prstGeom>
+          <a:noFill/>
+        </p:spPr>
+      </p:pic>
+      <p:pic>
+        <p:nvPicPr>
+          <p:cNvPr id="1039" name="Picture 15" descr="C:\Users\Matheus\Desktop\Screenshot_20170702-190724.png"/>
+          <p:cNvPicPr>
+            <a:picLocks noChangeAspect="1" noChangeArrowheads="1"/>
+          </p:cNvPicPr>
+          <p:nvPr/>
+        </p:nvPicPr>
+        <p:blipFill>
+          <a:blip r:embed="rId3" cstate="print"/>
+          <a:srcRect/>
+          <a:stretch>
+            <a:fillRect/>
+          </a:stretch>
+        </p:blipFill>
+        <p:spPr bwMode="auto">
+          <a:xfrm>
+            <a:off x="971600" y="1556792"/>
+            <a:ext cx="2887695" cy="4941168"/>
           </a:xfrm>
           <a:prstGeom prst="rect">
             <a:avLst/>

--- a/Outros/slide.pptx
+++ b/Outros/slide.pptx
@@ -204,7 +204,7 @@
             <a:fld id="{798555F1-01A5-4A90-AD34-1B41F1C18094}" type="datetimeFigureOut">
               <a:rPr lang="pt-BR" smtClean="0"/>
               <a:pPr/>
-              <a:t>11/07/2017</a:t>
+              <a:t>21/08/2017</a:t>
             </a:fld>
             <a:endParaRPr lang="pt-BR"/>
           </a:p>
@@ -500,7 +500,12 @@
             <p:ph type="sldImg"/>
           </p:nvPr>
         </p:nvSpPr>
-        <p:spPr/>
+        <p:spPr>
+          <a:xfrm>
+            <a:off x="1143000" y="685800"/>
+            <a:ext cx="4572000" cy="3429000"/>
+          </a:xfrm>
+        </p:spPr>
       </p:sp>
       <p:sp>
         <p:nvSpPr>
@@ -582,7 +587,12 @@
             <p:ph type="sldImg"/>
           </p:nvPr>
         </p:nvSpPr>
-        <p:spPr/>
+        <p:spPr>
+          <a:xfrm>
+            <a:off x="1143000" y="685800"/>
+            <a:ext cx="4572000" cy="3429000"/>
+          </a:xfrm>
+        </p:spPr>
       </p:sp>
       <p:sp>
         <p:nvSpPr>
@@ -667,7 +677,12 @@
             <p:ph type="sldImg"/>
           </p:nvPr>
         </p:nvSpPr>
-        <p:spPr/>
+        <p:spPr>
+          <a:xfrm>
+            <a:off x="1143000" y="685800"/>
+            <a:ext cx="4572000" cy="3429000"/>
+          </a:xfrm>
+        </p:spPr>
       </p:sp>
       <p:sp>
         <p:nvSpPr>
@@ -752,7 +767,12 @@
             <p:ph type="sldImg"/>
           </p:nvPr>
         </p:nvSpPr>
-        <p:spPr/>
+        <p:spPr>
+          <a:xfrm>
+            <a:off x="1143000" y="685800"/>
+            <a:ext cx="4572000" cy="3429000"/>
+          </a:xfrm>
+        </p:spPr>
       </p:sp>
       <p:sp>
         <p:nvSpPr>
@@ -837,7 +857,12 @@
             <p:ph type="sldImg"/>
           </p:nvPr>
         </p:nvSpPr>
-        <p:spPr/>
+        <p:spPr>
+          <a:xfrm>
+            <a:off x="1143000" y="685800"/>
+            <a:ext cx="4572000" cy="3429000"/>
+          </a:xfrm>
+        </p:spPr>
       </p:sp>
       <p:sp>
         <p:nvSpPr>
@@ -930,7 +955,7 @@
         <p:spPr>
           <a:xfrm>
             <a:off x="2286000" y="3124200"/>
-            <a:ext cx="6172200" cy="1894362"/>
+            <a:ext cx="6172200" cy="1894363"/>
           </a:xfrm>
         </p:spPr>
         <p:txBody>
@@ -961,7 +986,7 @@
         </p:nvSpPr>
         <p:spPr>
           <a:xfrm>
-            <a:off x="2286000" y="5003322"/>
+            <a:off x="2286000" y="5003323"/>
             <a:ext cx="6172200" cy="1371600"/>
           </a:xfrm>
         </p:spPr>
@@ -1033,7 +1058,7 @@
             <a:fld id="{D5E7BBF4-83E0-4889-B49C-F05DC353EE8F}" type="datetimeFigureOut">
               <a:rPr lang="pt-BR" smtClean="0"/>
               <a:pPr/>
-              <a:t>11/07/2017</a:t>
+              <a:t>21/08/2017</a:t>
             </a:fld>
             <a:endParaRPr lang="pt-BR"/>
           </a:p>
@@ -1769,7 +1794,7 @@
         </p:nvSpPr>
         <p:spPr bwMode="auto">
           <a:xfrm>
-            <a:off x="1325544" y="4928702"/>
+            <a:off x="1325544" y="4928703"/>
             <a:ext cx="609600" cy="517524"/>
           </a:xfrm>
         </p:spPr>
@@ -1904,7 +1929,7 @@
             <a:fld id="{D5E7BBF4-83E0-4889-B49C-F05DC353EE8F}" type="datetimeFigureOut">
               <a:rPr lang="pt-BR" smtClean="0"/>
               <a:pPr/>
-              <a:t>11/07/2017</a:t>
+              <a:t>21/08/2017</a:t>
             </a:fld>
             <a:endParaRPr lang="pt-BR"/>
           </a:p>
@@ -1990,7 +2015,7 @@
         </p:nvSpPr>
         <p:spPr>
           <a:xfrm>
-            <a:off x="6629400" y="274639"/>
+            <a:off x="6629400" y="274640"/>
             <a:ext cx="1676400" cy="5851525"/>
           </a:xfrm>
         </p:spPr>
@@ -2018,7 +2043,7 @@
         </p:nvSpPr>
         <p:spPr>
           <a:xfrm>
-            <a:off x="457200" y="274638"/>
+            <a:off x="457200" y="274639"/>
             <a:ext cx="6019800" cy="5851525"/>
           </a:xfrm>
         </p:spPr>
@@ -2081,7 +2106,7 @@
             <a:fld id="{D5E7BBF4-83E0-4889-B49C-F05DC353EE8F}" type="datetimeFigureOut">
               <a:rPr lang="pt-BR" smtClean="0"/>
               <a:pPr/>
-              <a:t>11/07/2017</a:t>
+              <a:t>21/08/2017</a:t>
             </a:fld>
             <a:endParaRPr lang="pt-BR"/>
           </a:p>
@@ -2253,7 +2278,7 @@
             <a:fld id="{D5E7BBF4-83E0-4889-B49C-F05DC353EE8F}" type="datetimeFigureOut">
               <a:rPr lang="pt-BR" smtClean="0"/>
               <a:pPr/>
-              <a:t>11/07/2017</a:t>
+              <a:t>21/08/2017</a:t>
             </a:fld>
             <a:endParaRPr lang="pt-BR"/>
           </a:p>
@@ -2344,8 +2369,8 @@
         </p:nvSpPr>
         <p:spPr>
           <a:xfrm>
-            <a:off x="2286000" y="2895600"/>
-            <a:ext cx="6172200" cy="2053590"/>
+            <a:off x="2286000" y="2895601"/>
+            <a:ext cx="6172200" cy="2053591"/>
           </a:xfrm>
         </p:spPr>
         <p:txBody>
@@ -2377,7 +2402,7 @@
         </p:nvSpPr>
         <p:spPr>
           <a:xfrm>
-            <a:off x="2286000" y="5010150"/>
+            <a:off x="2286000" y="5010151"/>
             <a:ext cx="6172200" cy="1371600"/>
           </a:xfrm>
         </p:spPr>
@@ -2465,7 +2490,7 @@
             <a:fld id="{D5E7BBF4-83E0-4889-B49C-F05DC353EE8F}" type="datetimeFigureOut">
               <a:rPr lang="pt-BR" smtClean="0"/>
               <a:pPr/>
-              <a:t>11/07/2017</a:t>
+              <a:t>21/08/2017</a:t>
             </a:fld>
             <a:endParaRPr lang="pt-BR"/>
           </a:p>
@@ -3198,7 +3223,7 @@
         </p:nvSpPr>
         <p:spPr bwMode="auto">
           <a:xfrm>
-            <a:off x="1340616" y="4928702"/>
+            <a:off x="1340616" y="4928703"/>
             <a:ext cx="609600" cy="517524"/>
           </a:xfrm>
         </p:spPr>
@@ -3281,7 +3306,7 @@
             <a:fld id="{D5E7BBF4-83E0-4889-B49C-F05DC353EE8F}" type="datetimeFigureOut">
               <a:rPr lang="pt-BR" smtClean="0"/>
               <a:pPr/>
-              <a:t>11/07/2017</a:t>
+              <a:t>21/08/2017</a:t>
             </a:fld>
             <a:endParaRPr lang="pt-BR"/>
           </a:p>
@@ -3481,7 +3506,7 @@
         </p:nvSpPr>
         <p:spPr>
           <a:xfrm>
-            <a:off x="457200" y="273050"/>
+            <a:off x="457200" y="273051"/>
             <a:ext cx="7543800" cy="1143000"/>
           </a:xfrm>
         </p:spPr>
@@ -3519,7 +3544,7 @@
             <a:fld id="{D5E7BBF4-83E0-4889-B49C-F05DC353EE8F}" type="datetimeFigureOut">
               <a:rPr lang="pt-BR" smtClean="0"/>
               <a:pPr/>
-              <a:t>11/07/2017</a:t>
+              <a:t>21/08/2017</a:t>
             </a:fld>
             <a:endParaRPr lang="pt-BR"/>
           </a:p>
@@ -3844,7 +3869,7 @@
             <a:fld id="{D5E7BBF4-83E0-4889-B49C-F05DC353EE8F}" type="datetimeFigureOut">
               <a:rPr lang="pt-BR" smtClean="0"/>
               <a:pPr/>
-              <a:t>11/07/2017</a:t>
+              <a:t>21/08/2017</a:t>
             </a:fld>
             <a:endParaRPr lang="pt-BR"/>
           </a:p>
@@ -3936,7 +3961,7 @@
             <a:fld id="{D5E7BBF4-83E0-4889-B49C-F05DC353EE8F}" type="datetimeFigureOut">
               <a:rPr lang="pt-BR" smtClean="0"/>
               <a:pPr/>
-              <a:t>11/07/2017</a:t>
+              <a:t>21/08/2017</a:t>
             </a:fld>
             <a:endParaRPr lang="pt-BR"/>
           </a:p>
@@ -4455,7 +4480,7 @@
             <a:fld id="{D5E7BBF4-83E0-4889-B49C-F05DC353EE8F}" type="datetimeFigureOut">
               <a:rPr lang="pt-BR" smtClean="0"/>
               <a:pPr/>
-              <a:t>11/07/2017</a:t>
+              <a:t>21/08/2017</a:t>
             </a:fld>
             <a:endParaRPr lang="pt-BR"/>
           </a:p>
@@ -4968,7 +4993,7 @@
             <a:fld id="{D5E7BBF4-83E0-4889-B49C-F05DC353EE8F}" type="datetimeFigureOut">
               <a:rPr lang="pt-BR" smtClean="0"/>
               <a:pPr/>
-              <a:t>11/07/2017</a:t>
+              <a:t>21/08/2017</a:t>
             </a:fld>
             <a:endParaRPr lang="pt-BR"/>
           </a:p>
@@ -5098,7 +5123,7 @@
         </p:nvSpPr>
         <p:spPr>
           <a:xfrm>
-            <a:off x="457200" y="274638"/>
+            <a:off x="457200" y="274639"/>
             <a:ext cx="7467600" cy="1143000"/>
           </a:xfrm>
           <a:prstGeom prst="rect">
@@ -5215,7 +5240,7 @@
             <a:fld id="{D5E7BBF4-83E0-4889-B49C-F05DC353EE8F}" type="datetimeFigureOut">
               <a:rPr lang="pt-BR" smtClean="0"/>
               <a:pPr/>
-              <a:t>11/07/2017</a:t>
+              <a:t>21/08/2017</a:t>
             </a:fld>
             <a:endParaRPr lang="pt-BR"/>
           </a:p>
@@ -5470,7 +5495,7 @@
         </p:nvSpPr>
         <p:spPr>
           <a:xfrm>
-            <a:off x="8129016" y="5734050"/>
+            <a:off x="8129016" y="5734051"/>
             <a:ext cx="609600" cy="521208"/>
           </a:xfrm>
           <a:prstGeom prst="rect">
@@ -5834,7 +5859,7 @@
         <p:spPr>
           <a:xfrm>
             <a:off x="2555776" y="1628800"/>
-            <a:ext cx="6172200" cy="1894362"/>
+            <a:ext cx="6172200" cy="1894363"/>
           </a:xfrm>
         </p:spPr>
         <p:txBody>
@@ -5844,7 +5869,7 @@
           <a:lstStyle/>
           <a:p>
             <a:r>
-              <a:rPr lang="pt-BR" sz="6000" dirty="0" smtClean="0">
+              <a:rPr lang="pt-BR" sz="6000" smtClean="0">
                 <a:solidFill>
                   <a:schemeClr val="tx1"/>
                 </a:solidFill>
@@ -5887,7 +5912,7 @@
           <a:p>
             <a:pPr algn="just"/>
             <a:r>
-              <a:rPr lang="pt-BR" sz="2400" dirty="0" smtClean="0">
+              <a:rPr lang="pt-BR" sz="2400" smtClean="0">
                 <a:solidFill>
                   <a:schemeClr val="tx1"/>
                 </a:solidFill>
@@ -5898,7 +5923,7 @@
             </a:r>
           </a:p>
           <a:p>
-            <a:endParaRPr lang="pt-BR" sz="2400" dirty="0" smtClean="0">
+            <a:endParaRPr lang="pt-BR" sz="2400" smtClean="0">
               <a:solidFill>
                 <a:schemeClr val="tx1"/>
               </a:solidFill>
@@ -5908,24 +5933,14 @@
           </a:p>
           <a:p>
             <a:r>
-              <a:rPr lang="pt-BR" sz="2400" dirty="0" smtClean="0">
+              <a:rPr lang="pt-BR" sz="2400" smtClean="0">
                 <a:solidFill>
                   <a:schemeClr val="tx1"/>
                 </a:solidFill>
                 <a:latin typeface="Arial" pitchFamily="34" charset="0"/>
                 <a:cs typeface="Arial" pitchFamily="34" charset="0"/>
               </a:rPr>
-              <a:t>Professor Orientador: Flávio </a:t>
-            </a:r>
-            <a:r>
-              <a:rPr lang="pt-BR" sz="2400" dirty="0" err="1" smtClean="0">
-                <a:solidFill>
-                  <a:schemeClr val="tx1"/>
-                </a:solidFill>
-                <a:latin typeface="Arial" pitchFamily="34" charset="0"/>
-                <a:cs typeface="Arial" pitchFamily="34" charset="0"/>
-              </a:rPr>
-              <a:t>Izo</a:t>
+              <a:t>Professor Orientador: Flávio Izo</a:t>
             </a:r>
             <a:endParaRPr lang="pt-BR" sz="2400" dirty="0">
               <a:solidFill>
@@ -5954,7 +5969,7 @@
         </p:blipFill>
         <p:spPr bwMode="auto">
           <a:xfrm>
-            <a:off x="6165089" y="0"/>
+            <a:off x="6165091" y="0"/>
             <a:ext cx="2978911" cy="1700808"/>
           </a:xfrm>
           <a:prstGeom prst="rect">
@@ -6335,13 +6350,13 @@
           <a:bodyPr/>
           <a:lstStyle/>
           <a:p>
-            <a:endParaRPr lang="pt-BR"/>
+            <a:endParaRPr lang="pt-BR" dirty="0"/>
           </a:p>
         </p:txBody>
       </p:sp>
       <p:pic>
         <p:nvPicPr>
-          <p:cNvPr id="2050" name="Picture 2" descr="C:\Users\Matheus\Desktop\Screenshot_20170702-191101.png"/>
+          <p:cNvPr id="3074" name="Picture 2" descr="C:\Users\Matheus\Desktop\Screenshot_20170821-115425.png"/>
           <p:cNvPicPr>
             <a:picLocks noChangeAspect="1" noChangeArrowheads="1"/>
           </p:cNvPicPr>
@@ -6356,8 +6371,8 @@
         </p:blipFill>
         <p:spPr bwMode="auto">
           <a:xfrm>
-            <a:off x="1043607" y="1655802"/>
-            <a:ext cx="2808313" cy="4797534"/>
+            <a:off x="1142976" y="1500175"/>
+            <a:ext cx="2912400" cy="4959171"/>
           </a:xfrm>
           <a:prstGeom prst="rect">
             <a:avLst/>
@@ -6367,7 +6382,7 @@
       </p:pic>
       <p:pic>
         <p:nvPicPr>
-          <p:cNvPr id="2051" name="Picture 3" descr="C:\Users\Matheus\Desktop\Screenshot_20170702-191146.png"/>
+          <p:cNvPr id="3075" name="Picture 3" descr="C:\Users\Matheus\Desktop\Screenshot_20170821-115559.png"/>
           <p:cNvPicPr>
             <a:picLocks noChangeAspect="1" noChangeArrowheads="1"/>
           </p:cNvPicPr>
@@ -6382,8 +6397,8 @@
         </p:blipFill>
         <p:spPr bwMode="auto">
           <a:xfrm>
-            <a:off x="4211960" y="1628800"/>
-            <a:ext cx="2808312" cy="4805334"/>
+            <a:off x="4643438" y="1500175"/>
+            <a:ext cx="2912400" cy="4967259"/>
           </a:xfrm>
           <a:prstGeom prst="rect">
             <a:avLst/>
@@ -6440,7 +6455,7 @@
         </p:blipFill>
         <p:spPr bwMode="auto">
           <a:xfrm>
-            <a:off x="4499992" y="4788140"/>
+            <a:off x="4499992" y="4788141"/>
             <a:ext cx="3635524" cy="2069860"/>
           </a:xfrm>
           <a:prstGeom prst="rect">
@@ -6681,16 +6696,74 @@
           <a:chExt cx="0" cy="0"/>
         </a:xfrm>
       </p:grpSpPr>
+      <p:sp>
+        <p:nvSpPr>
+          <p:cNvPr id="2" name="Título 1"/>
+          <p:cNvSpPr>
+            <a:spLocks noGrp="1"/>
+          </p:cNvSpPr>
+          <p:nvPr>
+            <p:ph type="title"/>
+          </p:nvPr>
+        </p:nvSpPr>
+        <p:spPr/>
+        <p:txBody>
+          <a:bodyPr/>
+          <a:lstStyle/>
+          <a:p>
+            <a:endParaRPr lang="pt-BR" dirty="0"/>
+          </a:p>
+        </p:txBody>
+      </p:sp>
+      <p:sp>
+        <p:nvSpPr>
+          <p:cNvPr id="3" name="Espaço Reservado para Conteúdo 2"/>
+          <p:cNvSpPr>
+            <a:spLocks noGrp="1"/>
+          </p:cNvSpPr>
+          <p:nvPr>
+            <p:ph sz="quarter" idx="1"/>
+          </p:nvPr>
+        </p:nvSpPr>
+        <p:spPr>
+          <a:xfrm>
+            <a:off x="467544" y="6165304"/>
+            <a:ext cx="7899648" cy="892696"/>
+          </a:xfrm>
+        </p:spPr>
+        <p:txBody>
+          <a:bodyPr>
+            <a:normAutofit/>
+          </a:bodyPr>
+          <a:lstStyle/>
+          <a:p>
+            <a:pPr>
+              <a:buNone/>
+            </a:pPr>
+            <a:r>
+              <a:rPr lang="pt-BR" sz="2000" dirty="0" smtClean="0">
+                <a:latin typeface="Arial" pitchFamily="34" charset="0"/>
+                <a:cs typeface="Arial" pitchFamily="34" charset="0"/>
+              </a:rPr>
+              <a:t>Fonte: Autor e imagens retiradas da internet para fins didáticos</a:t>
+            </a:r>
+            <a:endParaRPr lang="pt-BR" sz="2000" dirty="0">
+              <a:latin typeface="Arial" pitchFamily="34" charset="0"/>
+              <a:cs typeface="Arial" pitchFamily="34" charset="0"/>
+            </a:endParaRPr>
+          </a:p>
+        </p:txBody>
+      </p:sp>
       <p:pic>
         <p:nvPicPr>
-          <p:cNvPr id="4" name="Picture 2" descr="C:\Users\Matheus\Documents\GitHub\TCC\TCC\imagens\fluxo_generico_ouvidoria.jpg"/>
+          <p:cNvPr id="1026" name="Picture 2" descr="C:\Algumas Pastas\Sistemas de Informação\TCC\Outros\fluxo_generico_ouvidoria.jpg"/>
           <p:cNvPicPr>
             <a:picLocks noChangeAspect="1" noChangeArrowheads="1"/>
           </p:cNvPicPr>
           <p:nvPr/>
         </p:nvPicPr>
         <p:blipFill>
-          <a:blip r:embed="rId3" cstate="print"/>
+          <a:blip r:embed="rId3"/>
           <a:srcRect/>
           <a:stretch>
             <a:fillRect/>
@@ -6698,8 +6771,8 @@
         </p:blipFill>
         <p:spPr bwMode="auto">
           <a:xfrm>
-            <a:off x="539552" y="0"/>
-            <a:ext cx="8064896" cy="6478053"/>
+            <a:off x="642910" y="142853"/>
+            <a:ext cx="7387760" cy="5934151"/>
           </a:xfrm>
           <a:prstGeom prst="rect">
             <a:avLst/>
@@ -6707,64 +6780,6 @@
           <a:noFill/>
         </p:spPr>
       </p:pic>
-      <p:sp>
-        <p:nvSpPr>
-          <p:cNvPr id="2" name="Título 1"/>
-          <p:cNvSpPr>
-            <a:spLocks noGrp="1"/>
-          </p:cNvSpPr>
-          <p:nvPr>
-            <p:ph type="title"/>
-          </p:nvPr>
-        </p:nvSpPr>
-        <p:spPr/>
-        <p:txBody>
-          <a:bodyPr/>
-          <a:lstStyle/>
-          <a:p>
-            <a:endParaRPr lang="pt-BR" dirty="0"/>
-          </a:p>
-        </p:txBody>
-      </p:sp>
-      <p:sp>
-        <p:nvSpPr>
-          <p:cNvPr id="3" name="Espaço Reservado para Conteúdo 2"/>
-          <p:cNvSpPr>
-            <a:spLocks noGrp="1"/>
-          </p:cNvSpPr>
-          <p:nvPr>
-            <p:ph sz="quarter" idx="1"/>
-          </p:nvPr>
-        </p:nvSpPr>
-        <p:spPr>
-          <a:xfrm>
-            <a:off x="467544" y="6165304"/>
-            <a:ext cx="7899648" cy="892696"/>
-          </a:xfrm>
-        </p:spPr>
-        <p:txBody>
-          <a:bodyPr>
-            <a:normAutofit/>
-          </a:bodyPr>
-          <a:lstStyle/>
-          <a:p>
-            <a:pPr>
-              <a:buNone/>
-            </a:pPr>
-            <a:r>
-              <a:rPr lang="pt-BR" sz="2000" dirty="0" smtClean="0">
-                <a:latin typeface="Arial" pitchFamily="34" charset="0"/>
-                <a:cs typeface="Arial" pitchFamily="34" charset="0"/>
-              </a:rPr>
-              <a:t>Fonte: Autor e imagens retiradas da internet para fins didáticos</a:t>
-            </a:r>
-            <a:endParaRPr lang="pt-BR" sz="2000" dirty="0">
-              <a:latin typeface="Arial" pitchFamily="34" charset="0"/>
-              <a:cs typeface="Arial" pitchFamily="34" charset="0"/>
-            </a:endParaRPr>
-          </a:p>
-        </p:txBody>
-      </p:sp>
     </p:spTree>
   </p:cSld>
   <p:clrMapOvr>
@@ -6814,7 +6829,7 @@
         </p:blipFill>
         <p:spPr bwMode="auto">
           <a:xfrm>
-            <a:off x="4283968" y="1484784"/>
+            <a:off x="4283968" y="1484786"/>
             <a:ext cx="4464496" cy="2507559"/>
           </a:xfrm>
           <a:prstGeom prst="rect">
@@ -6942,7 +6957,7 @@
         </p:blipFill>
         <p:spPr bwMode="auto">
           <a:xfrm>
-            <a:off x="1115616" y="1484784"/>
+            <a:off x="1115618" y="1484784"/>
             <a:ext cx="3166429" cy="2376264"/>
           </a:xfrm>
           <a:prstGeom prst="rect">
@@ -7233,8 +7248,8 @@
         </p:blipFill>
         <p:spPr bwMode="auto">
           <a:xfrm>
-            <a:off x="1331640" y="3140968"/>
-            <a:ext cx="5606058" cy="2999606"/>
+            <a:off x="1331640" y="3140969"/>
+            <a:ext cx="5606058" cy="2999607"/>
           </a:xfrm>
           <a:prstGeom prst="rect">
             <a:avLst/>
@@ -7357,7 +7372,7 @@
         </p:blipFill>
         <p:spPr bwMode="auto">
           <a:xfrm>
-            <a:off x="4788024" y="3501008"/>
+            <a:off x="4788024" y="3501009"/>
             <a:ext cx="2743200" cy="2857500"/>
           </a:xfrm>
           <a:prstGeom prst="rect">
@@ -7415,7 +7430,7 @@
         </p:blipFill>
         <p:spPr bwMode="auto">
           <a:xfrm>
-            <a:off x="5364088" y="4221088"/>
+            <a:off x="5364090" y="4221088"/>
             <a:ext cx="2720913" cy="2376264"/>
           </a:xfrm>
           <a:prstGeom prst="rect">
@@ -7537,14 +7552,7 @@
                 <a:latin typeface="Arial" pitchFamily="34" charset="0"/>
                 <a:cs typeface="Arial" pitchFamily="34" charset="0"/>
               </a:rPr>
-              <a:t>Tecnologias </a:t>
-            </a:r>
-            <a:r>
-              <a:rPr lang="pt-BR" sz="3200" dirty="0" smtClean="0">
-                <a:latin typeface="Arial" pitchFamily="34" charset="0"/>
-                <a:cs typeface="Arial" pitchFamily="34" charset="0"/>
-              </a:rPr>
-              <a:t>utilizadas</a:t>
+              <a:t>Tecnologias utilizadas</a:t>
             </a:r>
           </a:p>
           <a:p>
@@ -7608,10 +7616,6 @@
               </a:rPr>
               <a:t>)</a:t>
             </a:r>
-            <a:endParaRPr lang="pt-BR" sz="2400" dirty="0" smtClean="0">
-              <a:latin typeface="Arial" pitchFamily="34" charset="0"/>
-              <a:cs typeface="Arial" pitchFamily="34" charset="0"/>
-            </a:endParaRPr>
           </a:p>
         </p:txBody>
       </p:sp>
@@ -7768,8 +7772,8 @@
         </p:blipFill>
         <p:spPr bwMode="auto">
           <a:xfrm>
-            <a:off x="755576" y="764704"/>
-            <a:ext cx="7344816" cy="4913086"/>
+            <a:off x="755576" y="764705"/>
+            <a:ext cx="7344816" cy="4913087"/>
           </a:xfrm>
           <a:prstGeom prst="rect">
             <a:avLst/>
@@ -7867,7 +7871,7 @@
       </p:sp>
       <p:pic>
         <p:nvPicPr>
-          <p:cNvPr id="1038" name="Picture 14" descr="C:\Users\Matheus\Desktop\Screenshot_20170702-190952.png"/>
+          <p:cNvPr id="2051" name="Picture 3" descr="C:\Users\Matheus\Desktop\Screenshot_20170821-115240.png"/>
           <p:cNvPicPr>
             <a:picLocks noChangeAspect="1" noChangeArrowheads="1"/>
           </p:cNvPicPr>
@@ -7875,15 +7879,14 @@
         </p:nvPicPr>
         <p:blipFill>
           <a:blip r:embed="rId2" cstate="print"/>
-          <a:srcRect/>
           <a:stretch>
             <a:fillRect/>
           </a:stretch>
         </p:blipFill>
         <p:spPr bwMode="auto">
           <a:xfrm>
-            <a:off x="4499992" y="1556792"/>
-            <a:ext cx="2898557" cy="4943650"/>
+            <a:off x="1214414" y="1500174"/>
+            <a:ext cx="2912400" cy="4967259"/>
           </a:xfrm>
           <a:prstGeom prst="rect">
             <a:avLst/>
@@ -7893,7 +7896,7 @@
       </p:pic>
       <p:pic>
         <p:nvPicPr>
-          <p:cNvPr id="1039" name="Picture 15" descr="C:\Users\Matheus\Desktop\Screenshot_20170702-190724.png"/>
+          <p:cNvPr id="2052" name="Picture 4" descr="C:\Users\Matheus\Desktop\Screenshot_20170821-115350.png"/>
           <p:cNvPicPr>
             <a:picLocks noChangeAspect="1" noChangeArrowheads="1"/>
           </p:cNvPicPr>
@@ -7908,8 +7911,8 @@
         </p:blipFill>
         <p:spPr bwMode="auto">
           <a:xfrm>
-            <a:off x="971600" y="1556792"/>
-            <a:ext cx="2887695" cy="4941168"/>
+            <a:off x="4714876" y="1500174"/>
+            <a:ext cx="2912979" cy="5000660"/>
           </a:xfrm>
           <a:prstGeom prst="rect">
             <a:avLst/>
